--- a/tr-semanticsearchsurvey-data/figs/semsearch_detailed.pptx
+++ b/tr-semanticsearchsurvey-data/figs/semsearch_detailed.pptx
@@ -5,10 +5,15 @@
     <p:sldMasterId id="2147483648" r:id="rId1"/>
   </p:sldMasterIdLst>
   <p:notesMasterIdLst>
-    <p:notesMasterId r:id="rId3"/>
+    <p:notesMasterId r:id="rId8"/>
   </p:notesMasterIdLst>
   <p:sldIdLst>
     <p:sldId id="258" r:id="rId2"/>
+    <p:sldId id="262" r:id="rId3"/>
+    <p:sldId id="263" r:id="rId4"/>
+    <p:sldId id="264" r:id="rId5"/>
+    <p:sldId id="265" r:id="rId6"/>
+    <p:sldId id="266" r:id="rId7"/>
   </p:sldIdLst>
   <p:sldSz cx="9144000" cy="6858000" type="screen4x3"/>
   <p:notesSz cx="7099300" cy="10234613"/>
@@ -193,7 +198,7 @@
             <a:fld id="{34E21BB2-184D-4B9E-9C82-4DBA5278B92B}" type="datetimeFigureOut">
               <a:rPr lang="en-US" smtClean="0"/>
               <a:pPr/>
-              <a:t>1/25/2012</a:t>
+              <a:t>4/1/2012</a:t>
             </a:fld>
             <a:endParaRPr lang="en-US"/>
           </a:p>
@@ -362,6 +367,11 @@
         </p:txBody>
       </p:sp>
     </p:spTree>
+    <p:extLst>
+      <p:ext uri="{BB962C8B-B14F-4D97-AF65-F5344CB8AC3E}">
+        <p14:creationId xmlns:p14="http://schemas.microsoft.com/office/powerpoint/2010/main" val="3475864690"/>
+      </p:ext>
+    </p:extLst>
   </p:cSld>
   <p:clrMap bg1="lt1" tx1="dk1" bg2="lt2" tx2="dk2" accent1="accent1" accent2="accent2" accent3="accent3" accent4="accent4" accent5="accent5" accent6="accent6" hlink="hlink" folHlink="folHlink"/>
   <p:notesStyle>
@@ -541,6 +551,416 @@
 </p:notes>
 </file>
 
+<file path=ppt/notesSlides/notesSlide2.xml><?xml version="1.0" encoding="utf-8"?>
+<p:notes xmlns:a="http://schemas.openxmlformats.org/drawingml/2006/main" xmlns:r="http://schemas.openxmlformats.org/officeDocument/2006/relationships" xmlns:p="http://schemas.openxmlformats.org/presentationml/2006/main">
+  <p:cSld>
+    <p:spTree>
+      <p:nvGrpSpPr>
+        <p:cNvPr id="1" name=""/>
+        <p:cNvGrpSpPr/>
+        <p:nvPr/>
+      </p:nvGrpSpPr>
+      <p:grpSpPr>
+        <a:xfrm>
+          <a:off x="0" y="0"/>
+          <a:ext cx="0" cy="0"/>
+          <a:chOff x="0" y="0"/>
+          <a:chExt cx="0" cy="0"/>
+        </a:xfrm>
+      </p:grpSpPr>
+      <p:sp>
+        <p:nvSpPr>
+          <p:cNvPr id="2" name="Folienbildplatzhalter 1"/>
+          <p:cNvSpPr>
+            <a:spLocks noGrp="1" noRot="1" noChangeAspect="1"/>
+          </p:cNvSpPr>
+          <p:nvPr>
+            <p:ph type="sldImg"/>
+          </p:nvPr>
+        </p:nvSpPr>
+        <p:spPr/>
+      </p:sp>
+      <p:sp>
+        <p:nvSpPr>
+          <p:cNvPr id="3" name="Notizenplatzhalter 2"/>
+          <p:cNvSpPr>
+            <a:spLocks noGrp="1"/>
+          </p:cNvSpPr>
+          <p:nvPr>
+            <p:ph type="body" idx="1"/>
+          </p:nvPr>
+        </p:nvSpPr>
+        <p:spPr/>
+        <p:txBody>
+          <a:bodyPr>
+            <a:normAutofit/>
+          </a:bodyPr>
+          <a:lstStyle/>
+          <a:p>
+            <a:endParaRPr lang="en-US"/>
+          </a:p>
+        </p:txBody>
+      </p:sp>
+      <p:sp>
+        <p:nvSpPr>
+          <p:cNvPr id="4" name="Foliennummernplatzhalter 3"/>
+          <p:cNvSpPr>
+            <a:spLocks noGrp="1"/>
+          </p:cNvSpPr>
+          <p:nvPr>
+            <p:ph type="sldNum" sz="quarter" idx="10"/>
+          </p:nvPr>
+        </p:nvSpPr>
+        <p:spPr/>
+        <p:txBody>
+          <a:bodyPr/>
+          <a:lstStyle/>
+          <a:p>
+            <a:fld id="{5D95935F-4E2F-4D99-B176-9013C3AC3277}" type="slidenum">
+              <a:rPr lang="en-US" smtClean="0"/>
+              <a:pPr/>
+              <a:t>2</a:t>
+            </a:fld>
+            <a:endParaRPr lang="en-US"/>
+          </a:p>
+        </p:txBody>
+      </p:sp>
+    </p:spTree>
+  </p:cSld>
+  <p:clrMapOvr>
+    <a:masterClrMapping/>
+  </p:clrMapOvr>
+</p:notes>
+</file>
+
+<file path=ppt/notesSlides/notesSlide3.xml><?xml version="1.0" encoding="utf-8"?>
+<p:notes xmlns:a="http://schemas.openxmlformats.org/drawingml/2006/main" xmlns:r="http://schemas.openxmlformats.org/officeDocument/2006/relationships" xmlns:p="http://schemas.openxmlformats.org/presentationml/2006/main">
+  <p:cSld>
+    <p:spTree>
+      <p:nvGrpSpPr>
+        <p:cNvPr id="1" name=""/>
+        <p:cNvGrpSpPr/>
+        <p:nvPr/>
+      </p:nvGrpSpPr>
+      <p:grpSpPr>
+        <a:xfrm>
+          <a:off x="0" y="0"/>
+          <a:ext cx="0" cy="0"/>
+          <a:chOff x="0" y="0"/>
+          <a:chExt cx="0" cy="0"/>
+        </a:xfrm>
+      </p:grpSpPr>
+      <p:sp>
+        <p:nvSpPr>
+          <p:cNvPr id="2" name="Folienbildplatzhalter 1"/>
+          <p:cNvSpPr>
+            <a:spLocks noGrp="1" noRot="1" noChangeAspect="1"/>
+          </p:cNvSpPr>
+          <p:nvPr>
+            <p:ph type="sldImg"/>
+          </p:nvPr>
+        </p:nvSpPr>
+        <p:spPr/>
+      </p:sp>
+      <p:sp>
+        <p:nvSpPr>
+          <p:cNvPr id="3" name="Notizenplatzhalter 2"/>
+          <p:cNvSpPr>
+            <a:spLocks noGrp="1"/>
+          </p:cNvSpPr>
+          <p:nvPr>
+            <p:ph type="body" idx="1"/>
+          </p:nvPr>
+        </p:nvSpPr>
+        <p:spPr/>
+        <p:txBody>
+          <a:bodyPr>
+            <a:normAutofit/>
+          </a:bodyPr>
+          <a:lstStyle/>
+          <a:p>
+            <a:endParaRPr lang="en-US"/>
+          </a:p>
+        </p:txBody>
+      </p:sp>
+      <p:sp>
+        <p:nvSpPr>
+          <p:cNvPr id="4" name="Foliennummernplatzhalter 3"/>
+          <p:cNvSpPr>
+            <a:spLocks noGrp="1"/>
+          </p:cNvSpPr>
+          <p:nvPr>
+            <p:ph type="sldNum" sz="quarter" idx="10"/>
+          </p:nvPr>
+        </p:nvSpPr>
+        <p:spPr/>
+        <p:txBody>
+          <a:bodyPr/>
+          <a:lstStyle/>
+          <a:p>
+            <a:fld id="{5D95935F-4E2F-4D99-B176-9013C3AC3277}" type="slidenum">
+              <a:rPr lang="en-US" smtClean="0"/>
+              <a:pPr/>
+              <a:t>3</a:t>
+            </a:fld>
+            <a:endParaRPr lang="en-US"/>
+          </a:p>
+        </p:txBody>
+      </p:sp>
+    </p:spTree>
+  </p:cSld>
+  <p:clrMapOvr>
+    <a:masterClrMapping/>
+  </p:clrMapOvr>
+</p:notes>
+</file>
+
+<file path=ppt/notesSlides/notesSlide4.xml><?xml version="1.0" encoding="utf-8"?>
+<p:notes xmlns:a="http://schemas.openxmlformats.org/drawingml/2006/main" xmlns:r="http://schemas.openxmlformats.org/officeDocument/2006/relationships" xmlns:p="http://schemas.openxmlformats.org/presentationml/2006/main">
+  <p:cSld>
+    <p:spTree>
+      <p:nvGrpSpPr>
+        <p:cNvPr id="1" name=""/>
+        <p:cNvGrpSpPr/>
+        <p:nvPr/>
+      </p:nvGrpSpPr>
+      <p:grpSpPr>
+        <a:xfrm>
+          <a:off x="0" y="0"/>
+          <a:ext cx="0" cy="0"/>
+          <a:chOff x="0" y="0"/>
+          <a:chExt cx="0" cy="0"/>
+        </a:xfrm>
+      </p:grpSpPr>
+      <p:sp>
+        <p:nvSpPr>
+          <p:cNvPr id="2" name="Folienbildplatzhalter 1"/>
+          <p:cNvSpPr>
+            <a:spLocks noGrp="1" noRot="1" noChangeAspect="1"/>
+          </p:cNvSpPr>
+          <p:nvPr>
+            <p:ph type="sldImg"/>
+          </p:nvPr>
+        </p:nvSpPr>
+        <p:spPr/>
+      </p:sp>
+      <p:sp>
+        <p:nvSpPr>
+          <p:cNvPr id="3" name="Notizenplatzhalter 2"/>
+          <p:cNvSpPr>
+            <a:spLocks noGrp="1"/>
+          </p:cNvSpPr>
+          <p:nvPr>
+            <p:ph type="body" idx="1"/>
+          </p:nvPr>
+        </p:nvSpPr>
+        <p:spPr/>
+        <p:txBody>
+          <a:bodyPr>
+            <a:normAutofit/>
+          </a:bodyPr>
+          <a:lstStyle/>
+          <a:p>
+            <a:endParaRPr lang="en-US"/>
+          </a:p>
+        </p:txBody>
+      </p:sp>
+      <p:sp>
+        <p:nvSpPr>
+          <p:cNvPr id="4" name="Foliennummernplatzhalter 3"/>
+          <p:cNvSpPr>
+            <a:spLocks noGrp="1"/>
+          </p:cNvSpPr>
+          <p:nvPr>
+            <p:ph type="sldNum" sz="quarter" idx="10"/>
+          </p:nvPr>
+        </p:nvSpPr>
+        <p:spPr/>
+        <p:txBody>
+          <a:bodyPr/>
+          <a:lstStyle/>
+          <a:p>
+            <a:fld id="{5D95935F-4E2F-4D99-B176-9013C3AC3277}" type="slidenum">
+              <a:rPr lang="en-US" smtClean="0"/>
+              <a:pPr/>
+              <a:t>4</a:t>
+            </a:fld>
+            <a:endParaRPr lang="en-US"/>
+          </a:p>
+        </p:txBody>
+      </p:sp>
+    </p:spTree>
+  </p:cSld>
+  <p:clrMapOvr>
+    <a:masterClrMapping/>
+  </p:clrMapOvr>
+</p:notes>
+</file>
+
+<file path=ppt/notesSlides/notesSlide5.xml><?xml version="1.0" encoding="utf-8"?>
+<p:notes xmlns:a="http://schemas.openxmlformats.org/drawingml/2006/main" xmlns:r="http://schemas.openxmlformats.org/officeDocument/2006/relationships" xmlns:p="http://schemas.openxmlformats.org/presentationml/2006/main">
+  <p:cSld>
+    <p:spTree>
+      <p:nvGrpSpPr>
+        <p:cNvPr id="1" name=""/>
+        <p:cNvGrpSpPr/>
+        <p:nvPr/>
+      </p:nvGrpSpPr>
+      <p:grpSpPr>
+        <a:xfrm>
+          <a:off x="0" y="0"/>
+          <a:ext cx="0" cy="0"/>
+          <a:chOff x="0" y="0"/>
+          <a:chExt cx="0" cy="0"/>
+        </a:xfrm>
+      </p:grpSpPr>
+      <p:sp>
+        <p:nvSpPr>
+          <p:cNvPr id="2" name="Folienbildplatzhalter 1"/>
+          <p:cNvSpPr>
+            <a:spLocks noGrp="1" noRot="1" noChangeAspect="1"/>
+          </p:cNvSpPr>
+          <p:nvPr>
+            <p:ph type="sldImg"/>
+          </p:nvPr>
+        </p:nvSpPr>
+        <p:spPr/>
+      </p:sp>
+      <p:sp>
+        <p:nvSpPr>
+          <p:cNvPr id="3" name="Notizenplatzhalter 2"/>
+          <p:cNvSpPr>
+            <a:spLocks noGrp="1"/>
+          </p:cNvSpPr>
+          <p:nvPr>
+            <p:ph type="body" idx="1"/>
+          </p:nvPr>
+        </p:nvSpPr>
+        <p:spPr/>
+        <p:txBody>
+          <a:bodyPr>
+            <a:normAutofit/>
+          </a:bodyPr>
+          <a:lstStyle/>
+          <a:p>
+            <a:endParaRPr lang="en-US"/>
+          </a:p>
+        </p:txBody>
+      </p:sp>
+      <p:sp>
+        <p:nvSpPr>
+          <p:cNvPr id="4" name="Foliennummernplatzhalter 3"/>
+          <p:cNvSpPr>
+            <a:spLocks noGrp="1"/>
+          </p:cNvSpPr>
+          <p:nvPr>
+            <p:ph type="sldNum" sz="quarter" idx="10"/>
+          </p:nvPr>
+        </p:nvSpPr>
+        <p:spPr/>
+        <p:txBody>
+          <a:bodyPr/>
+          <a:lstStyle/>
+          <a:p>
+            <a:fld id="{5D95935F-4E2F-4D99-B176-9013C3AC3277}" type="slidenum">
+              <a:rPr lang="en-US" smtClean="0"/>
+              <a:pPr/>
+              <a:t>5</a:t>
+            </a:fld>
+            <a:endParaRPr lang="en-US"/>
+          </a:p>
+        </p:txBody>
+      </p:sp>
+    </p:spTree>
+  </p:cSld>
+  <p:clrMapOvr>
+    <a:masterClrMapping/>
+  </p:clrMapOvr>
+</p:notes>
+</file>
+
+<file path=ppt/notesSlides/notesSlide6.xml><?xml version="1.0" encoding="utf-8"?>
+<p:notes xmlns:a="http://schemas.openxmlformats.org/drawingml/2006/main" xmlns:r="http://schemas.openxmlformats.org/officeDocument/2006/relationships" xmlns:p="http://schemas.openxmlformats.org/presentationml/2006/main">
+  <p:cSld>
+    <p:spTree>
+      <p:nvGrpSpPr>
+        <p:cNvPr id="1" name=""/>
+        <p:cNvGrpSpPr/>
+        <p:nvPr/>
+      </p:nvGrpSpPr>
+      <p:grpSpPr>
+        <a:xfrm>
+          <a:off x="0" y="0"/>
+          <a:ext cx="0" cy="0"/>
+          <a:chOff x="0" y="0"/>
+          <a:chExt cx="0" cy="0"/>
+        </a:xfrm>
+      </p:grpSpPr>
+      <p:sp>
+        <p:nvSpPr>
+          <p:cNvPr id="2" name="Folienbildplatzhalter 1"/>
+          <p:cNvSpPr>
+            <a:spLocks noGrp="1" noRot="1" noChangeAspect="1"/>
+          </p:cNvSpPr>
+          <p:nvPr>
+            <p:ph type="sldImg"/>
+          </p:nvPr>
+        </p:nvSpPr>
+        <p:spPr/>
+      </p:sp>
+      <p:sp>
+        <p:nvSpPr>
+          <p:cNvPr id="3" name="Notizenplatzhalter 2"/>
+          <p:cNvSpPr>
+            <a:spLocks noGrp="1"/>
+          </p:cNvSpPr>
+          <p:nvPr>
+            <p:ph type="body" idx="1"/>
+          </p:nvPr>
+        </p:nvSpPr>
+        <p:spPr/>
+        <p:txBody>
+          <a:bodyPr>
+            <a:normAutofit/>
+          </a:bodyPr>
+          <a:lstStyle/>
+          <a:p>
+            <a:endParaRPr lang="en-US"/>
+          </a:p>
+        </p:txBody>
+      </p:sp>
+      <p:sp>
+        <p:nvSpPr>
+          <p:cNvPr id="4" name="Foliennummernplatzhalter 3"/>
+          <p:cNvSpPr>
+            <a:spLocks noGrp="1"/>
+          </p:cNvSpPr>
+          <p:nvPr>
+            <p:ph type="sldNum" sz="quarter" idx="10"/>
+          </p:nvPr>
+        </p:nvSpPr>
+        <p:spPr/>
+        <p:txBody>
+          <a:bodyPr/>
+          <a:lstStyle/>
+          <a:p>
+            <a:fld id="{5D95935F-4E2F-4D99-B176-9013C3AC3277}" type="slidenum">
+              <a:rPr lang="en-US" smtClean="0"/>
+              <a:pPr/>
+              <a:t>6</a:t>
+            </a:fld>
+            <a:endParaRPr lang="en-US"/>
+          </a:p>
+        </p:txBody>
+      </p:sp>
+    </p:spTree>
+  </p:cSld>
+  <p:clrMapOvr>
+    <a:masterClrMapping/>
+  </p:clrMapOvr>
+</p:notes>
+</file>
+
 <file path=ppt/slideLayouts/slideLayout1.xml><?xml version="1.0" encoding="utf-8"?>
 <p:sldLayout xmlns:a="http://schemas.openxmlformats.org/drawingml/2006/main" xmlns:r="http://schemas.openxmlformats.org/officeDocument/2006/relationships" xmlns:p="http://schemas.openxmlformats.org/presentationml/2006/main" type="title" preserve="1">
   <p:cSld name="Titelfolie">
@@ -723,7 +1143,7 @@
             <a:fld id="{CF208A48-5BEC-4B37-8527-BC84DAC0E7AE}" type="datetimeFigureOut">
               <a:rPr lang="en-US" smtClean="0"/>
               <a:pPr/>
-              <a:t>1/25/2012</a:t>
+              <a:t>4/1/2012</a:t>
             </a:fld>
             <a:endParaRPr lang="en-US"/>
           </a:p>
@@ -890,7 +1310,7 @@
             <a:fld id="{CF208A48-5BEC-4B37-8527-BC84DAC0E7AE}" type="datetimeFigureOut">
               <a:rPr lang="en-US" smtClean="0"/>
               <a:pPr/>
-              <a:t>1/25/2012</a:t>
+              <a:t>4/1/2012</a:t>
             </a:fld>
             <a:endParaRPr lang="en-US"/>
           </a:p>
@@ -1067,7 +1487,7 @@
             <a:fld id="{CF208A48-5BEC-4B37-8527-BC84DAC0E7AE}" type="datetimeFigureOut">
               <a:rPr lang="en-US" smtClean="0"/>
               <a:pPr/>
-              <a:t>1/25/2012</a:t>
+              <a:t>4/1/2012</a:t>
             </a:fld>
             <a:endParaRPr lang="en-US"/>
           </a:p>
@@ -1234,7 +1654,7 @@
             <a:fld id="{CF208A48-5BEC-4B37-8527-BC84DAC0E7AE}" type="datetimeFigureOut">
               <a:rPr lang="en-US" smtClean="0"/>
               <a:pPr/>
-              <a:t>1/25/2012</a:t>
+              <a:t>4/1/2012</a:t>
             </a:fld>
             <a:endParaRPr lang="en-US"/>
           </a:p>
@@ -1477,7 +1897,7 @@
             <a:fld id="{CF208A48-5BEC-4B37-8527-BC84DAC0E7AE}" type="datetimeFigureOut">
               <a:rPr lang="en-US" smtClean="0"/>
               <a:pPr/>
-              <a:t>1/25/2012</a:t>
+              <a:t>4/1/2012</a:t>
             </a:fld>
             <a:endParaRPr lang="en-US"/>
           </a:p>
@@ -1762,7 +2182,7 @@
             <a:fld id="{CF208A48-5BEC-4B37-8527-BC84DAC0E7AE}" type="datetimeFigureOut">
               <a:rPr lang="en-US" smtClean="0"/>
               <a:pPr/>
-              <a:t>1/25/2012</a:t>
+              <a:t>4/1/2012</a:t>
             </a:fld>
             <a:endParaRPr lang="en-US"/>
           </a:p>
@@ -2181,7 +2601,7 @@
             <a:fld id="{CF208A48-5BEC-4B37-8527-BC84DAC0E7AE}" type="datetimeFigureOut">
               <a:rPr lang="en-US" smtClean="0"/>
               <a:pPr/>
-              <a:t>1/25/2012</a:t>
+              <a:t>4/1/2012</a:t>
             </a:fld>
             <a:endParaRPr lang="en-US"/>
           </a:p>
@@ -2296,7 +2716,7 @@
             <a:fld id="{CF208A48-5BEC-4B37-8527-BC84DAC0E7AE}" type="datetimeFigureOut">
               <a:rPr lang="en-US" smtClean="0"/>
               <a:pPr/>
-              <a:t>1/25/2012</a:t>
+              <a:t>4/1/2012</a:t>
             </a:fld>
             <a:endParaRPr lang="en-US"/>
           </a:p>
@@ -2388,7 +2808,7 @@
             <a:fld id="{CF208A48-5BEC-4B37-8527-BC84DAC0E7AE}" type="datetimeFigureOut">
               <a:rPr lang="en-US" smtClean="0"/>
               <a:pPr/>
-              <a:t>1/25/2012</a:t>
+              <a:t>4/1/2012</a:t>
             </a:fld>
             <a:endParaRPr lang="en-US"/>
           </a:p>
@@ -2662,7 +3082,7 @@
             <a:fld id="{CF208A48-5BEC-4B37-8527-BC84DAC0E7AE}" type="datetimeFigureOut">
               <a:rPr lang="en-US" smtClean="0"/>
               <a:pPr/>
-              <a:t>1/25/2012</a:t>
+              <a:t>4/1/2012</a:t>
             </a:fld>
             <a:endParaRPr lang="en-US"/>
           </a:p>
@@ -2912,7 +3332,7 @@
             <a:fld id="{CF208A48-5BEC-4B37-8527-BC84DAC0E7AE}" type="datetimeFigureOut">
               <a:rPr lang="en-US" smtClean="0"/>
               <a:pPr/>
-              <a:t>1/25/2012</a:t>
+              <a:t>4/1/2012</a:t>
             </a:fld>
             <a:endParaRPr lang="en-US"/>
           </a:p>
@@ -3122,7 +3542,7 @@
             <a:fld id="{CF208A48-5BEC-4B37-8527-BC84DAC0E7AE}" type="datetimeFigureOut">
               <a:rPr lang="en-US" smtClean="0"/>
               <a:pPr/>
-              <a:t>1/25/2012</a:t>
+              <a:t>4/1/2012</a:t>
             </a:fld>
             <a:endParaRPr lang="en-US"/>
           </a:p>
@@ -3495,6 +3915,82 @@
       </p:grpSpPr>
       <p:sp>
         <p:nvSpPr>
+          <p:cNvPr id="72" name="Abgerundetes Rechteck 71"/>
+          <p:cNvSpPr/>
+          <p:nvPr/>
+        </p:nvSpPr>
+        <p:spPr>
+          <a:xfrm>
+            <a:off x="683567" y="4941168"/>
+            <a:ext cx="4248473" cy="1008112"/>
+          </a:xfrm>
+          <a:prstGeom prst="roundRect">
+            <a:avLst/>
+          </a:prstGeom>
+        </p:spPr>
+        <p:style>
+          <a:lnRef idx="2">
+            <a:schemeClr val="dk1"/>
+          </a:lnRef>
+          <a:fillRef idx="1">
+            <a:schemeClr val="lt1"/>
+          </a:fillRef>
+          <a:effectRef idx="0">
+            <a:schemeClr val="dk1"/>
+          </a:effectRef>
+          <a:fontRef idx="minor">
+            <a:schemeClr val="dk1"/>
+          </a:fontRef>
+        </p:style>
+        <p:txBody>
+          <a:bodyPr rtlCol="0" anchor="ctr"/>
+          <a:lstStyle/>
+          <a:p>
+            <a:pPr algn="ctr"/>
+            <a:endParaRPr lang="en-US" sz="1600" dirty="0"/>
+          </a:p>
+        </p:txBody>
+      </p:sp>
+      <p:sp>
+        <p:nvSpPr>
+          <p:cNvPr id="77" name="Abgerundetes Rechteck 76"/>
+          <p:cNvSpPr/>
+          <p:nvPr/>
+        </p:nvSpPr>
+        <p:spPr>
+          <a:xfrm>
+            <a:off x="792088" y="5122638"/>
+            <a:ext cx="2699792" cy="754634"/>
+          </a:xfrm>
+          <a:prstGeom prst="roundRect">
+            <a:avLst/>
+          </a:prstGeom>
+        </p:spPr>
+        <p:style>
+          <a:lnRef idx="1">
+            <a:schemeClr val="dk1"/>
+          </a:lnRef>
+          <a:fillRef idx="2">
+            <a:schemeClr val="dk1"/>
+          </a:fillRef>
+          <a:effectRef idx="1">
+            <a:schemeClr val="dk1"/>
+          </a:effectRef>
+          <a:fontRef idx="minor">
+            <a:schemeClr val="dk1"/>
+          </a:fontRef>
+        </p:style>
+        <p:txBody>
+          <a:bodyPr rtlCol="0" anchor="ctr"/>
+          <a:lstStyle/>
+          <a:p>
+            <a:pPr algn="ctr"/>
+            <a:endParaRPr lang="en-US" sz="1600" dirty="0"/>
+          </a:p>
+        </p:txBody>
+      </p:sp>
+      <p:sp>
+        <p:nvSpPr>
           <p:cNvPr id="126" name="Rechteck 125"/>
           <p:cNvSpPr/>
           <p:nvPr/>
@@ -3642,14 +4138,14 @@
       </p:sp>
       <p:sp>
         <p:nvSpPr>
-          <p:cNvPr id="72" name="Abgerundetes Rechteck 71"/>
+          <p:cNvPr id="70" name="Abgerundetes Rechteck 69"/>
           <p:cNvSpPr/>
           <p:nvPr/>
         </p:nvSpPr>
         <p:spPr>
           <a:xfrm>
-            <a:off x="971600" y="4941168"/>
-            <a:ext cx="3960440" cy="936104"/>
+            <a:off x="1979712" y="1916832"/>
+            <a:ext cx="1296144" cy="2160240"/>
           </a:xfrm>
           <a:prstGeom prst="roundRect">
             <a:avLst/>
@@ -3680,51 +4176,13 @@
       </p:sp>
       <p:sp>
         <p:nvSpPr>
-          <p:cNvPr id="70" name="Abgerundetes Rechteck 69"/>
-          <p:cNvSpPr/>
-          <p:nvPr/>
-        </p:nvSpPr>
-        <p:spPr>
-          <a:xfrm>
-            <a:off x="1979712" y="1916832"/>
-            <a:ext cx="1296144" cy="2160240"/>
-          </a:xfrm>
-          <a:prstGeom prst="roundRect">
-            <a:avLst/>
-          </a:prstGeom>
-        </p:spPr>
-        <p:style>
-          <a:lnRef idx="2">
-            <a:schemeClr val="dk1"/>
-          </a:lnRef>
-          <a:fillRef idx="1">
-            <a:schemeClr val="lt1"/>
-          </a:fillRef>
-          <a:effectRef idx="0">
-            <a:schemeClr val="dk1"/>
-          </a:effectRef>
-          <a:fontRef idx="minor">
-            <a:schemeClr val="dk1"/>
-          </a:fontRef>
-        </p:style>
-        <p:txBody>
-          <a:bodyPr rtlCol="0" anchor="ctr"/>
-          <a:lstStyle/>
-          <a:p>
-            <a:pPr algn="ctr"/>
-            <a:endParaRPr lang="en-US" sz="1600" dirty="0"/>
-          </a:p>
-        </p:txBody>
-      </p:sp>
-      <p:sp>
-        <p:nvSpPr>
           <p:cNvPr id="12" name="Rechteck 11"/>
           <p:cNvSpPr/>
           <p:nvPr/>
         </p:nvSpPr>
         <p:spPr>
           <a:xfrm>
-            <a:off x="1187624" y="5229200"/>
+            <a:off x="3574473" y="5229200"/>
             <a:ext cx="1152128" cy="504056"/>
           </a:xfrm>
           <a:prstGeom prst="rect">
@@ -3963,7 +4421,7 @@
         </p:nvSpPr>
         <p:spPr>
           <a:xfrm>
-            <a:off x="3635896" y="5229200"/>
+            <a:off x="899592" y="5229200"/>
             <a:ext cx="1152128" cy="504056"/>
           </a:xfrm>
           <a:prstGeom prst="rect">
@@ -4254,7 +4712,7 @@
         <p:spPr>
           <a:xfrm>
             <a:off x="3995936" y="1556792"/>
-            <a:ext cx="2088232" cy="338554"/>
+            <a:ext cx="2664296" cy="338554"/>
           </a:xfrm>
           <a:prstGeom prst="rect">
             <a:avLst/>
@@ -4269,7 +4727,7 @@
           <a:p>
             <a:r>
               <a:rPr lang="en-US" sz="1600" dirty="0" smtClean="0"/>
-              <a:t>Semantics of Query</a:t>
+              <a:t>Semantics of Keywords / NL</a:t>
             </a:r>
             <a:endParaRPr lang="en-US" sz="1600" dirty="0"/>
           </a:p>
@@ -4463,7 +4921,7 @@
           <a:p>
             <a:r>
               <a:rPr lang="en-US" sz="1600" dirty="0" smtClean="0"/>
-              <a:t>Semantics of Data</a:t>
+              <a:t>Semantics of Raw Data</a:t>
             </a:r>
             <a:endParaRPr lang="en-US" sz="1600" dirty="0"/>
           </a:p>
@@ -4494,7 +4952,7 @@
             <a:pPr algn="ctr"/>
             <a:r>
               <a:rPr lang="en-US" sz="1600" dirty="0" smtClean="0"/>
-              <a:t>Structure Traversal</a:t>
+              <a:t>Graph Traversal</a:t>
             </a:r>
             <a:endParaRPr lang="en-US" sz="1600" dirty="0"/>
           </a:p>
@@ -4733,7 +5191,7 @@
         </p:nvSpPr>
         <p:spPr>
           <a:xfrm>
-            <a:off x="1115616" y="4890646"/>
+            <a:off x="683568" y="4890646"/>
             <a:ext cx="2088232" cy="338554"/>
           </a:xfrm>
           <a:prstGeom prst="rect">
@@ -4763,7 +5221,7 @@
         </p:nvSpPr>
         <p:spPr>
           <a:xfrm>
-            <a:off x="2411760" y="5229200"/>
+            <a:off x="2146695" y="5229808"/>
             <a:ext cx="1152128" cy="504056"/>
           </a:xfrm>
           <a:prstGeom prst="rect">
@@ -5407,8 +5865,8 @@
         </p:nvCxnSpPr>
         <p:spPr>
           <a:xfrm flipV="1">
-            <a:off x="5004048" y="5301208"/>
-            <a:ext cx="360040" cy="144016"/>
+            <a:off x="4726601" y="5301208"/>
+            <a:ext cx="637487" cy="113818"/>
           </a:xfrm>
           <a:prstGeom prst="straightConnector1">
             <a:avLst/>
@@ -5570,11 +6028,7 @@
             <a:pPr algn="ctr"/>
             <a:r>
               <a:rPr lang="en-US" sz="1600" dirty="0" smtClean="0"/>
-              <a:t>Detecting </a:t>
-            </a:r>
-            <a:r>
-              <a:rPr lang="en-US" sz="1600" dirty="0" smtClean="0"/>
-              <a:t>Concepts</a:t>
+              <a:t>Detecting Concepts</a:t>
             </a:r>
           </a:p>
         </p:txBody>
@@ -5706,7 +6160,6 @@
               <a:rPr lang="en-US" sz="1600" dirty="0" smtClean="0"/>
               <a:t>Proximity</a:t>
             </a:r>
-            <a:endParaRPr lang="en-US" sz="1600" dirty="0" smtClean="0"/>
           </a:p>
         </p:txBody>
       </p:sp>
@@ -5736,7 +6189,6 @@
               <a:rPr lang="en-US" sz="1600" dirty="0" smtClean="0"/>
               <a:t>Query-Relevance</a:t>
             </a:r>
-            <a:endParaRPr lang="en-US" sz="1600" dirty="0" smtClean="0"/>
           </a:p>
         </p:txBody>
       </p:sp>
@@ -5766,7 +6218,6 @@
               <a:rPr lang="en-US" sz="1600" dirty="0" smtClean="0"/>
               <a:t>Rarity</a:t>
             </a:r>
-            <a:endParaRPr lang="en-US" sz="1600" dirty="0" smtClean="0"/>
           </a:p>
         </p:txBody>
       </p:sp>
@@ -5796,7 +6247,6 @@
               <a:rPr lang="en-US" sz="1600" dirty="0" smtClean="0"/>
               <a:t>Trust</a:t>
             </a:r>
-            <a:endParaRPr lang="en-US" sz="1600" dirty="0" smtClean="0"/>
           </a:p>
         </p:txBody>
       </p:sp>
@@ -5826,7 +6276,6 @@
               <a:rPr lang="en-US" sz="1600" dirty="0" smtClean="0"/>
               <a:t>Predictability</a:t>
             </a:r>
-            <a:endParaRPr lang="en-US" sz="1600" dirty="0" smtClean="0"/>
           </a:p>
         </p:txBody>
       </p:sp>
@@ -6062,6 +6511,6001 @@
         </p:style>
       </p:cxnSp>
     </p:spTree>
+  </p:cSld>
+  <p:clrMapOvr>
+    <a:masterClrMapping/>
+  </p:clrMapOvr>
+</p:sld>
+</file>
+
+<file path=ppt/slides/slide2.xml><?xml version="1.0" encoding="utf-8"?>
+<p:sld xmlns:a="http://schemas.openxmlformats.org/drawingml/2006/main" xmlns:r="http://schemas.openxmlformats.org/officeDocument/2006/relationships" xmlns:p="http://schemas.openxmlformats.org/presentationml/2006/main">
+  <p:cSld>
+    <p:spTree>
+      <p:nvGrpSpPr>
+        <p:cNvPr id="1" name=""/>
+        <p:cNvGrpSpPr/>
+        <p:nvPr/>
+      </p:nvGrpSpPr>
+      <p:grpSpPr>
+        <a:xfrm>
+          <a:off x="0" y="0"/>
+          <a:ext cx="0" cy="0"/>
+          <a:chOff x="0" y="0"/>
+          <a:chExt cx="0" cy="0"/>
+        </a:xfrm>
+      </p:grpSpPr>
+      <p:sp>
+        <p:nvSpPr>
+          <p:cNvPr id="84" name="Abgerundetes Rechteck 83"/>
+          <p:cNvSpPr/>
+          <p:nvPr/>
+        </p:nvSpPr>
+        <p:spPr>
+          <a:xfrm>
+            <a:off x="1403648" y="2538895"/>
+            <a:ext cx="2160240" cy="1034121"/>
+          </a:xfrm>
+          <a:prstGeom prst="roundRect">
+            <a:avLst/>
+          </a:prstGeom>
+        </p:spPr>
+        <p:style>
+          <a:lnRef idx="2">
+            <a:schemeClr val="dk1"/>
+          </a:lnRef>
+          <a:fillRef idx="1">
+            <a:schemeClr val="lt1"/>
+          </a:fillRef>
+          <a:effectRef idx="0">
+            <a:schemeClr val="dk1"/>
+          </a:effectRef>
+          <a:fontRef idx="minor">
+            <a:schemeClr val="dk1"/>
+          </a:fontRef>
+        </p:style>
+        <p:txBody>
+          <a:bodyPr rtlCol="0" anchor="ctr"/>
+          <a:lstStyle/>
+          <a:p>
+            <a:pPr algn="ctr"/>
+            <a:endParaRPr lang="en-US" sz="1600" dirty="0"/>
+          </a:p>
+        </p:txBody>
+      </p:sp>
+      <p:sp>
+        <p:nvSpPr>
+          <p:cNvPr id="81" name="Abgerundetes Rechteck 80"/>
+          <p:cNvSpPr/>
+          <p:nvPr/>
+        </p:nvSpPr>
+        <p:spPr>
+          <a:xfrm>
+            <a:off x="3744416" y="2544565"/>
+            <a:ext cx="2340768" cy="1028451"/>
+          </a:xfrm>
+          <a:prstGeom prst="roundRect">
+            <a:avLst/>
+          </a:prstGeom>
+        </p:spPr>
+        <p:style>
+          <a:lnRef idx="1">
+            <a:schemeClr val="dk1"/>
+          </a:lnRef>
+          <a:fillRef idx="2">
+            <a:schemeClr val="dk1"/>
+          </a:fillRef>
+          <a:effectRef idx="1">
+            <a:schemeClr val="dk1"/>
+          </a:effectRef>
+          <a:fontRef idx="minor">
+            <a:schemeClr val="dk1"/>
+          </a:fontRef>
+        </p:style>
+        <p:txBody>
+          <a:bodyPr rtlCol="0" anchor="ctr"/>
+          <a:lstStyle/>
+          <a:p>
+            <a:pPr algn="ctr"/>
+            <a:endParaRPr lang="en-US" sz="1600" dirty="0"/>
+          </a:p>
+        </p:txBody>
+      </p:sp>
+      <p:sp>
+        <p:nvSpPr>
+          <p:cNvPr id="12" name="Rechteck 11"/>
+          <p:cNvSpPr/>
+          <p:nvPr/>
+        </p:nvSpPr>
+        <p:spPr>
+          <a:xfrm>
+            <a:off x="3887416" y="3871210"/>
+            <a:ext cx="1152128" cy="565902"/>
+          </a:xfrm>
+          <a:prstGeom prst="rect">
+            <a:avLst/>
+          </a:prstGeom>
+        </p:spPr>
+        <p:style>
+          <a:lnRef idx="2">
+            <a:schemeClr val="dk1"/>
+          </a:lnRef>
+          <a:fillRef idx="1">
+            <a:schemeClr val="lt1"/>
+          </a:fillRef>
+          <a:effectRef idx="0">
+            <a:schemeClr val="dk1"/>
+          </a:effectRef>
+          <a:fontRef idx="minor">
+            <a:schemeClr val="dk1"/>
+          </a:fontRef>
+        </p:style>
+        <p:txBody>
+          <a:bodyPr rtlCol="0" anchor="ctr"/>
+          <a:lstStyle/>
+          <a:p>
+            <a:pPr algn="ctr"/>
+            <a:r>
+              <a:rPr lang="de-DE" sz="1600" b="1" dirty="0" smtClean="0"/>
+              <a:t>Input</a:t>
+            </a:r>
+            <a:endParaRPr lang="en-US" sz="1600" b="1" dirty="0" smtClean="0"/>
+          </a:p>
+          <a:p>
+            <a:pPr algn="ctr"/>
+            <a:r>
+              <a:rPr lang="en-US" sz="1600" dirty="0" smtClean="0"/>
+              <a:t>Raw Text</a:t>
+            </a:r>
+            <a:endParaRPr lang="en-US" sz="1600" dirty="0"/>
+          </a:p>
+        </p:txBody>
+      </p:sp>
+      <p:sp>
+        <p:nvSpPr>
+          <p:cNvPr id="65" name="Abgerundetes Rechteck 64"/>
+          <p:cNvSpPr/>
+          <p:nvPr/>
+        </p:nvSpPr>
+        <p:spPr>
+          <a:xfrm>
+            <a:off x="3915548" y="2794256"/>
+            <a:ext cx="1998504" cy="648072"/>
+          </a:xfrm>
+          <a:prstGeom prst="roundRect">
+            <a:avLst/>
+          </a:prstGeom>
+        </p:spPr>
+        <p:style>
+          <a:lnRef idx="2">
+            <a:schemeClr val="dk1"/>
+          </a:lnRef>
+          <a:fillRef idx="1">
+            <a:schemeClr val="lt1"/>
+          </a:fillRef>
+          <a:effectRef idx="0">
+            <a:schemeClr val="dk1"/>
+          </a:effectRef>
+          <a:fontRef idx="minor">
+            <a:schemeClr val="dk1"/>
+          </a:fontRef>
+        </p:style>
+        <p:txBody>
+          <a:bodyPr rtlCol="0" anchor="ctr"/>
+          <a:lstStyle/>
+          <a:p>
+            <a:pPr algn="ctr"/>
+            <a:r>
+              <a:rPr lang="en-US" sz="1600" dirty="0" smtClean="0"/>
+              <a:t>Thesauri, e.g. </a:t>
+            </a:r>
+            <a:r>
+              <a:rPr lang="en-US" sz="1600" dirty="0" err="1" smtClean="0"/>
+              <a:t>WordNet</a:t>
+            </a:r>
+            <a:r>
+              <a:rPr lang="en-US" sz="1600" dirty="0" smtClean="0"/>
+              <a:t>, UMLS </a:t>
+            </a:r>
+            <a:endParaRPr lang="en-US" sz="1600" dirty="0"/>
+          </a:p>
+        </p:txBody>
+      </p:sp>
+      <p:sp>
+        <p:nvSpPr>
+          <p:cNvPr id="82" name="Textfeld 81"/>
+          <p:cNvSpPr txBox="1"/>
+          <p:nvPr/>
+        </p:nvSpPr>
+        <p:spPr>
+          <a:xfrm>
+            <a:off x="1547664" y="2492896"/>
+            <a:ext cx="1187624" cy="338554"/>
+          </a:xfrm>
+          <a:prstGeom prst="rect">
+            <a:avLst/>
+          </a:prstGeom>
+          <a:noFill/>
+        </p:spPr>
+        <p:txBody>
+          <a:bodyPr wrap="square" rtlCol="0">
+            <a:spAutoFit/>
+          </a:bodyPr>
+          <a:lstStyle/>
+          <a:p>
+            <a:r>
+              <a:rPr lang="de-DE" sz="1600" dirty="0" smtClean="0"/>
+              <a:t>Syntax</a:t>
+            </a:r>
+            <a:endParaRPr lang="en-US" sz="1600" dirty="0"/>
+          </a:p>
+        </p:txBody>
+      </p:sp>
+      <p:sp>
+        <p:nvSpPr>
+          <p:cNvPr id="85" name="Abgerundetes Rechteck 84"/>
+          <p:cNvSpPr/>
+          <p:nvPr/>
+        </p:nvSpPr>
+        <p:spPr>
+          <a:xfrm>
+            <a:off x="2504299" y="2794256"/>
+            <a:ext cx="987581" cy="721905"/>
+          </a:xfrm>
+          <a:prstGeom prst="roundRect">
+            <a:avLst/>
+          </a:prstGeom>
+        </p:spPr>
+        <p:style>
+          <a:lnRef idx="2">
+            <a:schemeClr val="dk1"/>
+          </a:lnRef>
+          <a:fillRef idx="1">
+            <a:schemeClr val="lt1"/>
+          </a:fillRef>
+          <a:effectRef idx="0">
+            <a:schemeClr val="dk1"/>
+          </a:effectRef>
+          <a:fontRef idx="minor">
+            <a:schemeClr val="dk1"/>
+          </a:fontRef>
+        </p:style>
+        <p:txBody>
+          <a:bodyPr rtlCol="0" anchor="ctr"/>
+          <a:lstStyle/>
+          <a:p>
+            <a:pPr algn="ctr"/>
+            <a:r>
+              <a:rPr lang="en-US" sz="1600" dirty="0" smtClean="0"/>
+              <a:t>POS Tags</a:t>
+            </a:r>
+            <a:endParaRPr lang="en-US" sz="1600" dirty="0"/>
+          </a:p>
+        </p:txBody>
+      </p:sp>
+      <p:sp>
+        <p:nvSpPr>
+          <p:cNvPr id="87" name="Textfeld 86"/>
+          <p:cNvSpPr txBox="1"/>
+          <p:nvPr/>
+        </p:nvSpPr>
+        <p:spPr>
+          <a:xfrm>
+            <a:off x="3744415" y="2492896"/>
+            <a:ext cx="1428433" cy="338554"/>
+          </a:xfrm>
+          <a:prstGeom prst="rect">
+            <a:avLst/>
+          </a:prstGeom>
+          <a:noFill/>
+        </p:spPr>
+        <p:txBody>
+          <a:bodyPr wrap="square" rtlCol="0">
+            <a:spAutoFit/>
+          </a:bodyPr>
+          <a:lstStyle/>
+          <a:p>
+            <a:r>
+              <a:rPr lang="en-US" sz="1600" dirty="0" smtClean="0"/>
+              <a:t>Semantics</a:t>
+            </a:r>
+            <a:endParaRPr lang="en-US" sz="1600" dirty="0"/>
+          </a:p>
+        </p:txBody>
+      </p:sp>
+      <p:sp>
+        <p:nvSpPr>
+          <p:cNvPr id="90" name="Rechteck 89"/>
+          <p:cNvSpPr/>
+          <p:nvPr/>
+        </p:nvSpPr>
+        <p:spPr>
+          <a:xfrm>
+            <a:off x="1403647" y="3871210"/>
+            <a:ext cx="2016225" cy="576064"/>
+          </a:xfrm>
+          <a:prstGeom prst="rect">
+            <a:avLst/>
+          </a:prstGeom>
+          <a:ln w="6350">
+            <a:prstDash val="sysDot"/>
+          </a:ln>
+        </p:spPr>
+        <p:style>
+          <a:lnRef idx="2">
+            <a:schemeClr val="dk1"/>
+          </a:lnRef>
+          <a:fillRef idx="1">
+            <a:schemeClr val="lt1"/>
+          </a:fillRef>
+          <a:effectRef idx="0">
+            <a:schemeClr val="dk1"/>
+          </a:effectRef>
+          <a:fontRef idx="minor">
+            <a:schemeClr val="dk1"/>
+          </a:fontRef>
+        </p:style>
+        <p:txBody>
+          <a:bodyPr rtlCol="0" anchor="ctr"/>
+          <a:lstStyle/>
+          <a:p>
+            <a:pPr algn="ctr"/>
+            <a:endParaRPr lang="en-US" dirty="0"/>
+          </a:p>
+        </p:txBody>
+      </p:sp>
+      <p:sp>
+        <p:nvSpPr>
+          <p:cNvPr id="94" name="Textfeld 93"/>
+          <p:cNvSpPr txBox="1"/>
+          <p:nvPr/>
+        </p:nvSpPr>
+        <p:spPr>
+          <a:xfrm>
+            <a:off x="1187624" y="4005064"/>
+            <a:ext cx="1728192" cy="338554"/>
+          </a:xfrm>
+          <a:prstGeom prst="rect">
+            <a:avLst/>
+          </a:prstGeom>
+          <a:noFill/>
+        </p:spPr>
+        <p:txBody>
+          <a:bodyPr wrap="square" rtlCol="0">
+            <a:spAutoFit/>
+          </a:bodyPr>
+          <a:lstStyle/>
+          <a:p>
+            <a:pPr algn="ctr"/>
+            <a:r>
+              <a:rPr lang="en-US" sz="1600" dirty="0" smtClean="0"/>
+              <a:t>Tokenization</a:t>
+            </a:r>
+            <a:endParaRPr lang="en-US" sz="1600" dirty="0"/>
+          </a:p>
+        </p:txBody>
+      </p:sp>
+      <p:sp>
+        <p:nvSpPr>
+          <p:cNvPr id="95" name="Textfeld 94"/>
+          <p:cNvSpPr txBox="1"/>
+          <p:nvPr/>
+        </p:nvSpPr>
+        <p:spPr>
+          <a:xfrm>
+            <a:off x="2159224" y="3861048"/>
+            <a:ext cx="1764704" cy="584775"/>
+          </a:xfrm>
+          <a:prstGeom prst="rect">
+            <a:avLst/>
+          </a:prstGeom>
+          <a:noFill/>
+        </p:spPr>
+        <p:txBody>
+          <a:bodyPr wrap="square" rtlCol="0">
+            <a:spAutoFit/>
+          </a:bodyPr>
+          <a:lstStyle/>
+          <a:p>
+            <a:pPr algn="ctr"/>
+            <a:r>
+              <a:rPr lang="en-US" sz="1600" dirty="0" smtClean="0"/>
+              <a:t>POS</a:t>
+            </a:r>
+          </a:p>
+          <a:p>
+            <a:pPr algn="ctr"/>
+            <a:r>
+              <a:rPr lang="en-US" sz="1600" dirty="0" smtClean="0"/>
+              <a:t>Tagging</a:t>
+            </a:r>
+            <a:endParaRPr lang="en-US" sz="1600" dirty="0"/>
+          </a:p>
+        </p:txBody>
+      </p:sp>
+      <p:cxnSp>
+        <p:nvCxnSpPr>
+          <p:cNvPr id="98" name="Gerade Verbindung mit Pfeil 97"/>
+          <p:cNvCxnSpPr>
+            <a:stCxn id="12" idx="1"/>
+          </p:cNvCxnSpPr>
+          <p:nvPr/>
+        </p:nvCxnSpPr>
+        <p:spPr>
+          <a:xfrm flipH="1" flipV="1">
+            <a:off x="3455368" y="4153435"/>
+            <a:ext cx="432048" cy="726"/>
+          </a:xfrm>
+          <a:prstGeom prst="straightConnector1">
+            <a:avLst/>
+          </a:prstGeom>
+          <a:ln>
+            <a:tailEnd type="arrow"/>
+          </a:ln>
+        </p:spPr>
+        <p:style>
+          <a:lnRef idx="1">
+            <a:schemeClr val="dk1"/>
+          </a:lnRef>
+          <a:fillRef idx="0">
+            <a:schemeClr val="dk1"/>
+          </a:fillRef>
+          <a:effectRef idx="0">
+            <a:schemeClr val="dk1"/>
+          </a:effectRef>
+          <a:fontRef idx="minor">
+            <a:schemeClr val="tx1"/>
+          </a:fontRef>
+        </p:style>
+      </p:cxnSp>
+      <p:cxnSp>
+        <p:nvCxnSpPr>
+          <p:cNvPr id="99" name="Gerade Verbindung mit Pfeil 98"/>
+          <p:cNvCxnSpPr/>
+          <p:nvPr/>
+        </p:nvCxnSpPr>
+        <p:spPr>
+          <a:xfrm flipV="1">
+            <a:off x="2288275" y="3573016"/>
+            <a:ext cx="1" cy="288032"/>
+          </a:xfrm>
+          <a:prstGeom prst="straightConnector1">
+            <a:avLst/>
+          </a:prstGeom>
+          <a:ln>
+            <a:tailEnd type="arrow"/>
+          </a:ln>
+        </p:spPr>
+        <p:style>
+          <a:lnRef idx="1">
+            <a:schemeClr val="dk1"/>
+          </a:lnRef>
+          <a:fillRef idx="0">
+            <a:schemeClr val="dk1"/>
+          </a:fillRef>
+          <a:effectRef idx="0">
+            <a:schemeClr val="dk1"/>
+          </a:effectRef>
+          <a:fontRef idx="minor">
+            <a:schemeClr val="tx1"/>
+          </a:fontRef>
+        </p:style>
+      </p:cxnSp>
+      <p:sp>
+        <p:nvSpPr>
+          <p:cNvPr id="101" name="Rechteck 100"/>
+          <p:cNvSpPr/>
+          <p:nvPr/>
+        </p:nvSpPr>
+        <p:spPr>
+          <a:xfrm>
+            <a:off x="1403648" y="1628800"/>
+            <a:ext cx="2664295" cy="576064"/>
+          </a:xfrm>
+          <a:prstGeom prst="rect">
+            <a:avLst/>
+          </a:prstGeom>
+          <a:ln w="6350">
+            <a:prstDash val="sysDot"/>
+          </a:ln>
+        </p:spPr>
+        <p:style>
+          <a:lnRef idx="2">
+            <a:schemeClr val="dk1"/>
+          </a:lnRef>
+          <a:fillRef idx="1">
+            <a:schemeClr val="lt1"/>
+          </a:fillRef>
+          <a:effectRef idx="0">
+            <a:schemeClr val="dk1"/>
+          </a:effectRef>
+          <a:fontRef idx="minor">
+            <a:schemeClr val="dk1"/>
+          </a:fontRef>
+        </p:style>
+        <p:txBody>
+          <a:bodyPr rtlCol="0" anchor="ctr"/>
+          <a:lstStyle/>
+          <a:p>
+            <a:pPr algn="ctr"/>
+            <a:endParaRPr lang="en-US" dirty="0"/>
+          </a:p>
+        </p:txBody>
+      </p:sp>
+      <p:sp>
+        <p:nvSpPr>
+          <p:cNvPr id="102" name="Textfeld 101"/>
+          <p:cNvSpPr txBox="1"/>
+          <p:nvPr/>
+        </p:nvSpPr>
+        <p:spPr>
+          <a:xfrm>
+            <a:off x="2483768" y="1628800"/>
+            <a:ext cx="1728192" cy="584775"/>
+          </a:xfrm>
+          <a:prstGeom prst="rect">
+            <a:avLst/>
+          </a:prstGeom>
+          <a:noFill/>
+        </p:spPr>
+        <p:txBody>
+          <a:bodyPr wrap="square" rtlCol="0">
+            <a:spAutoFit/>
+          </a:bodyPr>
+          <a:lstStyle/>
+          <a:p>
+            <a:pPr algn="ctr"/>
+            <a:r>
+              <a:rPr lang="en-US" sz="1600" dirty="0" smtClean="0"/>
+              <a:t>Direct</a:t>
+            </a:r>
+          </a:p>
+          <a:p>
+            <a:pPr algn="ctr"/>
+            <a:r>
+              <a:rPr lang="en-US" sz="1600" dirty="0" smtClean="0"/>
+              <a:t>Matching</a:t>
+            </a:r>
+            <a:endParaRPr lang="en-US" sz="1600" dirty="0"/>
+          </a:p>
+        </p:txBody>
+      </p:sp>
+      <p:sp>
+        <p:nvSpPr>
+          <p:cNvPr id="103" name="Textfeld 102"/>
+          <p:cNvSpPr txBox="1"/>
+          <p:nvPr/>
+        </p:nvSpPr>
+        <p:spPr>
+          <a:xfrm>
+            <a:off x="1310822" y="1633781"/>
+            <a:ext cx="1730523" cy="584775"/>
+          </a:xfrm>
+          <a:prstGeom prst="rect">
+            <a:avLst/>
+          </a:prstGeom>
+          <a:noFill/>
+        </p:spPr>
+        <p:txBody>
+          <a:bodyPr wrap="square" rtlCol="0">
+            <a:spAutoFit/>
+          </a:bodyPr>
+          <a:lstStyle/>
+          <a:p>
+            <a:pPr algn="ctr"/>
+            <a:r>
+              <a:rPr lang="en-US" sz="1600" dirty="0" smtClean="0"/>
+              <a:t>Sense</a:t>
+            </a:r>
+          </a:p>
+          <a:p>
+            <a:pPr algn="ctr"/>
+            <a:r>
+              <a:rPr lang="de-DE" sz="1600" dirty="0" err="1" smtClean="0"/>
+              <a:t>Disambiguation</a:t>
+            </a:r>
+            <a:endParaRPr lang="en-US" sz="1600" dirty="0"/>
+          </a:p>
+        </p:txBody>
+      </p:sp>
+      <p:cxnSp>
+        <p:nvCxnSpPr>
+          <p:cNvPr id="107" name="Gerade Verbindung mit Pfeil 106"/>
+          <p:cNvCxnSpPr/>
+          <p:nvPr/>
+        </p:nvCxnSpPr>
+        <p:spPr>
+          <a:xfrm flipV="1">
+            <a:off x="4067944" y="1930525"/>
+            <a:ext cx="216024" cy="1"/>
+          </a:xfrm>
+          <a:prstGeom prst="straightConnector1">
+            <a:avLst/>
+          </a:prstGeom>
+          <a:ln>
+            <a:tailEnd type="arrow"/>
+          </a:ln>
+        </p:spPr>
+        <p:style>
+          <a:lnRef idx="1">
+            <a:schemeClr val="dk1"/>
+          </a:lnRef>
+          <a:fillRef idx="0">
+            <a:schemeClr val="dk1"/>
+          </a:fillRef>
+          <a:effectRef idx="0">
+            <a:schemeClr val="dk1"/>
+          </a:effectRef>
+          <a:fontRef idx="minor">
+            <a:schemeClr val="tx1"/>
+          </a:fontRef>
+        </p:style>
+      </p:cxnSp>
+      <p:cxnSp>
+        <p:nvCxnSpPr>
+          <p:cNvPr id="109" name="Gerade Verbindung mit Pfeil 108"/>
+          <p:cNvCxnSpPr/>
+          <p:nvPr/>
+        </p:nvCxnSpPr>
+        <p:spPr>
+          <a:xfrm flipV="1">
+            <a:off x="2375248" y="2218556"/>
+            <a:ext cx="1" cy="288032"/>
+          </a:xfrm>
+          <a:prstGeom prst="straightConnector1">
+            <a:avLst/>
+          </a:prstGeom>
+          <a:ln>
+            <a:tailEnd type="arrow"/>
+          </a:ln>
+        </p:spPr>
+        <p:style>
+          <a:lnRef idx="1">
+            <a:schemeClr val="dk1"/>
+          </a:lnRef>
+          <a:fillRef idx="0">
+            <a:schemeClr val="dk1"/>
+          </a:fillRef>
+          <a:effectRef idx="0">
+            <a:schemeClr val="dk1"/>
+          </a:effectRef>
+          <a:fontRef idx="minor">
+            <a:schemeClr val="tx1"/>
+          </a:fontRef>
+        </p:style>
+      </p:cxnSp>
+      <p:cxnSp>
+        <p:nvCxnSpPr>
+          <p:cNvPr id="110" name="Gerade Verbindung mit Pfeil 109"/>
+          <p:cNvCxnSpPr/>
+          <p:nvPr/>
+        </p:nvCxnSpPr>
+        <p:spPr>
+          <a:xfrm flipV="1">
+            <a:off x="3943178" y="2218556"/>
+            <a:ext cx="1" cy="288032"/>
+          </a:xfrm>
+          <a:prstGeom prst="straightConnector1">
+            <a:avLst/>
+          </a:prstGeom>
+          <a:ln>
+            <a:tailEnd type="arrow"/>
+          </a:ln>
+        </p:spPr>
+        <p:style>
+          <a:lnRef idx="1">
+            <a:schemeClr val="dk1"/>
+          </a:lnRef>
+          <a:fillRef idx="0">
+            <a:schemeClr val="dk1"/>
+          </a:fillRef>
+          <a:effectRef idx="0">
+            <a:schemeClr val="dk1"/>
+          </a:effectRef>
+          <a:fontRef idx="minor">
+            <a:schemeClr val="tx1"/>
+          </a:fontRef>
+        </p:style>
+      </p:cxnSp>
+      <p:sp>
+        <p:nvSpPr>
+          <p:cNvPr id="113" name="Abgerundetes Rechteck 112"/>
+          <p:cNvSpPr/>
+          <p:nvPr/>
+        </p:nvSpPr>
+        <p:spPr>
+          <a:xfrm>
+            <a:off x="1547664" y="2794767"/>
+            <a:ext cx="895625" cy="721905"/>
+          </a:xfrm>
+          <a:prstGeom prst="roundRect">
+            <a:avLst/>
+          </a:prstGeom>
+        </p:spPr>
+        <p:style>
+          <a:lnRef idx="2">
+            <a:schemeClr val="dk1"/>
+          </a:lnRef>
+          <a:fillRef idx="1">
+            <a:schemeClr val="lt1"/>
+          </a:fillRef>
+          <a:effectRef idx="0">
+            <a:schemeClr val="dk1"/>
+          </a:effectRef>
+          <a:fontRef idx="minor">
+            <a:schemeClr val="dk1"/>
+          </a:fontRef>
+        </p:style>
+        <p:txBody>
+          <a:bodyPr rtlCol="0" anchor="ctr"/>
+          <a:lstStyle/>
+          <a:p>
+            <a:pPr algn="ctr"/>
+            <a:r>
+              <a:rPr lang="en-US" sz="1600" dirty="0" smtClean="0"/>
+              <a:t>Tokens</a:t>
+            </a:r>
+            <a:endParaRPr lang="en-US" sz="1600" dirty="0"/>
+          </a:p>
+        </p:txBody>
+      </p:sp>
+      <p:sp>
+        <p:nvSpPr>
+          <p:cNvPr id="32" name="Abgerundetes Rechteck 31"/>
+          <p:cNvSpPr/>
+          <p:nvPr/>
+        </p:nvSpPr>
+        <p:spPr>
+          <a:xfrm>
+            <a:off x="4355976" y="1484784"/>
+            <a:ext cx="1728192" cy="928310"/>
+          </a:xfrm>
+          <a:prstGeom prst="roundRect">
+            <a:avLst/>
+          </a:prstGeom>
+        </p:spPr>
+        <p:style>
+          <a:lnRef idx="1">
+            <a:schemeClr val="dk1"/>
+          </a:lnRef>
+          <a:fillRef idx="2">
+            <a:schemeClr val="dk1"/>
+          </a:fillRef>
+          <a:effectRef idx="1">
+            <a:schemeClr val="dk1"/>
+          </a:effectRef>
+          <a:fontRef idx="minor">
+            <a:schemeClr val="dk1"/>
+          </a:fontRef>
+        </p:style>
+        <p:txBody>
+          <a:bodyPr rtlCol="0" anchor="ctr"/>
+          <a:lstStyle/>
+          <a:p>
+            <a:pPr algn="ctr"/>
+            <a:endParaRPr lang="en-US" sz="1600" dirty="0"/>
+          </a:p>
+        </p:txBody>
+      </p:sp>
+      <p:sp>
+        <p:nvSpPr>
+          <p:cNvPr id="33" name="Rechteck 32"/>
+          <p:cNvSpPr/>
+          <p:nvPr/>
+        </p:nvSpPr>
+        <p:spPr>
+          <a:xfrm>
+            <a:off x="4680520" y="1700808"/>
+            <a:ext cx="1008112" cy="504056"/>
+          </a:xfrm>
+          <a:prstGeom prst="rect">
+            <a:avLst/>
+          </a:prstGeom>
+        </p:spPr>
+        <p:style>
+          <a:lnRef idx="2">
+            <a:schemeClr val="dk1"/>
+          </a:lnRef>
+          <a:fillRef idx="1">
+            <a:schemeClr val="lt1"/>
+          </a:fillRef>
+          <a:effectRef idx="0">
+            <a:schemeClr val="dk1"/>
+          </a:effectRef>
+          <a:fontRef idx="minor">
+            <a:schemeClr val="dk1"/>
+          </a:fontRef>
+        </p:style>
+        <p:txBody>
+          <a:bodyPr rtlCol="0" anchor="ctr"/>
+          <a:lstStyle/>
+          <a:p>
+            <a:pPr algn="ctr"/>
+            <a:r>
+              <a:rPr lang="en-US" sz="1600" dirty="0" smtClean="0"/>
+              <a:t>Concepts</a:t>
+            </a:r>
+            <a:endParaRPr lang="en-US" sz="1600" dirty="0"/>
+          </a:p>
+        </p:txBody>
+      </p:sp>
+      <p:sp>
+        <p:nvSpPr>
+          <p:cNvPr id="36" name="Textfeld 35"/>
+          <p:cNvSpPr txBox="1"/>
+          <p:nvPr/>
+        </p:nvSpPr>
+        <p:spPr>
+          <a:xfrm>
+            <a:off x="4427984" y="2146548"/>
+            <a:ext cx="2088232" cy="338554"/>
+          </a:xfrm>
+          <a:prstGeom prst="rect">
+            <a:avLst/>
+          </a:prstGeom>
+          <a:noFill/>
+        </p:spPr>
+        <p:txBody>
+          <a:bodyPr wrap="square" rtlCol="0">
+            <a:spAutoFit/>
+          </a:bodyPr>
+          <a:lstStyle/>
+          <a:p>
+            <a:r>
+              <a:rPr lang="en-US" sz="1600" dirty="0" smtClean="0"/>
+              <a:t>Semantics of </a:t>
+            </a:r>
+            <a:r>
+              <a:rPr lang="en-US" sz="1600" dirty="0" smtClean="0"/>
+              <a:t>Text</a:t>
+            </a:r>
+            <a:endParaRPr lang="en-US" sz="1600" dirty="0"/>
+          </a:p>
+        </p:txBody>
+      </p:sp>
+      <p:sp>
+        <p:nvSpPr>
+          <p:cNvPr id="43" name="Textfeld 42"/>
+          <p:cNvSpPr txBox="1"/>
+          <p:nvPr/>
+        </p:nvSpPr>
+        <p:spPr>
+          <a:xfrm>
+            <a:off x="4752528" y="1412776"/>
+            <a:ext cx="1187624" cy="338554"/>
+          </a:xfrm>
+          <a:prstGeom prst="rect">
+            <a:avLst/>
+          </a:prstGeom>
+          <a:noFill/>
+        </p:spPr>
+        <p:txBody>
+          <a:bodyPr wrap="square" rtlCol="0">
+            <a:spAutoFit/>
+          </a:bodyPr>
+          <a:lstStyle/>
+          <a:p>
+            <a:r>
+              <a:rPr lang="en-US" sz="1600" b="1" dirty="0" smtClean="0"/>
+              <a:t>Output</a:t>
+            </a:r>
+            <a:endParaRPr lang="en-US" sz="1600" b="1" dirty="0"/>
+          </a:p>
+        </p:txBody>
+      </p:sp>
+    </p:spTree>
+    <p:extLst>
+      <p:ext uri="{BB962C8B-B14F-4D97-AF65-F5344CB8AC3E}">
+        <p14:creationId xmlns:p14="http://schemas.microsoft.com/office/powerpoint/2010/main" val="2738075804"/>
+      </p:ext>
+    </p:extLst>
+  </p:cSld>
+  <p:clrMapOvr>
+    <a:masterClrMapping/>
+  </p:clrMapOvr>
+</p:sld>
+</file>
+
+<file path=ppt/slides/slide3.xml><?xml version="1.0" encoding="utf-8"?>
+<p:sld xmlns:a="http://schemas.openxmlformats.org/drawingml/2006/main" xmlns:r="http://schemas.openxmlformats.org/officeDocument/2006/relationships" xmlns:p="http://schemas.openxmlformats.org/presentationml/2006/main">
+  <p:cSld>
+    <p:spTree>
+      <p:nvGrpSpPr>
+        <p:cNvPr id="1" name=""/>
+        <p:cNvGrpSpPr/>
+        <p:nvPr/>
+      </p:nvGrpSpPr>
+      <p:grpSpPr>
+        <a:xfrm>
+          <a:off x="0" y="0"/>
+          <a:ext cx="0" cy="0"/>
+          <a:chOff x="0" y="0"/>
+          <a:chExt cx="0" cy="0"/>
+        </a:xfrm>
+      </p:grpSpPr>
+      <p:sp>
+        <p:nvSpPr>
+          <p:cNvPr id="84" name="Abgerundetes Rechteck 83"/>
+          <p:cNvSpPr/>
+          <p:nvPr/>
+        </p:nvSpPr>
+        <p:spPr>
+          <a:xfrm>
+            <a:off x="0" y="2538895"/>
+            <a:ext cx="3330369" cy="1034121"/>
+          </a:xfrm>
+          <a:prstGeom prst="roundRect">
+            <a:avLst/>
+          </a:prstGeom>
+        </p:spPr>
+        <p:style>
+          <a:lnRef idx="2">
+            <a:schemeClr val="dk1"/>
+          </a:lnRef>
+          <a:fillRef idx="1">
+            <a:schemeClr val="lt1"/>
+          </a:fillRef>
+          <a:effectRef idx="0">
+            <a:schemeClr val="dk1"/>
+          </a:effectRef>
+          <a:fontRef idx="minor">
+            <a:schemeClr val="dk1"/>
+          </a:fontRef>
+        </p:style>
+        <p:txBody>
+          <a:bodyPr rtlCol="0" anchor="ctr"/>
+          <a:lstStyle/>
+          <a:p>
+            <a:pPr algn="ctr"/>
+            <a:endParaRPr lang="en-US" sz="1600" dirty="0"/>
+          </a:p>
+        </p:txBody>
+      </p:sp>
+      <p:sp>
+        <p:nvSpPr>
+          <p:cNvPr id="81" name="Abgerundetes Rechteck 80"/>
+          <p:cNvSpPr/>
+          <p:nvPr/>
+        </p:nvSpPr>
+        <p:spPr>
+          <a:xfrm>
+            <a:off x="3402378" y="2544565"/>
+            <a:ext cx="5706126" cy="1028451"/>
+          </a:xfrm>
+          <a:prstGeom prst="roundRect">
+            <a:avLst/>
+          </a:prstGeom>
+        </p:spPr>
+        <p:style>
+          <a:lnRef idx="1">
+            <a:schemeClr val="dk1"/>
+          </a:lnRef>
+          <a:fillRef idx="2">
+            <a:schemeClr val="dk1"/>
+          </a:fillRef>
+          <a:effectRef idx="1">
+            <a:schemeClr val="dk1"/>
+          </a:effectRef>
+          <a:fontRef idx="minor">
+            <a:schemeClr val="dk1"/>
+          </a:fontRef>
+        </p:style>
+        <p:txBody>
+          <a:bodyPr rtlCol="0" anchor="ctr"/>
+          <a:lstStyle/>
+          <a:p>
+            <a:pPr algn="ctr"/>
+            <a:endParaRPr lang="en-US" sz="1600" dirty="0"/>
+          </a:p>
+        </p:txBody>
+      </p:sp>
+      <p:sp>
+        <p:nvSpPr>
+          <p:cNvPr id="12" name="Rechteck 11"/>
+          <p:cNvSpPr/>
+          <p:nvPr/>
+        </p:nvSpPr>
+        <p:spPr>
+          <a:xfrm>
+            <a:off x="4139952" y="3861048"/>
+            <a:ext cx="1296144" cy="576064"/>
+          </a:xfrm>
+          <a:prstGeom prst="rect">
+            <a:avLst/>
+          </a:prstGeom>
+        </p:spPr>
+        <p:style>
+          <a:lnRef idx="2">
+            <a:schemeClr val="dk1"/>
+          </a:lnRef>
+          <a:fillRef idx="1">
+            <a:schemeClr val="lt1"/>
+          </a:fillRef>
+          <a:effectRef idx="0">
+            <a:schemeClr val="dk1"/>
+          </a:effectRef>
+          <a:fontRef idx="minor">
+            <a:schemeClr val="dk1"/>
+          </a:fontRef>
+        </p:style>
+        <p:txBody>
+          <a:bodyPr rtlCol="0" anchor="ctr"/>
+          <a:lstStyle/>
+          <a:p>
+            <a:pPr algn="ctr"/>
+            <a:r>
+              <a:rPr lang="de-DE" sz="1600" b="1" dirty="0" smtClean="0"/>
+              <a:t>Input</a:t>
+            </a:r>
+            <a:endParaRPr lang="en-US" sz="1600" b="1" dirty="0" smtClean="0"/>
+          </a:p>
+          <a:p>
+            <a:pPr algn="ctr"/>
+            <a:r>
+              <a:rPr lang="en-US" sz="1600" dirty="0" smtClean="0"/>
+              <a:t>Raw Text</a:t>
+            </a:r>
+            <a:endParaRPr lang="en-US" sz="1600" dirty="0"/>
+          </a:p>
+        </p:txBody>
+      </p:sp>
+      <p:sp>
+        <p:nvSpPr>
+          <p:cNvPr id="65" name="Abgerundetes Rechteck 64"/>
+          <p:cNvSpPr/>
+          <p:nvPr/>
+        </p:nvSpPr>
+        <p:spPr>
+          <a:xfrm>
+            <a:off x="3456892" y="2794255"/>
+            <a:ext cx="1547156" cy="721905"/>
+          </a:xfrm>
+          <a:prstGeom prst="roundRect">
+            <a:avLst/>
+          </a:prstGeom>
+        </p:spPr>
+        <p:style>
+          <a:lnRef idx="2">
+            <a:schemeClr val="dk1"/>
+          </a:lnRef>
+          <a:fillRef idx="1">
+            <a:schemeClr val="lt1"/>
+          </a:fillRef>
+          <a:effectRef idx="0">
+            <a:schemeClr val="dk1"/>
+          </a:effectRef>
+          <a:fontRef idx="minor">
+            <a:schemeClr val="dk1"/>
+          </a:fontRef>
+        </p:style>
+        <p:txBody>
+          <a:bodyPr rtlCol="0" anchor="ctr"/>
+          <a:lstStyle/>
+          <a:p>
+            <a:pPr algn="ctr"/>
+            <a:r>
+              <a:rPr lang="en-US" sz="1600" dirty="0"/>
+              <a:t>Gazetteers: </a:t>
+            </a:r>
+            <a:r>
+              <a:rPr lang="en-US" sz="1600" dirty="0" smtClean="0"/>
+              <a:t>Lists </a:t>
+            </a:r>
+            <a:r>
+              <a:rPr lang="en-US" sz="1600" dirty="0"/>
+              <a:t>of </a:t>
+            </a:r>
+            <a:r>
+              <a:rPr lang="en-US" sz="1600" dirty="0" smtClean="0"/>
+              <a:t>Named Entities</a:t>
+            </a:r>
+            <a:endParaRPr lang="en-US" sz="1600" dirty="0"/>
+          </a:p>
+        </p:txBody>
+      </p:sp>
+      <p:sp>
+        <p:nvSpPr>
+          <p:cNvPr id="82" name="Textfeld 81"/>
+          <p:cNvSpPr txBox="1"/>
+          <p:nvPr/>
+        </p:nvSpPr>
+        <p:spPr>
+          <a:xfrm>
+            <a:off x="432048" y="2492896"/>
+            <a:ext cx="1187624" cy="338554"/>
+          </a:xfrm>
+          <a:prstGeom prst="rect">
+            <a:avLst/>
+          </a:prstGeom>
+          <a:noFill/>
+        </p:spPr>
+        <p:txBody>
+          <a:bodyPr wrap="square" rtlCol="0">
+            <a:spAutoFit/>
+          </a:bodyPr>
+          <a:lstStyle/>
+          <a:p>
+            <a:r>
+              <a:rPr lang="de-DE" sz="1600" dirty="0" smtClean="0"/>
+              <a:t>Syntax</a:t>
+            </a:r>
+            <a:endParaRPr lang="en-US" sz="1600" dirty="0"/>
+          </a:p>
+        </p:txBody>
+      </p:sp>
+      <p:sp>
+        <p:nvSpPr>
+          <p:cNvPr id="85" name="Abgerundetes Rechteck 84"/>
+          <p:cNvSpPr/>
+          <p:nvPr/>
+        </p:nvSpPr>
+        <p:spPr>
+          <a:xfrm>
+            <a:off x="971600" y="2794256"/>
+            <a:ext cx="630036" cy="721905"/>
+          </a:xfrm>
+          <a:prstGeom prst="roundRect">
+            <a:avLst/>
+          </a:prstGeom>
+        </p:spPr>
+        <p:style>
+          <a:lnRef idx="2">
+            <a:schemeClr val="dk1"/>
+          </a:lnRef>
+          <a:fillRef idx="1">
+            <a:schemeClr val="lt1"/>
+          </a:fillRef>
+          <a:effectRef idx="0">
+            <a:schemeClr val="dk1"/>
+          </a:effectRef>
+          <a:fontRef idx="minor">
+            <a:schemeClr val="dk1"/>
+          </a:fontRef>
+        </p:style>
+        <p:txBody>
+          <a:bodyPr rtlCol="0" anchor="ctr"/>
+          <a:lstStyle/>
+          <a:p>
+            <a:pPr algn="ctr"/>
+            <a:r>
+              <a:rPr lang="en-US" sz="1600" dirty="0" smtClean="0"/>
+              <a:t>POS </a:t>
+            </a:r>
+          </a:p>
+          <a:p>
+            <a:pPr algn="ctr"/>
+            <a:r>
+              <a:rPr lang="en-US" sz="1600" dirty="0" smtClean="0"/>
+              <a:t>Tags</a:t>
+            </a:r>
+            <a:endParaRPr lang="en-US" sz="1600" dirty="0"/>
+          </a:p>
+        </p:txBody>
+      </p:sp>
+      <p:sp>
+        <p:nvSpPr>
+          <p:cNvPr id="87" name="Textfeld 86"/>
+          <p:cNvSpPr txBox="1"/>
+          <p:nvPr/>
+        </p:nvSpPr>
+        <p:spPr>
+          <a:xfrm>
+            <a:off x="3384376" y="2506588"/>
+            <a:ext cx="1187624" cy="338554"/>
+          </a:xfrm>
+          <a:prstGeom prst="rect">
+            <a:avLst/>
+          </a:prstGeom>
+          <a:noFill/>
+        </p:spPr>
+        <p:txBody>
+          <a:bodyPr wrap="square" rtlCol="0">
+            <a:spAutoFit/>
+          </a:bodyPr>
+          <a:lstStyle/>
+          <a:p>
+            <a:r>
+              <a:rPr lang="en-US" sz="1600" dirty="0" smtClean="0"/>
+              <a:t>Semantics</a:t>
+            </a:r>
+            <a:endParaRPr lang="en-US" sz="1600" dirty="0"/>
+          </a:p>
+        </p:txBody>
+      </p:sp>
+      <p:sp>
+        <p:nvSpPr>
+          <p:cNvPr id="90" name="Rechteck 89"/>
+          <p:cNvSpPr/>
+          <p:nvPr/>
+        </p:nvSpPr>
+        <p:spPr>
+          <a:xfrm>
+            <a:off x="179512" y="3871210"/>
+            <a:ext cx="3738763" cy="576064"/>
+          </a:xfrm>
+          <a:prstGeom prst="rect">
+            <a:avLst/>
+          </a:prstGeom>
+          <a:ln w="6350">
+            <a:prstDash val="sysDot"/>
+          </a:ln>
+        </p:spPr>
+        <p:style>
+          <a:lnRef idx="2">
+            <a:schemeClr val="dk1"/>
+          </a:lnRef>
+          <a:fillRef idx="1">
+            <a:schemeClr val="lt1"/>
+          </a:fillRef>
+          <a:effectRef idx="0">
+            <a:schemeClr val="dk1"/>
+          </a:effectRef>
+          <a:fontRef idx="minor">
+            <a:schemeClr val="dk1"/>
+          </a:fontRef>
+        </p:style>
+        <p:txBody>
+          <a:bodyPr rtlCol="0" anchor="ctr"/>
+          <a:lstStyle/>
+          <a:p>
+            <a:pPr algn="ctr"/>
+            <a:endParaRPr lang="en-US" dirty="0"/>
+          </a:p>
+        </p:txBody>
+      </p:sp>
+      <p:sp>
+        <p:nvSpPr>
+          <p:cNvPr id="95" name="Textfeld 94"/>
+          <p:cNvSpPr txBox="1"/>
+          <p:nvPr/>
+        </p:nvSpPr>
+        <p:spPr>
+          <a:xfrm>
+            <a:off x="1043608" y="3861048"/>
+            <a:ext cx="1216202" cy="584775"/>
+          </a:xfrm>
+          <a:prstGeom prst="rect">
+            <a:avLst/>
+          </a:prstGeom>
+          <a:noFill/>
+        </p:spPr>
+        <p:txBody>
+          <a:bodyPr wrap="square" rtlCol="0">
+            <a:spAutoFit/>
+          </a:bodyPr>
+          <a:lstStyle/>
+          <a:p>
+            <a:pPr algn="ctr"/>
+            <a:r>
+              <a:rPr lang="en-US" sz="1600" dirty="0" smtClean="0"/>
+              <a:t>POS</a:t>
+            </a:r>
+          </a:p>
+          <a:p>
+            <a:pPr algn="ctr"/>
+            <a:r>
+              <a:rPr lang="en-US" sz="1600" dirty="0" smtClean="0"/>
+              <a:t>Tagging</a:t>
+            </a:r>
+            <a:endParaRPr lang="en-US" sz="1600" dirty="0"/>
+          </a:p>
+        </p:txBody>
+      </p:sp>
+      <p:sp>
+        <p:nvSpPr>
+          <p:cNvPr id="96" name="Abgerundetes Rechteck 95"/>
+          <p:cNvSpPr/>
+          <p:nvPr/>
+        </p:nvSpPr>
+        <p:spPr>
+          <a:xfrm>
+            <a:off x="1661837" y="2788363"/>
+            <a:ext cx="821931" cy="728309"/>
+          </a:xfrm>
+          <a:prstGeom prst="roundRect">
+            <a:avLst/>
+          </a:prstGeom>
+        </p:spPr>
+        <p:style>
+          <a:lnRef idx="2">
+            <a:schemeClr val="dk1"/>
+          </a:lnRef>
+          <a:fillRef idx="1">
+            <a:schemeClr val="lt1"/>
+          </a:fillRef>
+          <a:effectRef idx="0">
+            <a:schemeClr val="dk1"/>
+          </a:effectRef>
+          <a:fontRef idx="minor">
+            <a:schemeClr val="dk1"/>
+          </a:fontRef>
+        </p:style>
+        <p:txBody>
+          <a:bodyPr rtlCol="0" anchor="ctr"/>
+          <a:lstStyle/>
+          <a:p>
+            <a:pPr algn="ctr"/>
+            <a:r>
+              <a:rPr lang="en-US" sz="1600" dirty="0" smtClean="0"/>
+              <a:t>Noun Phrase </a:t>
+            </a:r>
+            <a:r>
+              <a:rPr lang="en-US" sz="1600" dirty="0" smtClean="0"/>
+              <a:t>Chunk</a:t>
+            </a:r>
+            <a:endParaRPr lang="en-US" sz="1600" dirty="0"/>
+          </a:p>
+        </p:txBody>
+      </p:sp>
+      <p:sp>
+        <p:nvSpPr>
+          <p:cNvPr id="97" name="Textfeld 96"/>
+          <p:cNvSpPr txBox="1"/>
+          <p:nvPr/>
+        </p:nvSpPr>
+        <p:spPr>
+          <a:xfrm>
+            <a:off x="1771622" y="4005064"/>
+            <a:ext cx="1432226" cy="338554"/>
+          </a:xfrm>
+          <a:prstGeom prst="rect">
+            <a:avLst/>
+          </a:prstGeom>
+          <a:noFill/>
+        </p:spPr>
+        <p:txBody>
+          <a:bodyPr wrap="square" rtlCol="0">
+            <a:spAutoFit/>
+          </a:bodyPr>
+          <a:lstStyle/>
+          <a:p>
+            <a:pPr algn="ctr"/>
+            <a:r>
+              <a:rPr lang="en-US" sz="1600" dirty="0" smtClean="0"/>
+              <a:t>Chunking</a:t>
+            </a:r>
+            <a:endParaRPr lang="en-US" sz="1600" dirty="0"/>
+          </a:p>
+        </p:txBody>
+      </p:sp>
+      <p:cxnSp>
+        <p:nvCxnSpPr>
+          <p:cNvPr id="98" name="Gerade Verbindung mit Pfeil 97"/>
+          <p:cNvCxnSpPr/>
+          <p:nvPr/>
+        </p:nvCxnSpPr>
+        <p:spPr>
+          <a:xfrm flipH="1">
+            <a:off x="3923928" y="4185084"/>
+            <a:ext cx="216024" cy="0"/>
+          </a:xfrm>
+          <a:prstGeom prst="straightConnector1">
+            <a:avLst/>
+          </a:prstGeom>
+          <a:ln>
+            <a:tailEnd type="arrow"/>
+          </a:ln>
+        </p:spPr>
+        <p:style>
+          <a:lnRef idx="1">
+            <a:schemeClr val="dk1"/>
+          </a:lnRef>
+          <a:fillRef idx="0">
+            <a:schemeClr val="dk1"/>
+          </a:fillRef>
+          <a:effectRef idx="0">
+            <a:schemeClr val="dk1"/>
+          </a:effectRef>
+          <a:fontRef idx="minor">
+            <a:schemeClr val="tx1"/>
+          </a:fontRef>
+        </p:style>
+      </p:cxnSp>
+      <p:cxnSp>
+        <p:nvCxnSpPr>
+          <p:cNvPr id="99" name="Gerade Verbindung mit Pfeil 98"/>
+          <p:cNvCxnSpPr/>
+          <p:nvPr/>
+        </p:nvCxnSpPr>
+        <p:spPr>
+          <a:xfrm flipV="1">
+            <a:off x="1856227" y="3573016"/>
+            <a:ext cx="1" cy="288032"/>
+          </a:xfrm>
+          <a:prstGeom prst="straightConnector1">
+            <a:avLst/>
+          </a:prstGeom>
+          <a:ln>
+            <a:tailEnd type="arrow"/>
+          </a:ln>
+        </p:spPr>
+        <p:style>
+          <a:lnRef idx="1">
+            <a:schemeClr val="dk1"/>
+          </a:lnRef>
+          <a:fillRef idx="0">
+            <a:schemeClr val="dk1"/>
+          </a:fillRef>
+          <a:effectRef idx="0">
+            <a:schemeClr val="dk1"/>
+          </a:effectRef>
+          <a:fontRef idx="minor">
+            <a:schemeClr val="tx1"/>
+          </a:fontRef>
+        </p:style>
+      </p:cxnSp>
+      <p:sp>
+        <p:nvSpPr>
+          <p:cNvPr id="101" name="Rechteck 100"/>
+          <p:cNvSpPr/>
+          <p:nvPr/>
+        </p:nvSpPr>
+        <p:spPr>
+          <a:xfrm>
+            <a:off x="24279" y="1628800"/>
+            <a:ext cx="6379260" cy="576064"/>
+          </a:xfrm>
+          <a:prstGeom prst="rect">
+            <a:avLst/>
+          </a:prstGeom>
+          <a:ln w="6350">
+            <a:prstDash val="sysDot"/>
+          </a:ln>
+        </p:spPr>
+        <p:style>
+          <a:lnRef idx="2">
+            <a:schemeClr val="dk1"/>
+          </a:lnRef>
+          <a:fillRef idx="1">
+            <a:schemeClr val="lt1"/>
+          </a:fillRef>
+          <a:effectRef idx="0">
+            <a:schemeClr val="dk1"/>
+          </a:effectRef>
+          <a:fontRef idx="minor">
+            <a:schemeClr val="dk1"/>
+          </a:fontRef>
+        </p:style>
+        <p:txBody>
+          <a:bodyPr rtlCol="0" anchor="ctr"/>
+          <a:lstStyle/>
+          <a:p>
+            <a:pPr algn="ctr"/>
+            <a:endParaRPr lang="en-US" dirty="0"/>
+          </a:p>
+        </p:txBody>
+      </p:sp>
+      <p:sp>
+        <p:nvSpPr>
+          <p:cNvPr id="102" name="Textfeld 101"/>
+          <p:cNvSpPr txBox="1"/>
+          <p:nvPr/>
+        </p:nvSpPr>
+        <p:spPr>
+          <a:xfrm>
+            <a:off x="-77181" y="1638298"/>
+            <a:ext cx="1055844" cy="584775"/>
+          </a:xfrm>
+          <a:prstGeom prst="rect">
+            <a:avLst/>
+          </a:prstGeom>
+          <a:noFill/>
+        </p:spPr>
+        <p:txBody>
+          <a:bodyPr wrap="square" rtlCol="0">
+            <a:spAutoFit/>
+          </a:bodyPr>
+          <a:lstStyle/>
+          <a:p>
+            <a:pPr algn="ctr"/>
+            <a:r>
+              <a:rPr lang="en-US" sz="1600" dirty="0" smtClean="0"/>
+              <a:t>Direct</a:t>
+            </a:r>
+          </a:p>
+          <a:p>
+            <a:pPr algn="ctr"/>
+            <a:r>
+              <a:rPr lang="en-US" sz="1600" dirty="0" smtClean="0"/>
+              <a:t>Matching</a:t>
+            </a:r>
+            <a:endParaRPr lang="en-US" sz="1600" dirty="0"/>
+          </a:p>
+        </p:txBody>
+      </p:sp>
+      <p:sp>
+        <p:nvSpPr>
+          <p:cNvPr id="103" name="Textfeld 102"/>
+          <p:cNvSpPr txBox="1"/>
+          <p:nvPr/>
+        </p:nvSpPr>
+        <p:spPr>
+          <a:xfrm>
+            <a:off x="780097" y="1629170"/>
+            <a:ext cx="1730523" cy="584775"/>
+          </a:xfrm>
+          <a:prstGeom prst="rect">
+            <a:avLst/>
+          </a:prstGeom>
+          <a:noFill/>
+        </p:spPr>
+        <p:txBody>
+          <a:bodyPr wrap="square" rtlCol="0">
+            <a:spAutoFit/>
+          </a:bodyPr>
+          <a:lstStyle/>
+          <a:p>
+            <a:pPr algn="ctr"/>
+            <a:r>
+              <a:rPr lang="de-DE" sz="1600" dirty="0" err="1" smtClean="0"/>
+              <a:t>Named</a:t>
+            </a:r>
+            <a:r>
+              <a:rPr lang="de-DE" sz="1600" dirty="0" smtClean="0"/>
+              <a:t> </a:t>
+            </a:r>
+            <a:r>
+              <a:rPr lang="de-DE" sz="1600" dirty="0" err="1" smtClean="0"/>
+              <a:t>Entity</a:t>
+            </a:r>
+            <a:r>
+              <a:rPr lang="de-DE" sz="1600" dirty="0" smtClean="0"/>
+              <a:t> </a:t>
+            </a:r>
+            <a:endParaRPr lang="en-US" sz="1600" dirty="0" smtClean="0"/>
+          </a:p>
+          <a:p>
+            <a:pPr algn="ctr"/>
+            <a:r>
+              <a:rPr lang="de-DE" sz="1600" dirty="0" err="1" smtClean="0"/>
+              <a:t>Disambiguation</a:t>
+            </a:r>
+            <a:endParaRPr lang="en-US" sz="1600" dirty="0"/>
+          </a:p>
+        </p:txBody>
+      </p:sp>
+      <p:cxnSp>
+        <p:nvCxnSpPr>
+          <p:cNvPr id="107" name="Gerade Verbindung mit Pfeil 106"/>
+          <p:cNvCxnSpPr/>
+          <p:nvPr/>
+        </p:nvCxnSpPr>
+        <p:spPr>
+          <a:xfrm>
+            <a:off x="6403539" y="1916832"/>
+            <a:ext cx="288032" cy="0"/>
+          </a:xfrm>
+          <a:prstGeom prst="straightConnector1">
+            <a:avLst/>
+          </a:prstGeom>
+          <a:ln>
+            <a:tailEnd type="arrow"/>
+          </a:ln>
+        </p:spPr>
+        <p:style>
+          <a:lnRef idx="1">
+            <a:schemeClr val="dk1"/>
+          </a:lnRef>
+          <a:fillRef idx="0">
+            <a:schemeClr val="dk1"/>
+          </a:fillRef>
+          <a:effectRef idx="0">
+            <a:schemeClr val="dk1"/>
+          </a:effectRef>
+          <a:fontRef idx="minor">
+            <a:schemeClr val="tx1"/>
+          </a:fontRef>
+        </p:style>
+      </p:cxnSp>
+      <p:cxnSp>
+        <p:nvCxnSpPr>
+          <p:cNvPr id="109" name="Gerade Verbindung mit Pfeil 108"/>
+          <p:cNvCxnSpPr/>
+          <p:nvPr/>
+        </p:nvCxnSpPr>
+        <p:spPr>
+          <a:xfrm flipV="1">
+            <a:off x="2227075" y="2218556"/>
+            <a:ext cx="1" cy="288032"/>
+          </a:xfrm>
+          <a:prstGeom prst="straightConnector1">
+            <a:avLst/>
+          </a:prstGeom>
+          <a:ln>
+            <a:tailEnd type="arrow"/>
+          </a:ln>
+        </p:spPr>
+        <p:style>
+          <a:lnRef idx="1">
+            <a:schemeClr val="dk1"/>
+          </a:lnRef>
+          <a:fillRef idx="0">
+            <a:schemeClr val="dk1"/>
+          </a:fillRef>
+          <a:effectRef idx="0">
+            <a:schemeClr val="dk1"/>
+          </a:effectRef>
+          <a:fontRef idx="minor">
+            <a:schemeClr val="tx1"/>
+          </a:fontRef>
+        </p:style>
+      </p:cxnSp>
+      <p:cxnSp>
+        <p:nvCxnSpPr>
+          <p:cNvPr id="110" name="Gerade Verbindung mit Pfeil 109"/>
+          <p:cNvCxnSpPr/>
+          <p:nvPr/>
+        </p:nvCxnSpPr>
+        <p:spPr>
+          <a:xfrm flipV="1">
+            <a:off x="4675346" y="2206127"/>
+            <a:ext cx="1" cy="288032"/>
+          </a:xfrm>
+          <a:prstGeom prst="straightConnector1">
+            <a:avLst/>
+          </a:prstGeom>
+          <a:ln>
+            <a:tailEnd type="arrow"/>
+          </a:ln>
+        </p:spPr>
+        <p:style>
+          <a:lnRef idx="1">
+            <a:schemeClr val="dk1"/>
+          </a:lnRef>
+          <a:fillRef idx="0">
+            <a:schemeClr val="dk1"/>
+          </a:fillRef>
+          <a:effectRef idx="0">
+            <a:schemeClr val="dk1"/>
+          </a:effectRef>
+          <a:fontRef idx="minor">
+            <a:schemeClr val="tx1"/>
+          </a:fontRef>
+        </p:style>
+      </p:cxnSp>
+      <p:sp>
+        <p:nvSpPr>
+          <p:cNvPr id="25" name="Abgerundetes Rechteck 24"/>
+          <p:cNvSpPr/>
+          <p:nvPr/>
+        </p:nvSpPr>
+        <p:spPr>
+          <a:xfrm>
+            <a:off x="6156176" y="2788363"/>
+            <a:ext cx="1080120" cy="721905"/>
+          </a:xfrm>
+          <a:prstGeom prst="roundRect">
+            <a:avLst/>
+          </a:prstGeom>
+        </p:spPr>
+        <p:style>
+          <a:lnRef idx="2">
+            <a:schemeClr val="dk1"/>
+          </a:lnRef>
+          <a:fillRef idx="1">
+            <a:schemeClr val="lt1"/>
+          </a:fillRef>
+          <a:effectRef idx="0">
+            <a:schemeClr val="dk1"/>
+          </a:effectRef>
+          <a:fontRef idx="minor">
+            <a:schemeClr val="dk1"/>
+          </a:fontRef>
+        </p:style>
+        <p:txBody>
+          <a:bodyPr rtlCol="0" anchor="ctr"/>
+          <a:lstStyle/>
+          <a:p>
+            <a:pPr algn="ctr"/>
+            <a:r>
+              <a:rPr lang="de-DE" sz="1600" dirty="0" err="1" smtClean="0"/>
+              <a:t>Matching</a:t>
+            </a:r>
+            <a:r>
+              <a:rPr lang="de-DE" sz="1600" dirty="0" smtClean="0"/>
+              <a:t> Patterns / Rules</a:t>
+            </a:r>
+            <a:endParaRPr lang="en-US" sz="1600" dirty="0"/>
+          </a:p>
+        </p:txBody>
+      </p:sp>
+      <p:sp>
+        <p:nvSpPr>
+          <p:cNvPr id="27" name="Textfeld 26"/>
+          <p:cNvSpPr txBox="1"/>
+          <p:nvPr/>
+        </p:nvSpPr>
+        <p:spPr>
+          <a:xfrm>
+            <a:off x="2627784" y="3881953"/>
+            <a:ext cx="1432226" cy="584775"/>
+          </a:xfrm>
+          <a:prstGeom prst="rect">
+            <a:avLst/>
+          </a:prstGeom>
+          <a:noFill/>
+        </p:spPr>
+        <p:txBody>
+          <a:bodyPr wrap="square" rtlCol="0">
+            <a:spAutoFit/>
+          </a:bodyPr>
+          <a:lstStyle/>
+          <a:p>
+            <a:pPr algn="ctr"/>
+            <a:r>
+              <a:rPr lang="en-US" sz="1600" dirty="0" smtClean="0"/>
+              <a:t>Syntactic</a:t>
+            </a:r>
+          </a:p>
+          <a:p>
+            <a:pPr algn="ctr"/>
+            <a:r>
+              <a:rPr lang="en-US" sz="1600" dirty="0" smtClean="0"/>
+              <a:t>Parsing</a:t>
+            </a:r>
+            <a:endParaRPr lang="en-US" sz="1600" dirty="0"/>
+          </a:p>
+        </p:txBody>
+      </p:sp>
+      <p:sp>
+        <p:nvSpPr>
+          <p:cNvPr id="28" name="Textfeld 27"/>
+          <p:cNvSpPr txBox="1"/>
+          <p:nvPr/>
+        </p:nvSpPr>
+        <p:spPr>
+          <a:xfrm>
+            <a:off x="3930968" y="1628800"/>
+            <a:ext cx="1788496" cy="584775"/>
+          </a:xfrm>
+          <a:prstGeom prst="rect">
+            <a:avLst/>
+          </a:prstGeom>
+          <a:noFill/>
+        </p:spPr>
+        <p:txBody>
+          <a:bodyPr wrap="square" rtlCol="0">
+            <a:spAutoFit/>
+          </a:bodyPr>
+          <a:lstStyle/>
+          <a:p>
+            <a:pPr algn="ctr"/>
+            <a:r>
+              <a:rPr lang="de-DE" sz="1600" dirty="0" err="1" smtClean="0"/>
+              <a:t>Sequence</a:t>
+            </a:r>
+            <a:endParaRPr lang="en-US" sz="1600" dirty="0" smtClean="0"/>
+          </a:p>
+          <a:p>
+            <a:pPr algn="ctr"/>
+            <a:r>
+              <a:rPr lang="de-DE" sz="1600" dirty="0" err="1" smtClean="0"/>
+              <a:t>Labeling</a:t>
+            </a:r>
+            <a:endParaRPr lang="en-US" sz="1600" dirty="0"/>
+          </a:p>
+        </p:txBody>
+      </p:sp>
+      <p:sp>
+        <p:nvSpPr>
+          <p:cNvPr id="30" name="Textfeld 29"/>
+          <p:cNvSpPr txBox="1"/>
+          <p:nvPr/>
+        </p:nvSpPr>
+        <p:spPr>
+          <a:xfrm>
+            <a:off x="1984420" y="1628800"/>
+            <a:ext cx="1730523" cy="584775"/>
+          </a:xfrm>
+          <a:prstGeom prst="rect">
+            <a:avLst/>
+          </a:prstGeom>
+          <a:noFill/>
+        </p:spPr>
+        <p:txBody>
+          <a:bodyPr wrap="square" rtlCol="0">
+            <a:spAutoFit/>
+          </a:bodyPr>
+          <a:lstStyle/>
+          <a:p>
+            <a:pPr algn="ctr"/>
+            <a:r>
+              <a:rPr lang="de-DE" sz="1600" dirty="0" smtClean="0"/>
+              <a:t>Pattern</a:t>
+            </a:r>
+            <a:endParaRPr lang="en-US" sz="1600" dirty="0" smtClean="0"/>
+          </a:p>
+          <a:p>
+            <a:pPr algn="ctr"/>
+            <a:r>
+              <a:rPr lang="de-DE" sz="1600" dirty="0" err="1" smtClean="0"/>
+              <a:t>Matching</a:t>
+            </a:r>
+            <a:endParaRPr lang="en-US" sz="1600" dirty="0"/>
+          </a:p>
+        </p:txBody>
+      </p:sp>
+      <p:sp>
+        <p:nvSpPr>
+          <p:cNvPr id="31" name="Textfeld 30"/>
+          <p:cNvSpPr txBox="1"/>
+          <p:nvPr/>
+        </p:nvSpPr>
+        <p:spPr>
+          <a:xfrm>
+            <a:off x="2939980" y="1628800"/>
+            <a:ext cx="1730523" cy="584775"/>
+          </a:xfrm>
+          <a:prstGeom prst="rect">
+            <a:avLst/>
+          </a:prstGeom>
+          <a:noFill/>
+        </p:spPr>
+        <p:txBody>
+          <a:bodyPr wrap="square" rtlCol="0">
+            <a:spAutoFit/>
+          </a:bodyPr>
+          <a:lstStyle/>
+          <a:p>
+            <a:pPr algn="ctr"/>
+            <a:r>
+              <a:rPr lang="de-DE" sz="1600" dirty="0" smtClean="0"/>
+              <a:t>Pattern</a:t>
+            </a:r>
+            <a:endParaRPr lang="en-US" sz="1600" dirty="0" smtClean="0"/>
+          </a:p>
+          <a:p>
+            <a:pPr algn="ctr"/>
+            <a:r>
+              <a:rPr lang="de-DE" sz="1600" dirty="0" err="1" smtClean="0"/>
+              <a:t>Induction</a:t>
+            </a:r>
+            <a:endParaRPr lang="en-US" sz="1600" dirty="0"/>
+          </a:p>
+        </p:txBody>
+      </p:sp>
+      <p:sp>
+        <p:nvSpPr>
+          <p:cNvPr id="32" name="Abgerundetes Rechteck 31"/>
+          <p:cNvSpPr/>
+          <p:nvPr/>
+        </p:nvSpPr>
+        <p:spPr>
+          <a:xfrm>
+            <a:off x="7290810" y="2780928"/>
+            <a:ext cx="1817694" cy="721905"/>
+          </a:xfrm>
+          <a:prstGeom prst="roundRect">
+            <a:avLst/>
+          </a:prstGeom>
+        </p:spPr>
+        <p:style>
+          <a:lnRef idx="2">
+            <a:schemeClr val="dk1"/>
+          </a:lnRef>
+          <a:fillRef idx="1">
+            <a:schemeClr val="lt1"/>
+          </a:fillRef>
+          <a:effectRef idx="0">
+            <a:schemeClr val="dk1"/>
+          </a:effectRef>
+          <a:fontRef idx="minor">
+            <a:schemeClr val="dk1"/>
+          </a:fontRef>
+        </p:style>
+        <p:txBody>
+          <a:bodyPr rtlCol="0" anchor="ctr"/>
+          <a:lstStyle/>
+          <a:p>
+            <a:pPr algn="ctr"/>
+            <a:r>
+              <a:rPr lang="de-DE" sz="1600" dirty="0" err="1" smtClean="0"/>
+              <a:t>Knowledge</a:t>
+            </a:r>
+            <a:r>
+              <a:rPr lang="de-DE" sz="1600" dirty="0" smtClean="0"/>
+              <a:t> </a:t>
+            </a:r>
+          </a:p>
+          <a:p>
+            <a:pPr algn="ctr"/>
+            <a:r>
+              <a:rPr lang="de-DE" sz="1600" dirty="0" smtClean="0"/>
+              <a:t>Models  (Semantic </a:t>
+            </a:r>
+            <a:r>
+              <a:rPr lang="de-DE" sz="1600" dirty="0" err="1" smtClean="0"/>
+              <a:t>Constraints</a:t>
+            </a:r>
+            <a:r>
+              <a:rPr lang="de-DE" sz="1600" dirty="0" smtClean="0"/>
+              <a:t>)</a:t>
+            </a:r>
+            <a:endParaRPr lang="en-US" sz="1600" dirty="0"/>
+          </a:p>
+        </p:txBody>
+      </p:sp>
+      <p:sp>
+        <p:nvSpPr>
+          <p:cNvPr id="33" name="Abgerundetes Rechteck 32"/>
+          <p:cNvSpPr/>
+          <p:nvPr/>
+        </p:nvSpPr>
+        <p:spPr>
+          <a:xfrm>
+            <a:off x="2561429" y="2774524"/>
+            <a:ext cx="714427" cy="728309"/>
+          </a:xfrm>
+          <a:prstGeom prst="roundRect">
+            <a:avLst/>
+          </a:prstGeom>
+        </p:spPr>
+        <p:style>
+          <a:lnRef idx="2">
+            <a:schemeClr val="dk1"/>
+          </a:lnRef>
+          <a:fillRef idx="1">
+            <a:schemeClr val="lt1"/>
+          </a:fillRef>
+          <a:effectRef idx="0">
+            <a:schemeClr val="dk1"/>
+          </a:effectRef>
+          <a:fontRef idx="minor">
+            <a:schemeClr val="dk1"/>
+          </a:fontRef>
+        </p:style>
+        <p:txBody>
+          <a:bodyPr rtlCol="0" anchor="ctr"/>
+          <a:lstStyle/>
+          <a:p>
+            <a:pPr algn="ctr"/>
+            <a:r>
+              <a:rPr lang="en-US" sz="1600" dirty="0" smtClean="0"/>
+              <a:t>Parse </a:t>
+            </a:r>
+          </a:p>
+          <a:p>
+            <a:pPr algn="ctr"/>
+            <a:r>
+              <a:rPr lang="de-DE" sz="1600" dirty="0" err="1" smtClean="0"/>
+              <a:t>Trees</a:t>
+            </a:r>
+            <a:endParaRPr lang="en-US" sz="1600" dirty="0"/>
+          </a:p>
+        </p:txBody>
+      </p:sp>
+      <p:sp>
+        <p:nvSpPr>
+          <p:cNvPr id="34" name="Textfeld 33"/>
+          <p:cNvSpPr txBox="1"/>
+          <p:nvPr/>
+        </p:nvSpPr>
+        <p:spPr>
+          <a:xfrm>
+            <a:off x="4975083" y="1628800"/>
+            <a:ext cx="1788496" cy="584775"/>
+          </a:xfrm>
+          <a:prstGeom prst="rect">
+            <a:avLst/>
+          </a:prstGeom>
+          <a:noFill/>
+        </p:spPr>
+        <p:txBody>
+          <a:bodyPr wrap="square" rtlCol="0">
+            <a:spAutoFit/>
+          </a:bodyPr>
+          <a:lstStyle/>
+          <a:p>
+            <a:pPr algn="ctr"/>
+            <a:r>
+              <a:rPr lang="de-DE" sz="1600" dirty="0" err="1" smtClean="0"/>
+              <a:t>Consistency</a:t>
+            </a:r>
+            <a:endParaRPr lang="en-US" sz="1600" dirty="0" smtClean="0"/>
+          </a:p>
+          <a:p>
+            <a:pPr algn="ctr"/>
+            <a:r>
+              <a:rPr lang="de-DE" sz="1600" dirty="0" err="1" smtClean="0"/>
+              <a:t>Checking</a:t>
+            </a:r>
+            <a:endParaRPr lang="en-US" sz="1600" dirty="0"/>
+          </a:p>
+        </p:txBody>
+      </p:sp>
+      <p:sp>
+        <p:nvSpPr>
+          <p:cNvPr id="47" name="Abgerundetes Rechteck 46"/>
+          <p:cNvSpPr/>
+          <p:nvPr/>
+        </p:nvSpPr>
+        <p:spPr>
+          <a:xfrm>
+            <a:off x="5053833" y="2794767"/>
+            <a:ext cx="1030335" cy="721905"/>
+          </a:xfrm>
+          <a:prstGeom prst="roundRect">
+            <a:avLst/>
+          </a:prstGeom>
+        </p:spPr>
+        <p:style>
+          <a:lnRef idx="2">
+            <a:schemeClr val="dk1"/>
+          </a:lnRef>
+          <a:fillRef idx="1">
+            <a:schemeClr val="lt1"/>
+          </a:fillRef>
+          <a:effectRef idx="0">
+            <a:schemeClr val="dk1"/>
+          </a:effectRef>
+          <a:fontRef idx="minor">
+            <a:schemeClr val="dk1"/>
+          </a:fontRef>
+        </p:style>
+        <p:txBody>
+          <a:bodyPr rtlCol="0" anchor="ctr"/>
+          <a:lstStyle/>
+          <a:p>
+            <a:pPr algn="ctr"/>
+            <a:r>
+              <a:rPr lang="de-DE" sz="1600" dirty="0" smtClean="0"/>
+              <a:t>Semantic Data</a:t>
+            </a:r>
+            <a:endParaRPr lang="en-US" sz="1600" dirty="0"/>
+          </a:p>
+        </p:txBody>
+      </p:sp>
+      <p:sp>
+        <p:nvSpPr>
+          <p:cNvPr id="49" name="Textfeld 48"/>
+          <p:cNvSpPr txBox="1"/>
+          <p:nvPr/>
+        </p:nvSpPr>
+        <p:spPr>
+          <a:xfrm>
+            <a:off x="-108520" y="4015807"/>
+            <a:ext cx="1728192" cy="338554"/>
+          </a:xfrm>
+          <a:prstGeom prst="rect">
+            <a:avLst/>
+          </a:prstGeom>
+          <a:noFill/>
+        </p:spPr>
+        <p:txBody>
+          <a:bodyPr wrap="square" rtlCol="0">
+            <a:spAutoFit/>
+          </a:bodyPr>
+          <a:lstStyle/>
+          <a:p>
+            <a:pPr algn="ctr"/>
+            <a:r>
+              <a:rPr lang="en-US" sz="1600" dirty="0" smtClean="0"/>
+              <a:t>Tokenization</a:t>
+            </a:r>
+            <a:endParaRPr lang="en-US" sz="1600" dirty="0"/>
+          </a:p>
+        </p:txBody>
+      </p:sp>
+      <p:sp>
+        <p:nvSpPr>
+          <p:cNvPr id="50" name="Abgerundetes Rechteck 49"/>
+          <p:cNvSpPr/>
+          <p:nvPr/>
+        </p:nvSpPr>
+        <p:spPr>
+          <a:xfrm flipH="1">
+            <a:off x="35496" y="2780928"/>
+            <a:ext cx="864096" cy="721905"/>
+          </a:xfrm>
+          <a:prstGeom prst="roundRect">
+            <a:avLst/>
+          </a:prstGeom>
+        </p:spPr>
+        <p:style>
+          <a:lnRef idx="2">
+            <a:schemeClr val="dk1"/>
+          </a:lnRef>
+          <a:fillRef idx="1">
+            <a:schemeClr val="lt1"/>
+          </a:fillRef>
+          <a:effectRef idx="0">
+            <a:schemeClr val="dk1"/>
+          </a:effectRef>
+          <a:fontRef idx="minor">
+            <a:schemeClr val="dk1"/>
+          </a:fontRef>
+        </p:style>
+        <p:txBody>
+          <a:bodyPr rtlCol="0" anchor="ctr"/>
+          <a:lstStyle/>
+          <a:p>
+            <a:pPr algn="ctr"/>
+            <a:r>
+              <a:rPr lang="en-US" sz="1600" dirty="0" smtClean="0"/>
+              <a:t>Tokens</a:t>
+            </a:r>
+            <a:endParaRPr lang="en-US" sz="1600" dirty="0"/>
+          </a:p>
+        </p:txBody>
+      </p:sp>
+      <p:sp>
+        <p:nvSpPr>
+          <p:cNvPr id="35" name="Abgerundetes Rechteck 34"/>
+          <p:cNvSpPr/>
+          <p:nvPr/>
+        </p:nvSpPr>
+        <p:spPr>
+          <a:xfrm>
+            <a:off x="6763579" y="1484784"/>
+            <a:ext cx="2344925" cy="923514"/>
+          </a:xfrm>
+          <a:prstGeom prst="roundRect">
+            <a:avLst/>
+          </a:prstGeom>
+        </p:spPr>
+        <p:style>
+          <a:lnRef idx="1">
+            <a:schemeClr val="dk1"/>
+          </a:lnRef>
+          <a:fillRef idx="2">
+            <a:schemeClr val="dk1"/>
+          </a:fillRef>
+          <a:effectRef idx="1">
+            <a:schemeClr val="dk1"/>
+          </a:effectRef>
+          <a:fontRef idx="minor">
+            <a:schemeClr val="dk1"/>
+          </a:fontRef>
+        </p:style>
+        <p:txBody>
+          <a:bodyPr rtlCol="0" anchor="ctr"/>
+          <a:lstStyle/>
+          <a:p>
+            <a:pPr algn="ctr"/>
+            <a:endParaRPr lang="en-US" sz="1600" dirty="0"/>
+          </a:p>
+        </p:txBody>
+      </p:sp>
+      <p:sp>
+        <p:nvSpPr>
+          <p:cNvPr id="37" name="Rechteck 36"/>
+          <p:cNvSpPr/>
+          <p:nvPr/>
+        </p:nvSpPr>
+        <p:spPr>
+          <a:xfrm>
+            <a:off x="6876256" y="1700808"/>
+            <a:ext cx="1008112" cy="504056"/>
+          </a:xfrm>
+          <a:prstGeom prst="rect">
+            <a:avLst/>
+          </a:prstGeom>
+        </p:spPr>
+        <p:style>
+          <a:lnRef idx="2">
+            <a:schemeClr val="dk1"/>
+          </a:lnRef>
+          <a:fillRef idx="1">
+            <a:schemeClr val="lt1"/>
+          </a:fillRef>
+          <a:effectRef idx="0">
+            <a:schemeClr val="dk1"/>
+          </a:effectRef>
+          <a:fontRef idx="minor">
+            <a:schemeClr val="dk1"/>
+          </a:fontRef>
+        </p:style>
+        <p:txBody>
+          <a:bodyPr rtlCol="0" anchor="ctr"/>
+          <a:lstStyle/>
+          <a:p>
+            <a:pPr algn="ctr"/>
+            <a:r>
+              <a:rPr lang="en-US" sz="1600" dirty="0" smtClean="0"/>
+              <a:t>Entities</a:t>
+            </a:r>
+            <a:endParaRPr lang="en-US" sz="1600" dirty="0"/>
+          </a:p>
+        </p:txBody>
+      </p:sp>
+      <p:sp>
+        <p:nvSpPr>
+          <p:cNvPr id="38" name="Rechteck 37"/>
+          <p:cNvSpPr/>
+          <p:nvPr/>
+        </p:nvSpPr>
+        <p:spPr>
+          <a:xfrm>
+            <a:off x="8028384" y="1700808"/>
+            <a:ext cx="1008112" cy="504056"/>
+          </a:xfrm>
+          <a:prstGeom prst="rect">
+            <a:avLst/>
+          </a:prstGeom>
+        </p:spPr>
+        <p:style>
+          <a:lnRef idx="2">
+            <a:schemeClr val="dk1"/>
+          </a:lnRef>
+          <a:fillRef idx="1">
+            <a:schemeClr val="lt1"/>
+          </a:fillRef>
+          <a:effectRef idx="0">
+            <a:schemeClr val="dk1"/>
+          </a:effectRef>
+          <a:fontRef idx="minor">
+            <a:schemeClr val="dk1"/>
+          </a:fontRef>
+        </p:style>
+        <p:txBody>
+          <a:bodyPr rtlCol="0" anchor="ctr"/>
+          <a:lstStyle/>
+          <a:p>
+            <a:pPr algn="ctr"/>
+            <a:r>
+              <a:rPr lang="en-US" sz="1600" dirty="0" smtClean="0"/>
+              <a:t>Relations</a:t>
+            </a:r>
+            <a:endParaRPr lang="en-US" sz="1600" dirty="0"/>
+          </a:p>
+        </p:txBody>
+      </p:sp>
+      <p:sp>
+        <p:nvSpPr>
+          <p:cNvPr id="39" name="Textfeld 38"/>
+          <p:cNvSpPr txBox="1"/>
+          <p:nvPr/>
+        </p:nvSpPr>
+        <p:spPr>
+          <a:xfrm>
+            <a:off x="7092280" y="2154342"/>
+            <a:ext cx="2088232" cy="338554"/>
+          </a:xfrm>
+          <a:prstGeom prst="rect">
+            <a:avLst/>
+          </a:prstGeom>
+          <a:noFill/>
+        </p:spPr>
+        <p:txBody>
+          <a:bodyPr wrap="square" rtlCol="0">
+            <a:spAutoFit/>
+          </a:bodyPr>
+          <a:lstStyle/>
+          <a:p>
+            <a:r>
+              <a:rPr lang="en-US" sz="1600" dirty="0" smtClean="0"/>
+              <a:t>Semantics of </a:t>
+            </a:r>
+            <a:r>
+              <a:rPr lang="en-US" sz="1600" dirty="0" smtClean="0"/>
+              <a:t>Text</a:t>
+            </a:r>
+            <a:endParaRPr lang="en-US" sz="1600" dirty="0"/>
+          </a:p>
+        </p:txBody>
+      </p:sp>
+      <p:sp>
+        <p:nvSpPr>
+          <p:cNvPr id="40" name="Textfeld 39"/>
+          <p:cNvSpPr txBox="1"/>
+          <p:nvPr/>
+        </p:nvSpPr>
+        <p:spPr>
+          <a:xfrm>
+            <a:off x="7416824" y="1412776"/>
+            <a:ext cx="1187624" cy="338554"/>
+          </a:xfrm>
+          <a:prstGeom prst="rect">
+            <a:avLst/>
+          </a:prstGeom>
+          <a:noFill/>
+        </p:spPr>
+        <p:txBody>
+          <a:bodyPr wrap="square" rtlCol="0">
+            <a:spAutoFit/>
+          </a:bodyPr>
+          <a:lstStyle/>
+          <a:p>
+            <a:r>
+              <a:rPr lang="en-US" sz="1600" b="1" dirty="0" smtClean="0"/>
+              <a:t>Output</a:t>
+            </a:r>
+            <a:endParaRPr lang="en-US" sz="1600" b="1" dirty="0"/>
+          </a:p>
+        </p:txBody>
+      </p:sp>
+    </p:spTree>
+    <p:extLst>
+      <p:ext uri="{BB962C8B-B14F-4D97-AF65-F5344CB8AC3E}">
+        <p14:creationId xmlns:p14="http://schemas.microsoft.com/office/powerpoint/2010/main" val="1318202362"/>
+      </p:ext>
+    </p:extLst>
+  </p:cSld>
+  <p:clrMapOvr>
+    <a:masterClrMapping/>
+  </p:clrMapOvr>
+</p:sld>
+</file>
+
+<file path=ppt/slides/slide4.xml><?xml version="1.0" encoding="utf-8"?>
+<p:sld xmlns:a="http://schemas.openxmlformats.org/drawingml/2006/main" xmlns:r="http://schemas.openxmlformats.org/officeDocument/2006/relationships" xmlns:p="http://schemas.openxmlformats.org/presentationml/2006/main">
+  <p:cSld>
+    <p:spTree>
+      <p:nvGrpSpPr>
+        <p:cNvPr id="1" name=""/>
+        <p:cNvGrpSpPr/>
+        <p:nvPr/>
+      </p:nvGrpSpPr>
+      <p:grpSpPr>
+        <a:xfrm>
+          <a:off x="0" y="0"/>
+          <a:ext cx="0" cy="0"/>
+          <a:chOff x="0" y="0"/>
+          <a:chExt cx="0" cy="0"/>
+        </a:xfrm>
+      </p:grpSpPr>
+      <p:sp>
+        <p:nvSpPr>
+          <p:cNvPr id="54" name="Rechteck 53"/>
+          <p:cNvSpPr/>
+          <p:nvPr/>
+        </p:nvSpPr>
+        <p:spPr>
+          <a:xfrm>
+            <a:off x="683568" y="584684"/>
+            <a:ext cx="3672408" cy="720080"/>
+          </a:xfrm>
+          <a:prstGeom prst="rect">
+            <a:avLst/>
+          </a:prstGeom>
+        </p:spPr>
+        <p:style>
+          <a:lnRef idx="2">
+            <a:schemeClr val="dk1"/>
+          </a:lnRef>
+          <a:fillRef idx="1">
+            <a:schemeClr val="lt1"/>
+          </a:fillRef>
+          <a:effectRef idx="0">
+            <a:schemeClr val="dk1"/>
+          </a:effectRef>
+          <a:fontRef idx="minor">
+            <a:schemeClr val="dk1"/>
+          </a:fontRef>
+        </p:style>
+        <p:txBody>
+          <a:bodyPr rtlCol="0" anchor="ctr"/>
+          <a:lstStyle/>
+          <a:p>
+            <a:pPr algn="ctr"/>
+            <a:endParaRPr lang="en-US" sz="1600" b="1" dirty="0" smtClean="0"/>
+          </a:p>
+        </p:txBody>
+      </p:sp>
+      <p:sp>
+        <p:nvSpPr>
+          <p:cNvPr id="60" name="Abgerundetes Rechteck 59"/>
+          <p:cNvSpPr/>
+          <p:nvPr/>
+        </p:nvSpPr>
+        <p:spPr>
+          <a:xfrm>
+            <a:off x="787250" y="765277"/>
+            <a:ext cx="1120453" cy="503483"/>
+          </a:xfrm>
+          <a:prstGeom prst="roundRect">
+            <a:avLst/>
+          </a:prstGeom>
+        </p:spPr>
+        <p:style>
+          <a:lnRef idx="1">
+            <a:schemeClr val="dk1"/>
+          </a:lnRef>
+          <a:fillRef idx="2">
+            <a:schemeClr val="dk1"/>
+          </a:fillRef>
+          <a:effectRef idx="1">
+            <a:schemeClr val="dk1"/>
+          </a:effectRef>
+          <a:fontRef idx="minor">
+            <a:schemeClr val="dk1"/>
+          </a:fontRef>
+        </p:style>
+        <p:txBody>
+          <a:bodyPr rtlCol="0" anchor="ctr"/>
+          <a:lstStyle/>
+          <a:p>
+            <a:pPr algn="ctr"/>
+            <a:r>
+              <a:rPr lang="en-US" sz="1600" dirty="0" smtClean="0"/>
+              <a:t>Semantic Data</a:t>
+            </a:r>
+            <a:endParaRPr lang="en-US" sz="1600" dirty="0"/>
+          </a:p>
+        </p:txBody>
+      </p:sp>
+      <p:sp>
+        <p:nvSpPr>
+          <p:cNvPr id="84" name="Abgerundetes Rechteck 83"/>
+          <p:cNvSpPr/>
+          <p:nvPr/>
+        </p:nvSpPr>
+        <p:spPr>
+          <a:xfrm>
+            <a:off x="593559" y="2538895"/>
+            <a:ext cx="3114345" cy="1034121"/>
+          </a:xfrm>
+          <a:prstGeom prst="roundRect">
+            <a:avLst/>
+          </a:prstGeom>
+        </p:spPr>
+        <p:style>
+          <a:lnRef idx="2">
+            <a:schemeClr val="dk1"/>
+          </a:lnRef>
+          <a:fillRef idx="1">
+            <a:schemeClr val="lt1"/>
+          </a:fillRef>
+          <a:effectRef idx="0">
+            <a:schemeClr val="dk1"/>
+          </a:effectRef>
+          <a:fontRef idx="minor">
+            <a:schemeClr val="dk1"/>
+          </a:fontRef>
+        </p:style>
+        <p:txBody>
+          <a:bodyPr rtlCol="0" anchor="ctr"/>
+          <a:lstStyle/>
+          <a:p>
+            <a:pPr algn="ctr"/>
+            <a:endParaRPr lang="en-US" sz="1600" dirty="0"/>
+          </a:p>
+        </p:txBody>
+      </p:sp>
+      <p:sp>
+        <p:nvSpPr>
+          <p:cNvPr id="12" name="Rechteck 11"/>
+          <p:cNvSpPr/>
+          <p:nvPr/>
+        </p:nvSpPr>
+        <p:spPr>
+          <a:xfrm>
+            <a:off x="3779912" y="3871210"/>
+            <a:ext cx="1296144" cy="565902"/>
+          </a:xfrm>
+          <a:prstGeom prst="rect">
+            <a:avLst/>
+          </a:prstGeom>
+        </p:spPr>
+        <p:style>
+          <a:lnRef idx="2">
+            <a:schemeClr val="dk1"/>
+          </a:lnRef>
+          <a:fillRef idx="1">
+            <a:schemeClr val="lt1"/>
+          </a:fillRef>
+          <a:effectRef idx="0">
+            <a:schemeClr val="dk1"/>
+          </a:effectRef>
+          <a:fontRef idx="minor">
+            <a:schemeClr val="dk1"/>
+          </a:fontRef>
+        </p:style>
+        <p:txBody>
+          <a:bodyPr rtlCol="0" anchor="ctr"/>
+          <a:lstStyle/>
+          <a:p>
+            <a:pPr algn="ctr"/>
+            <a:r>
+              <a:rPr lang="de-DE" sz="1600" b="1" dirty="0" smtClean="0"/>
+              <a:t>Input</a:t>
+            </a:r>
+            <a:endParaRPr lang="en-US" sz="1600" b="1" dirty="0" smtClean="0"/>
+          </a:p>
+          <a:p>
+            <a:pPr algn="ctr"/>
+            <a:r>
+              <a:rPr lang="en-US" sz="1600" dirty="0" smtClean="0"/>
+              <a:t>NL </a:t>
+            </a:r>
+            <a:r>
+              <a:rPr lang="en-US" sz="1600" dirty="0" smtClean="0"/>
+              <a:t>Queries</a:t>
+            </a:r>
+            <a:endParaRPr lang="en-US" sz="1600" dirty="0"/>
+          </a:p>
+        </p:txBody>
+      </p:sp>
+      <p:sp>
+        <p:nvSpPr>
+          <p:cNvPr id="82" name="Textfeld 81"/>
+          <p:cNvSpPr txBox="1"/>
+          <p:nvPr/>
+        </p:nvSpPr>
+        <p:spPr>
+          <a:xfrm>
+            <a:off x="1025607" y="2492896"/>
+            <a:ext cx="1187624" cy="338554"/>
+          </a:xfrm>
+          <a:prstGeom prst="rect">
+            <a:avLst/>
+          </a:prstGeom>
+          <a:noFill/>
+        </p:spPr>
+        <p:txBody>
+          <a:bodyPr wrap="square" rtlCol="0">
+            <a:spAutoFit/>
+          </a:bodyPr>
+          <a:lstStyle/>
+          <a:p>
+            <a:r>
+              <a:rPr lang="de-DE" sz="1600" dirty="0" smtClean="0"/>
+              <a:t>Syntax</a:t>
+            </a:r>
+            <a:endParaRPr lang="en-US" sz="1600" dirty="0"/>
+          </a:p>
+        </p:txBody>
+      </p:sp>
+      <p:sp>
+        <p:nvSpPr>
+          <p:cNvPr id="90" name="Rechteck 89"/>
+          <p:cNvSpPr/>
+          <p:nvPr/>
+        </p:nvSpPr>
+        <p:spPr>
+          <a:xfrm>
+            <a:off x="611560" y="3871210"/>
+            <a:ext cx="2879812" cy="576064"/>
+          </a:xfrm>
+          <a:prstGeom prst="rect">
+            <a:avLst/>
+          </a:prstGeom>
+          <a:ln w="6350">
+            <a:prstDash val="sysDot"/>
+          </a:ln>
+        </p:spPr>
+        <p:style>
+          <a:lnRef idx="2">
+            <a:schemeClr val="dk1"/>
+          </a:lnRef>
+          <a:fillRef idx="1">
+            <a:schemeClr val="lt1"/>
+          </a:fillRef>
+          <a:effectRef idx="0">
+            <a:schemeClr val="dk1"/>
+          </a:effectRef>
+          <a:fontRef idx="minor">
+            <a:schemeClr val="dk1"/>
+          </a:fontRef>
+        </p:style>
+        <p:txBody>
+          <a:bodyPr rtlCol="0" anchor="ctr"/>
+          <a:lstStyle/>
+          <a:p>
+            <a:pPr algn="ctr"/>
+            <a:endParaRPr lang="en-US" dirty="0"/>
+          </a:p>
+        </p:txBody>
+      </p:sp>
+      <p:sp>
+        <p:nvSpPr>
+          <p:cNvPr id="96" name="Abgerundetes Rechteck 95"/>
+          <p:cNvSpPr/>
+          <p:nvPr/>
+        </p:nvSpPr>
+        <p:spPr>
+          <a:xfrm>
+            <a:off x="1738626" y="2788363"/>
+            <a:ext cx="1050669" cy="728309"/>
+          </a:xfrm>
+          <a:prstGeom prst="roundRect">
+            <a:avLst/>
+          </a:prstGeom>
+        </p:spPr>
+        <p:style>
+          <a:lnRef idx="2">
+            <a:schemeClr val="dk1"/>
+          </a:lnRef>
+          <a:fillRef idx="1">
+            <a:schemeClr val="lt1"/>
+          </a:fillRef>
+          <a:effectRef idx="0">
+            <a:schemeClr val="dk1"/>
+          </a:effectRef>
+          <a:fontRef idx="minor">
+            <a:schemeClr val="dk1"/>
+          </a:fontRef>
+        </p:style>
+        <p:txBody>
+          <a:bodyPr rtlCol="0" anchor="ctr"/>
+          <a:lstStyle/>
+          <a:p>
+            <a:pPr algn="ctr"/>
+            <a:r>
+              <a:rPr lang="en-US" sz="1600" dirty="0" smtClean="0"/>
+              <a:t>POS Tags</a:t>
+            </a:r>
+            <a:endParaRPr lang="en-US" sz="1600" dirty="0"/>
+          </a:p>
+        </p:txBody>
+      </p:sp>
+      <p:cxnSp>
+        <p:nvCxnSpPr>
+          <p:cNvPr id="98" name="Gerade Verbindung mit Pfeil 97"/>
+          <p:cNvCxnSpPr/>
+          <p:nvPr/>
+        </p:nvCxnSpPr>
+        <p:spPr>
+          <a:xfrm flipH="1">
+            <a:off x="3563888" y="4185084"/>
+            <a:ext cx="216024" cy="0"/>
+          </a:xfrm>
+          <a:prstGeom prst="straightConnector1">
+            <a:avLst/>
+          </a:prstGeom>
+          <a:ln>
+            <a:tailEnd type="arrow"/>
+          </a:ln>
+        </p:spPr>
+        <p:style>
+          <a:lnRef idx="1">
+            <a:schemeClr val="dk1"/>
+          </a:lnRef>
+          <a:fillRef idx="0">
+            <a:schemeClr val="dk1"/>
+          </a:fillRef>
+          <a:effectRef idx="0">
+            <a:schemeClr val="dk1"/>
+          </a:effectRef>
+          <a:fontRef idx="minor">
+            <a:schemeClr val="tx1"/>
+          </a:fontRef>
+        </p:style>
+      </p:cxnSp>
+      <p:cxnSp>
+        <p:nvCxnSpPr>
+          <p:cNvPr id="99" name="Gerade Verbindung mit Pfeil 98"/>
+          <p:cNvCxnSpPr/>
+          <p:nvPr/>
+        </p:nvCxnSpPr>
+        <p:spPr>
+          <a:xfrm flipV="1">
+            <a:off x="1763688" y="3573016"/>
+            <a:ext cx="1" cy="288032"/>
+          </a:xfrm>
+          <a:prstGeom prst="straightConnector1">
+            <a:avLst/>
+          </a:prstGeom>
+          <a:ln>
+            <a:tailEnd type="arrow"/>
+          </a:ln>
+        </p:spPr>
+        <p:style>
+          <a:lnRef idx="1">
+            <a:schemeClr val="dk1"/>
+          </a:lnRef>
+          <a:fillRef idx="0">
+            <a:schemeClr val="dk1"/>
+          </a:fillRef>
+          <a:effectRef idx="0">
+            <a:schemeClr val="dk1"/>
+          </a:effectRef>
+          <a:fontRef idx="minor">
+            <a:schemeClr val="tx1"/>
+          </a:fontRef>
+        </p:style>
+      </p:cxnSp>
+      <p:sp>
+        <p:nvSpPr>
+          <p:cNvPr id="101" name="Rechteck 100"/>
+          <p:cNvSpPr/>
+          <p:nvPr/>
+        </p:nvSpPr>
+        <p:spPr>
+          <a:xfrm>
+            <a:off x="899593" y="1628800"/>
+            <a:ext cx="2735796" cy="576064"/>
+          </a:xfrm>
+          <a:prstGeom prst="rect">
+            <a:avLst/>
+          </a:prstGeom>
+          <a:ln w="6350">
+            <a:prstDash val="sysDot"/>
+          </a:ln>
+        </p:spPr>
+        <p:style>
+          <a:lnRef idx="2">
+            <a:schemeClr val="dk1"/>
+          </a:lnRef>
+          <a:fillRef idx="1">
+            <a:schemeClr val="lt1"/>
+          </a:fillRef>
+          <a:effectRef idx="0">
+            <a:schemeClr val="dk1"/>
+          </a:effectRef>
+          <a:fontRef idx="minor">
+            <a:schemeClr val="dk1"/>
+          </a:fontRef>
+        </p:style>
+        <p:txBody>
+          <a:bodyPr rtlCol="0" anchor="ctr"/>
+          <a:lstStyle/>
+          <a:p>
+            <a:pPr algn="ctr"/>
+            <a:endParaRPr lang="en-US" dirty="0"/>
+          </a:p>
+        </p:txBody>
+      </p:sp>
+      <p:cxnSp>
+        <p:nvCxnSpPr>
+          <p:cNvPr id="107" name="Gerade Verbindung mit Pfeil 106"/>
+          <p:cNvCxnSpPr/>
+          <p:nvPr/>
+        </p:nvCxnSpPr>
+        <p:spPr>
+          <a:xfrm>
+            <a:off x="1763688" y="1376772"/>
+            <a:ext cx="0" cy="252028"/>
+          </a:xfrm>
+          <a:prstGeom prst="straightConnector1">
+            <a:avLst/>
+          </a:prstGeom>
+          <a:ln>
+            <a:tailEnd type="arrow"/>
+          </a:ln>
+        </p:spPr>
+        <p:style>
+          <a:lnRef idx="1">
+            <a:schemeClr val="dk1"/>
+          </a:lnRef>
+          <a:fillRef idx="0">
+            <a:schemeClr val="dk1"/>
+          </a:fillRef>
+          <a:effectRef idx="0">
+            <a:schemeClr val="dk1"/>
+          </a:effectRef>
+          <a:fontRef idx="minor">
+            <a:schemeClr val="tx1"/>
+          </a:fontRef>
+        </p:style>
+      </p:cxnSp>
+      <p:cxnSp>
+        <p:nvCxnSpPr>
+          <p:cNvPr id="110" name="Gerade Verbindung mit Pfeil 109"/>
+          <p:cNvCxnSpPr/>
+          <p:nvPr/>
+        </p:nvCxnSpPr>
+        <p:spPr>
+          <a:xfrm>
+            <a:off x="3671900" y="2026803"/>
+            <a:ext cx="900100" cy="512092"/>
+          </a:xfrm>
+          <a:prstGeom prst="straightConnector1">
+            <a:avLst/>
+          </a:prstGeom>
+          <a:ln>
+            <a:tailEnd type="arrow"/>
+          </a:ln>
+        </p:spPr>
+        <p:style>
+          <a:lnRef idx="1">
+            <a:schemeClr val="dk1"/>
+          </a:lnRef>
+          <a:fillRef idx="0">
+            <a:schemeClr val="dk1"/>
+          </a:fillRef>
+          <a:effectRef idx="0">
+            <a:schemeClr val="dk1"/>
+          </a:effectRef>
+          <a:fontRef idx="minor">
+            <a:schemeClr val="tx1"/>
+          </a:fontRef>
+        </p:style>
+      </p:cxnSp>
+      <p:sp>
+        <p:nvSpPr>
+          <p:cNvPr id="27" name="Textfeld 26"/>
+          <p:cNvSpPr txBox="1"/>
+          <p:nvPr/>
+        </p:nvSpPr>
+        <p:spPr>
+          <a:xfrm>
+            <a:off x="2275678" y="3881953"/>
+            <a:ext cx="1432226" cy="584775"/>
+          </a:xfrm>
+          <a:prstGeom prst="rect">
+            <a:avLst/>
+          </a:prstGeom>
+          <a:noFill/>
+        </p:spPr>
+        <p:txBody>
+          <a:bodyPr wrap="square" rtlCol="0">
+            <a:spAutoFit/>
+          </a:bodyPr>
+          <a:lstStyle/>
+          <a:p>
+            <a:pPr algn="ctr"/>
+            <a:r>
+              <a:rPr lang="en-US" sz="1600" dirty="0" smtClean="0"/>
+              <a:t>Syntactic</a:t>
+            </a:r>
+          </a:p>
+          <a:p>
+            <a:pPr algn="ctr"/>
+            <a:r>
+              <a:rPr lang="en-US" sz="1600" dirty="0" smtClean="0"/>
+              <a:t>Parsing</a:t>
+            </a:r>
+            <a:endParaRPr lang="en-US" sz="1600" dirty="0"/>
+          </a:p>
+        </p:txBody>
+      </p:sp>
+      <p:sp>
+        <p:nvSpPr>
+          <p:cNvPr id="33" name="Abgerundetes Rechteck 32"/>
+          <p:cNvSpPr/>
+          <p:nvPr/>
+        </p:nvSpPr>
+        <p:spPr>
+          <a:xfrm>
+            <a:off x="2866956" y="2774524"/>
+            <a:ext cx="714427" cy="728309"/>
+          </a:xfrm>
+          <a:prstGeom prst="roundRect">
+            <a:avLst/>
+          </a:prstGeom>
+        </p:spPr>
+        <p:style>
+          <a:lnRef idx="2">
+            <a:schemeClr val="dk1"/>
+          </a:lnRef>
+          <a:fillRef idx="1">
+            <a:schemeClr val="lt1"/>
+          </a:fillRef>
+          <a:effectRef idx="0">
+            <a:schemeClr val="dk1"/>
+          </a:effectRef>
+          <a:fontRef idx="minor">
+            <a:schemeClr val="dk1"/>
+          </a:fontRef>
+        </p:style>
+        <p:txBody>
+          <a:bodyPr rtlCol="0" anchor="ctr"/>
+          <a:lstStyle/>
+          <a:p>
+            <a:pPr algn="ctr"/>
+            <a:r>
+              <a:rPr lang="en-US" sz="1600" dirty="0" smtClean="0"/>
+              <a:t>Parse </a:t>
+            </a:r>
+          </a:p>
+          <a:p>
+            <a:pPr algn="ctr"/>
+            <a:r>
+              <a:rPr lang="de-DE" sz="1600" dirty="0" err="1" smtClean="0"/>
+              <a:t>Trees</a:t>
+            </a:r>
+            <a:endParaRPr lang="en-US" sz="1600" dirty="0"/>
+          </a:p>
+        </p:txBody>
+      </p:sp>
+      <p:sp>
+        <p:nvSpPr>
+          <p:cNvPr id="50" name="Abgerundetes Rechteck 49"/>
+          <p:cNvSpPr/>
+          <p:nvPr/>
+        </p:nvSpPr>
+        <p:spPr>
+          <a:xfrm flipH="1">
+            <a:off x="629055" y="2780928"/>
+            <a:ext cx="1008112" cy="721905"/>
+          </a:xfrm>
+          <a:prstGeom prst="roundRect">
+            <a:avLst/>
+          </a:prstGeom>
+        </p:spPr>
+        <p:style>
+          <a:lnRef idx="2">
+            <a:schemeClr val="dk1"/>
+          </a:lnRef>
+          <a:fillRef idx="1">
+            <a:schemeClr val="lt1"/>
+          </a:fillRef>
+          <a:effectRef idx="0">
+            <a:schemeClr val="dk1"/>
+          </a:effectRef>
+          <a:fontRef idx="minor">
+            <a:schemeClr val="dk1"/>
+          </a:fontRef>
+        </p:style>
+        <p:txBody>
+          <a:bodyPr rtlCol="0" anchor="ctr"/>
+          <a:lstStyle/>
+          <a:p>
+            <a:pPr algn="ctr"/>
+            <a:r>
+              <a:rPr lang="de-DE" sz="1600" dirty="0" smtClean="0"/>
+              <a:t>Tokens</a:t>
+            </a:r>
+            <a:endParaRPr lang="en-US" sz="1600" dirty="0"/>
+          </a:p>
+        </p:txBody>
+      </p:sp>
+      <p:sp>
+        <p:nvSpPr>
+          <p:cNvPr id="36" name="Textfeld 35"/>
+          <p:cNvSpPr txBox="1"/>
+          <p:nvPr/>
+        </p:nvSpPr>
+        <p:spPr>
+          <a:xfrm>
+            <a:off x="827584" y="1633781"/>
+            <a:ext cx="1224136" cy="584775"/>
+          </a:xfrm>
+          <a:prstGeom prst="rect">
+            <a:avLst/>
+          </a:prstGeom>
+          <a:noFill/>
+        </p:spPr>
+        <p:txBody>
+          <a:bodyPr wrap="square" rtlCol="0">
+            <a:spAutoFit/>
+          </a:bodyPr>
+          <a:lstStyle/>
+          <a:p>
+            <a:pPr algn="ctr"/>
+            <a:r>
+              <a:rPr lang="en-US" sz="1600" dirty="0" smtClean="0"/>
+              <a:t>Lexicon</a:t>
+            </a:r>
+          </a:p>
+          <a:p>
+            <a:pPr algn="ctr"/>
+            <a:r>
+              <a:rPr lang="de-DE" sz="1600" dirty="0" smtClean="0"/>
+              <a:t>Engineering</a:t>
+            </a:r>
+            <a:endParaRPr lang="en-US" sz="1600" dirty="0"/>
+          </a:p>
+        </p:txBody>
+      </p:sp>
+      <p:sp>
+        <p:nvSpPr>
+          <p:cNvPr id="37" name="Textfeld 36"/>
+          <p:cNvSpPr txBox="1"/>
+          <p:nvPr/>
+        </p:nvSpPr>
+        <p:spPr>
+          <a:xfrm>
+            <a:off x="1763688" y="1628800"/>
+            <a:ext cx="1224136" cy="584775"/>
+          </a:xfrm>
+          <a:prstGeom prst="rect">
+            <a:avLst/>
+          </a:prstGeom>
+          <a:noFill/>
+        </p:spPr>
+        <p:txBody>
+          <a:bodyPr wrap="square" rtlCol="0">
+            <a:spAutoFit/>
+          </a:bodyPr>
+          <a:lstStyle/>
+          <a:p>
+            <a:pPr algn="ctr"/>
+            <a:r>
+              <a:rPr lang="en-US" sz="1600" dirty="0" smtClean="0"/>
+              <a:t>Lexicon</a:t>
+            </a:r>
+          </a:p>
+          <a:p>
+            <a:pPr algn="ctr"/>
+            <a:r>
+              <a:rPr lang="de-DE" sz="1600" dirty="0" smtClean="0"/>
+              <a:t>Learning</a:t>
+            </a:r>
+            <a:endParaRPr lang="en-US" sz="1600" dirty="0"/>
+          </a:p>
+        </p:txBody>
+      </p:sp>
+      <p:sp>
+        <p:nvSpPr>
+          <p:cNvPr id="38" name="Rechteck 37"/>
+          <p:cNvSpPr/>
+          <p:nvPr/>
+        </p:nvSpPr>
+        <p:spPr>
+          <a:xfrm>
+            <a:off x="5436096" y="3871209"/>
+            <a:ext cx="3179664" cy="576064"/>
+          </a:xfrm>
+          <a:prstGeom prst="rect">
+            <a:avLst/>
+          </a:prstGeom>
+          <a:ln w="6350">
+            <a:prstDash val="sysDot"/>
+          </a:ln>
+        </p:spPr>
+        <p:style>
+          <a:lnRef idx="2">
+            <a:schemeClr val="dk1"/>
+          </a:lnRef>
+          <a:fillRef idx="1">
+            <a:schemeClr val="lt1"/>
+          </a:fillRef>
+          <a:effectRef idx="0">
+            <a:schemeClr val="dk1"/>
+          </a:effectRef>
+          <a:fontRef idx="minor">
+            <a:schemeClr val="dk1"/>
+          </a:fontRef>
+        </p:style>
+        <p:txBody>
+          <a:bodyPr rtlCol="0" anchor="ctr"/>
+          <a:lstStyle/>
+          <a:p>
+            <a:pPr algn="ctr"/>
+            <a:endParaRPr lang="en-US" dirty="0"/>
+          </a:p>
+        </p:txBody>
+      </p:sp>
+      <p:sp>
+        <p:nvSpPr>
+          <p:cNvPr id="39" name="Textfeld 38"/>
+          <p:cNvSpPr txBox="1"/>
+          <p:nvPr/>
+        </p:nvSpPr>
+        <p:spPr>
+          <a:xfrm>
+            <a:off x="6383512" y="3861047"/>
+            <a:ext cx="1216202" cy="584775"/>
+          </a:xfrm>
+          <a:prstGeom prst="rect">
+            <a:avLst/>
+          </a:prstGeom>
+          <a:noFill/>
+        </p:spPr>
+        <p:txBody>
+          <a:bodyPr wrap="square" rtlCol="0">
+            <a:spAutoFit/>
+          </a:bodyPr>
+          <a:lstStyle/>
+          <a:p>
+            <a:pPr algn="ctr"/>
+            <a:r>
+              <a:rPr lang="en-US" sz="1600" dirty="0" smtClean="0"/>
+              <a:t>Entity</a:t>
+            </a:r>
+            <a:endParaRPr lang="en-US" sz="1600" dirty="0" smtClean="0"/>
+          </a:p>
+          <a:p>
+            <a:pPr algn="ctr"/>
+            <a:r>
+              <a:rPr lang="en-US" sz="1600" dirty="0" smtClean="0"/>
+              <a:t>Detection</a:t>
+            </a:r>
+            <a:endParaRPr lang="en-US" sz="1600" dirty="0"/>
+          </a:p>
+        </p:txBody>
+      </p:sp>
+      <p:cxnSp>
+        <p:nvCxnSpPr>
+          <p:cNvPr id="40" name="Gerade Verbindung mit Pfeil 39"/>
+          <p:cNvCxnSpPr/>
+          <p:nvPr/>
+        </p:nvCxnSpPr>
+        <p:spPr>
+          <a:xfrm flipV="1">
+            <a:off x="7245514" y="3573015"/>
+            <a:ext cx="1" cy="288032"/>
+          </a:xfrm>
+          <a:prstGeom prst="straightConnector1">
+            <a:avLst/>
+          </a:prstGeom>
+          <a:ln>
+            <a:tailEnd type="arrow"/>
+          </a:ln>
+        </p:spPr>
+        <p:style>
+          <a:lnRef idx="1">
+            <a:schemeClr val="dk1"/>
+          </a:lnRef>
+          <a:fillRef idx="0">
+            <a:schemeClr val="dk1"/>
+          </a:fillRef>
+          <a:effectRef idx="0">
+            <a:schemeClr val="dk1"/>
+          </a:effectRef>
+          <a:fontRef idx="minor">
+            <a:schemeClr val="tx1"/>
+          </a:fontRef>
+        </p:style>
+      </p:cxnSp>
+      <p:sp>
+        <p:nvSpPr>
+          <p:cNvPr id="42" name="Textfeld 41"/>
+          <p:cNvSpPr txBox="1"/>
+          <p:nvPr/>
+        </p:nvSpPr>
+        <p:spPr>
+          <a:xfrm>
+            <a:off x="5220072" y="3861047"/>
+            <a:ext cx="1728192" cy="584775"/>
+          </a:xfrm>
+          <a:prstGeom prst="rect">
+            <a:avLst/>
+          </a:prstGeom>
+          <a:noFill/>
+        </p:spPr>
+        <p:txBody>
+          <a:bodyPr wrap="square" rtlCol="0">
+            <a:spAutoFit/>
+          </a:bodyPr>
+          <a:lstStyle/>
+          <a:p>
+            <a:pPr algn="ctr"/>
+            <a:r>
+              <a:rPr lang="en-US" sz="1600" dirty="0" smtClean="0"/>
+              <a:t>Concept</a:t>
+            </a:r>
+            <a:endParaRPr lang="en-US" sz="1600" dirty="0" smtClean="0"/>
+          </a:p>
+          <a:p>
+            <a:pPr algn="ctr"/>
+            <a:r>
+              <a:rPr lang="de-DE" sz="1600" dirty="0" err="1" smtClean="0"/>
+              <a:t>Detection</a:t>
+            </a:r>
+            <a:endParaRPr lang="en-US" sz="1600" dirty="0"/>
+          </a:p>
+        </p:txBody>
+      </p:sp>
+      <p:sp>
+        <p:nvSpPr>
+          <p:cNvPr id="34" name="Textfeld 33"/>
+          <p:cNvSpPr txBox="1"/>
+          <p:nvPr/>
+        </p:nvSpPr>
+        <p:spPr>
+          <a:xfrm>
+            <a:off x="323528" y="4005064"/>
+            <a:ext cx="1728192" cy="338554"/>
+          </a:xfrm>
+          <a:prstGeom prst="rect">
+            <a:avLst/>
+          </a:prstGeom>
+          <a:noFill/>
+        </p:spPr>
+        <p:txBody>
+          <a:bodyPr wrap="square" rtlCol="0">
+            <a:spAutoFit/>
+          </a:bodyPr>
+          <a:lstStyle/>
+          <a:p>
+            <a:pPr algn="ctr"/>
+            <a:r>
+              <a:rPr lang="en-US" sz="1600" dirty="0" smtClean="0"/>
+              <a:t>Tokenization</a:t>
+            </a:r>
+            <a:endParaRPr lang="en-US" sz="1600" dirty="0"/>
+          </a:p>
+        </p:txBody>
+      </p:sp>
+      <p:sp>
+        <p:nvSpPr>
+          <p:cNvPr id="44" name="Textfeld 43"/>
+          <p:cNvSpPr txBox="1"/>
+          <p:nvPr/>
+        </p:nvSpPr>
+        <p:spPr>
+          <a:xfrm>
+            <a:off x="1483590" y="3861048"/>
+            <a:ext cx="1432226" cy="584775"/>
+          </a:xfrm>
+          <a:prstGeom prst="rect">
+            <a:avLst/>
+          </a:prstGeom>
+          <a:noFill/>
+        </p:spPr>
+        <p:txBody>
+          <a:bodyPr wrap="square" rtlCol="0">
+            <a:spAutoFit/>
+          </a:bodyPr>
+          <a:lstStyle/>
+          <a:p>
+            <a:pPr algn="ctr"/>
+            <a:r>
+              <a:rPr lang="en-US" sz="1600" dirty="0" smtClean="0"/>
+              <a:t>POS</a:t>
+            </a:r>
+          </a:p>
+          <a:p>
+            <a:pPr algn="ctr"/>
+            <a:r>
+              <a:rPr lang="en-US" sz="1600" dirty="0" smtClean="0"/>
+              <a:t>Tagging</a:t>
+            </a:r>
+            <a:endParaRPr lang="en-US" sz="1600" dirty="0"/>
+          </a:p>
+        </p:txBody>
+      </p:sp>
+      <p:sp>
+        <p:nvSpPr>
+          <p:cNvPr id="45" name="Textfeld 44"/>
+          <p:cNvSpPr txBox="1"/>
+          <p:nvPr/>
+        </p:nvSpPr>
+        <p:spPr>
+          <a:xfrm>
+            <a:off x="7399558" y="3861048"/>
+            <a:ext cx="1216202" cy="584775"/>
+          </a:xfrm>
+          <a:prstGeom prst="rect">
+            <a:avLst/>
+          </a:prstGeom>
+          <a:noFill/>
+        </p:spPr>
+        <p:txBody>
+          <a:bodyPr wrap="square" rtlCol="0">
+            <a:spAutoFit/>
+          </a:bodyPr>
+          <a:lstStyle/>
+          <a:p>
+            <a:pPr algn="ctr"/>
+            <a:r>
+              <a:rPr lang="en-US" sz="1600" dirty="0" smtClean="0"/>
+              <a:t>Relation</a:t>
+            </a:r>
+            <a:endParaRPr lang="en-US" sz="1600" dirty="0" smtClean="0"/>
+          </a:p>
+          <a:p>
+            <a:pPr algn="ctr"/>
+            <a:r>
+              <a:rPr lang="en-US" sz="1600" dirty="0" smtClean="0"/>
+              <a:t>Detection</a:t>
+            </a:r>
+            <a:endParaRPr lang="en-US" sz="1600" dirty="0"/>
+          </a:p>
+        </p:txBody>
+      </p:sp>
+      <p:sp>
+        <p:nvSpPr>
+          <p:cNvPr id="46" name="Abgerundetes Rechteck 45"/>
+          <p:cNvSpPr/>
+          <p:nvPr/>
+        </p:nvSpPr>
+        <p:spPr>
+          <a:xfrm>
+            <a:off x="4572000" y="2544565"/>
+            <a:ext cx="3672407" cy="1028451"/>
+          </a:xfrm>
+          <a:prstGeom prst="roundRect">
+            <a:avLst/>
+          </a:prstGeom>
+        </p:spPr>
+        <p:style>
+          <a:lnRef idx="1">
+            <a:schemeClr val="dk1"/>
+          </a:lnRef>
+          <a:fillRef idx="2">
+            <a:schemeClr val="dk1"/>
+          </a:fillRef>
+          <a:effectRef idx="1">
+            <a:schemeClr val="dk1"/>
+          </a:effectRef>
+          <a:fontRef idx="minor">
+            <a:schemeClr val="dk1"/>
+          </a:fontRef>
+        </p:style>
+        <p:txBody>
+          <a:bodyPr rtlCol="0" anchor="ctr"/>
+          <a:lstStyle/>
+          <a:p>
+            <a:pPr algn="ctr"/>
+            <a:endParaRPr lang="en-US" sz="1600" dirty="0"/>
+          </a:p>
+        </p:txBody>
+      </p:sp>
+      <p:sp>
+        <p:nvSpPr>
+          <p:cNvPr id="47" name="Abgerundetes Rechteck 46"/>
+          <p:cNvSpPr/>
+          <p:nvPr/>
+        </p:nvSpPr>
+        <p:spPr>
+          <a:xfrm>
+            <a:off x="4788024" y="2794255"/>
+            <a:ext cx="1080120" cy="721905"/>
+          </a:xfrm>
+          <a:prstGeom prst="roundRect">
+            <a:avLst/>
+          </a:prstGeom>
+        </p:spPr>
+        <p:style>
+          <a:lnRef idx="2">
+            <a:schemeClr val="dk1"/>
+          </a:lnRef>
+          <a:fillRef idx="1">
+            <a:schemeClr val="lt1"/>
+          </a:fillRef>
+          <a:effectRef idx="0">
+            <a:schemeClr val="dk1"/>
+          </a:effectRef>
+          <a:fontRef idx="minor">
+            <a:schemeClr val="dk1"/>
+          </a:fontRef>
+        </p:style>
+        <p:txBody>
+          <a:bodyPr rtlCol="0" anchor="ctr"/>
+          <a:lstStyle/>
+          <a:p>
+            <a:pPr algn="ctr"/>
+            <a:r>
+              <a:rPr lang="en-US" sz="1600" dirty="0" smtClean="0"/>
+              <a:t>Concepts</a:t>
+            </a:r>
+            <a:endParaRPr lang="en-US" sz="1600" dirty="0"/>
+          </a:p>
+        </p:txBody>
+      </p:sp>
+      <p:sp>
+        <p:nvSpPr>
+          <p:cNvPr id="48" name="Textfeld 47"/>
+          <p:cNvSpPr txBox="1"/>
+          <p:nvPr/>
+        </p:nvSpPr>
+        <p:spPr>
+          <a:xfrm>
+            <a:off x="4788024" y="2492896"/>
+            <a:ext cx="2231485" cy="338554"/>
+          </a:xfrm>
+          <a:prstGeom prst="rect">
+            <a:avLst/>
+          </a:prstGeom>
+          <a:noFill/>
+        </p:spPr>
+        <p:txBody>
+          <a:bodyPr wrap="square" rtlCol="0">
+            <a:spAutoFit/>
+          </a:bodyPr>
+          <a:lstStyle/>
+          <a:p>
+            <a:r>
+              <a:rPr lang="en-US" sz="1600" dirty="0" smtClean="0"/>
+              <a:t>Semantics of NL Queries</a:t>
+            </a:r>
+            <a:endParaRPr lang="en-US" sz="1600" dirty="0"/>
+          </a:p>
+        </p:txBody>
+      </p:sp>
+      <p:sp>
+        <p:nvSpPr>
+          <p:cNvPr id="51" name="Abgerundetes Rechteck 50"/>
+          <p:cNvSpPr/>
+          <p:nvPr/>
+        </p:nvSpPr>
+        <p:spPr>
+          <a:xfrm>
+            <a:off x="5987884" y="2788363"/>
+            <a:ext cx="966234" cy="721905"/>
+          </a:xfrm>
+          <a:prstGeom prst="roundRect">
+            <a:avLst/>
+          </a:prstGeom>
+        </p:spPr>
+        <p:style>
+          <a:lnRef idx="2">
+            <a:schemeClr val="dk1"/>
+          </a:lnRef>
+          <a:fillRef idx="1">
+            <a:schemeClr val="lt1"/>
+          </a:fillRef>
+          <a:effectRef idx="0">
+            <a:schemeClr val="dk1"/>
+          </a:effectRef>
+          <a:fontRef idx="minor">
+            <a:schemeClr val="dk1"/>
+          </a:fontRef>
+        </p:style>
+        <p:txBody>
+          <a:bodyPr rtlCol="0" anchor="ctr"/>
+          <a:lstStyle/>
+          <a:p>
+            <a:pPr algn="ctr"/>
+            <a:r>
+              <a:rPr lang="de-DE" sz="1600" dirty="0" err="1" smtClean="0"/>
+              <a:t>Entities</a:t>
+            </a:r>
+            <a:endParaRPr lang="en-US" sz="1600" dirty="0"/>
+          </a:p>
+        </p:txBody>
+      </p:sp>
+      <p:sp>
+        <p:nvSpPr>
+          <p:cNvPr id="52" name="Abgerundetes Rechteck 51"/>
+          <p:cNvSpPr/>
+          <p:nvPr/>
+        </p:nvSpPr>
+        <p:spPr>
+          <a:xfrm>
+            <a:off x="7020272" y="2780928"/>
+            <a:ext cx="1083486" cy="721905"/>
+          </a:xfrm>
+          <a:prstGeom prst="roundRect">
+            <a:avLst/>
+          </a:prstGeom>
+        </p:spPr>
+        <p:style>
+          <a:lnRef idx="2">
+            <a:schemeClr val="dk1"/>
+          </a:lnRef>
+          <a:fillRef idx="1">
+            <a:schemeClr val="lt1"/>
+          </a:fillRef>
+          <a:effectRef idx="0">
+            <a:schemeClr val="dk1"/>
+          </a:effectRef>
+          <a:fontRef idx="minor">
+            <a:schemeClr val="dk1"/>
+          </a:fontRef>
+        </p:style>
+        <p:txBody>
+          <a:bodyPr rtlCol="0" anchor="ctr"/>
+          <a:lstStyle/>
+          <a:p>
+            <a:pPr algn="ctr"/>
+            <a:r>
+              <a:rPr lang="de-DE" sz="1600" dirty="0" smtClean="0"/>
+              <a:t>Relations</a:t>
+            </a:r>
+            <a:endParaRPr lang="en-US" sz="1600" dirty="0"/>
+          </a:p>
+        </p:txBody>
+      </p:sp>
+      <p:cxnSp>
+        <p:nvCxnSpPr>
+          <p:cNvPr id="55" name="Gerade Verbindung mit Pfeil 54"/>
+          <p:cNvCxnSpPr/>
+          <p:nvPr/>
+        </p:nvCxnSpPr>
+        <p:spPr>
+          <a:xfrm>
+            <a:off x="5148064" y="4221088"/>
+            <a:ext cx="216024" cy="0"/>
+          </a:xfrm>
+          <a:prstGeom prst="straightConnector1">
+            <a:avLst/>
+          </a:prstGeom>
+          <a:ln>
+            <a:tailEnd type="arrow"/>
+          </a:ln>
+        </p:spPr>
+        <p:style>
+          <a:lnRef idx="1">
+            <a:schemeClr val="dk1"/>
+          </a:lnRef>
+          <a:fillRef idx="0">
+            <a:schemeClr val="dk1"/>
+          </a:fillRef>
+          <a:effectRef idx="0">
+            <a:schemeClr val="dk1"/>
+          </a:effectRef>
+          <a:fontRef idx="minor">
+            <a:schemeClr val="tx1"/>
+          </a:fontRef>
+        </p:style>
+      </p:cxnSp>
+      <p:cxnSp>
+        <p:nvCxnSpPr>
+          <p:cNvPr id="57" name="Gerade Verbindung mit Pfeil 56"/>
+          <p:cNvCxnSpPr/>
+          <p:nvPr/>
+        </p:nvCxnSpPr>
+        <p:spPr>
+          <a:xfrm flipV="1">
+            <a:off x="2582488" y="2218556"/>
+            <a:ext cx="1" cy="288032"/>
+          </a:xfrm>
+          <a:prstGeom prst="straightConnector1">
+            <a:avLst/>
+          </a:prstGeom>
+          <a:ln>
+            <a:tailEnd type="arrow"/>
+          </a:ln>
+        </p:spPr>
+        <p:style>
+          <a:lnRef idx="1">
+            <a:schemeClr val="dk1"/>
+          </a:lnRef>
+          <a:fillRef idx="0">
+            <a:schemeClr val="dk1"/>
+          </a:fillRef>
+          <a:effectRef idx="0">
+            <a:schemeClr val="dk1"/>
+          </a:effectRef>
+          <a:fontRef idx="minor">
+            <a:schemeClr val="tx1"/>
+          </a:fontRef>
+        </p:style>
+      </p:cxnSp>
+      <p:cxnSp>
+        <p:nvCxnSpPr>
+          <p:cNvPr id="59" name="Gerade Verbindung mit Pfeil 58"/>
+          <p:cNvCxnSpPr/>
+          <p:nvPr/>
+        </p:nvCxnSpPr>
+        <p:spPr>
+          <a:xfrm flipV="1">
+            <a:off x="3707904" y="1340768"/>
+            <a:ext cx="936104" cy="432048"/>
+          </a:xfrm>
+          <a:prstGeom prst="straightConnector1">
+            <a:avLst/>
+          </a:prstGeom>
+          <a:ln>
+            <a:tailEnd type="arrow"/>
+          </a:ln>
+        </p:spPr>
+        <p:style>
+          <a:lnRef idx="1">
+            <a:schemeClr val="dk1"/>
+          </a:lnRef>
+          <a:fillRef idx="0">
+            <a:schemeClr val="dk1"/>
+          </a:fillRef>
+          <a:effectRef idx="0">
+            <a:schemeClr val="dk1"/>
+          </a:effectRef>
+          <a:fontRef idx="minor">
+            <a:schemeClr val="tx1"/>
+          </a:fontRef>
+        </p:style>
+      </p:cxnSp>
+      <p:sp>
+        <p:nvSpPr>
+          <p:cNvPr id="62" name="Textfeld 61"/>
+          <p:cNvSpPr txBox="1"/>
+          <p:nvPr/>
+        </p:nvSpPr>
+        <p:spPr>
+          <a:xfrm>
+            <a:off x="2123728" y="498158"/>
+            <a:ext cx="1187624" cy="338554"/>
+          </a:xfrm>
+          <a:prstGeom prst="rect">
+            <a:avLst/>
+          </a:prstGeom>
+          <a:noFill/>
+        </p:spPr>
+        <p:txBody>
+          <a:bodyPr wrap="square" rtlCol="0">
+            <a:spAutoFit/>
+          </a:bodyPr>
+          <a:lstStyle/>
+          <a:p>
+            <a:r>
+              <a:rPr lang="en-US" sz="1600" b="1" dirty="0" smtClean="0"/>
+              <a:t>Input</a:t>
+            </a:r>
+            <a:endParaRPr lang="en-US" sz="1600" b="1" dirty="0"/>
+          </a:p>
+        </p:txBody>
+      </p:sp>
+      <p:sp>
+        <p:nvSpPr>
+          <p:cNvPr id="64" name="Abgerundetes Rechteck 63"/>
+          <p:cNvSpPr/>
+          <p:nvPr/>
+        </p:nvSpPr>
+        <p:spPr>
+          <a:xfrm>
+            <a:off x="4716016" y="980728"/>
+            <a:ext cx="3312368" cy="1008112"/>
+          </a:xfrm>
+          <a:prstGeom prst="roundRect">
+            <a:avLst/>
+          </a:prstGeom>
+        </p:spPr>
+        <p:style>
+          <a:lnRef idx="1">
+            <a:schemeClr val="dk1"/>
+          </a:lnRef>
+          <a:fillRef idx="2">
+            <a:schemeClr val="dk1"/>
+          </a:fillRef>
+          <a:effectRef idx="1">
+            <a:schemeClr val="dk1"/>
+          </a:effectRef>
+          <a:fontRef idx="minor">
+            <a:schemeClr val="dk1"/>
+          </a:fontRef>
+        </p:style>
+        <p:txBody>
+          <a:bodyPr rtlCol="0" anchor="ctr"/>
+          <a:lstStyle/>
+          <a:p>
+            <a:pPr algn="ctr"/>
+            <a:endParaRPr lang="en-US" sz="1600" dirty="0"/>
+          </a:p>
+        </p:txBody>
+      </p:sp>
+      <p:sp>
+        <p:nvSpPr>
+          <p:cNvPr id="69" name="Textfeld 68"/>
+          <p:cNvSpPr txBox="1"/>
+          <p:nvPr/>
+        </p:nvSpPr>
+        <p:spPr>
+          <a:xfrm>
+            <a:off x="5940152" y="980728"/>
+            <a:ext cx="1187624" cy="338554"/>
+          </a:xfrm>
+          <a:prstGeom prst="rect">
+            <a:avLst/>
+          </a:prstGeom>
+          <a:noFill/>
+        </p:spPr>
+        <p:txBody>
+          <a:bodyPr wrap="square" rtlCol="0">
+            <a:spAutoFit/>
+          </a:bodyPr>
+          <a:lstStyle/>
+          <a:p>
+            <a:r>
+              <a:rPr lang="en-US" sz="1600" b="1" dirty="0" smtClean="0"/>
+              <a:t>Output</a:t>
+            </a:r>
+            <a:endParaRPr lang="en-US" sz="1600" b="1" dirty="0"/>
+          </a:p>
+        </p:txBody>
+      </p:sp>
+      <p:sp>
+        <p:nvSpPr>
+          <p:cNvPr id="70" name="Abgerundetes Rechteck 69"/>
+          <p:cNvSpPr/>
+          <p:nvPr/>
+        </p:nvSpPr>
+        <p:spPr>
+          <a:xfrm>
+            <a:off x="1959037" y="765276"/>
+            <a:ext cx="1244811" cy="503483"/>
+          </a:xfrm>
+          <a:prstGeom prst="roundRect">
+            <a:avLst/>
+          </a:prstGeom>
+        </p:spPr>
+        <p:style>
+          <a:lnRef idx="1">
+            <a:schemeClr val="dk1"/>
+          </a:lnRef>
+          <a:fillRef idx="2">
+            <a:schemeClr val="dk1"/>
+          </a:fillRef>
+          <a:effectRef idx="1">
+            <a:schemeClr val="dk1"/>
+          </a:effectRef>
+          <a:fontRef idx="minor">
+            <a:schemeClr val="dk1"/>
+          </a:fontRef>
+        </p:style>
+        <p:txBody>
+          <a:bodyPr rtlCol="0" anchor="ctr"/>
+          <a:lstStyle/>
+          <a:p>
+            <a:pPr algn="ctr"/>
+            <a:r>
+              <a:rPr lang="en-US" sz="1600" dirty="0" smtClean="0"/>
+              <a:t>Knowledge</a:t>
+            </a:r>
+            <a:r>
+              <a:rPr lang="en-US" sz="1600" dirty="0"/>
+              <a:t> </a:t>
+            </a:r>
+            <a:r>
+              <a:rPr lang="en-US" sz="1600" dirty="0" smtClean="0"/>
+              <a:t>Model</a:t>
+            </a:r>
+          </a:p>
+        </p:txBody>
+      </p:sp>
+      <p:cxnSp>
+        <p:nvCxnSpPr>
+          <p:cNvPr id="71" name="Gerade Verbindung mit Pfeil 70"/>
+          <p:cNvCxnSpPr/>
+          <p:nvPr/>
+        </p:nvCxnSpPr>
+        <p:spPr>
+          <a:xfrm>
+            <a:off x="2627784" y="1340768"/>
+            <a:ext cx="0" cy="252028"/>
+          </a:xfrm>
+          <a:prstGeom prst="straightConnector1">
+            <a:avLst/>
+          </a:prstGeom>
+          <a:ln>
+            <a:tailEnd type="arrow"/>
+          </a:ln>
+        </p:spPr>
+        <p:style>
+          <a:lnRef idx="1">
+            <a:schemeClr val="dk1"/>
+          </a:lnRef>
+          <a:fillRef idx="0">
+            <a:schemeClr val="dk1"/>
+          </a:fillRef>
+          <a:effectRef idx="0">
+            <a:schemeClr val="dk1"/>
+          </a:effectRef>
+          <a:fontRef idx="minor">
+            <a:schemeClr val="tx1"/>
+          </a:fontRef>
+        </p:style>
+      </p:cxnSp>
+      <p:sp>
+        <p:nvSpPr>
+          <p:cNvPr id="113" name="Rechteck 112"/>
+          <p:cNvSpPr/>
+          <p:nvPr/>
+        </p:nvSpPr>
+        <p:spPr>
+          <a:xfrm>
+            <a:off x="4860032" y="1268760"/>
+            <a:ext cx="3024336" cy="648073"/>
+          </a:xfrm>
+          <a:prstGeom prst="rect">
+            <a:avLst/>
+          </a:prstGeom>
+        </p:spPr>
+        <p:style>
+          <a:lnRef idx="2">
+            <a:schemeClr val="dk1"/>
+          </a:lnRef>
+          <a:fillRef idx="1">
+            <a:schemeClr val="lt1"/>
+          </a:fillRef>
+          <a:effectRef idx="0">
+            <a:schemeClr val="dk1"/>
+          </a:effectRef>
+          <a:fontRef idx="minor">
+            <a:schemeClr val="dk1"/>
+          </a:fontRef>
+        </p:style>
+        <p:txBody>
+          <a:bodyPr rtlCol="0" anchor="ctr"/>
+          <a:lstStyle/>
+          <a:p>
+            <a:pPr algn="ctr"/>
+            <a:r>
+              <a:rPr lang="en-US" sz="1600" dirty="0" smtClean="0"/>
+              <a:t>NL Query Interpretations / Structured Queries</a:t>
+            </a:r>
+            <a:endParaRPr lang="en-US" sz="1600" dirty="0"/>
+          </a:p>
+        </p:txBody>
+      </p:sp>
+      <p:sp>
+        <p:nvSpPr>
+          <p:cNvPr id="114" name="Textfeld 113"/>
+          <p:cNvSpPr txBox="1"/>
+          <p:nvPr/>
+        </p:nvSpPr>
+        <p:spPr>
+          <a:xfrm>
+            <a:off x="2652060" y="1628800"/>
+            <a:ext cx="1055844" cy="584775"/>
+          </a:xfrm>
+          <a:prstGeom prst="rect">
+            <a:avLst/>
+          </a:prstGeom>
+          <a:noFill/>
+        </p:spPr>
+        <p:txBody>
+          <a:bodyPr wrap="square" rtlCol="0">
+            <a:spAutoFit/>
+          </a:bodyPr>
+          <a:lstStyle/>
+          <a:p>
+            <a:pPr algn="ctr"/>
+            <a:r>
+              <a:rPr lang="en-US" sz="1600" dirty="0" smtClean="0"/>
+              <a:t>Lexicon</a:t>
+            </a:r>
+          </a:p>
+          <a:p>
+            <a:pPr algn="ctr"/>
+            <a:r>
+              <a:rPr lang="de-DE" sz="1600" dirty="0" smtClean="0"/>
+              <a:t>Lookup</a:t>
+            </a:r>
+            <a:endParaRPr lang="en-US" sz="1600" dirty="0"/>
+          </a:p>
+        </p:txBody>
+      </p:sp>
+      <p:sp>
+        <p:nvSpPr>
+          <p:cNvPr id="116" name="Abgerundetes Rechteck 115"/>
+          <p:cNvSpPr/>
+          <p:nvPr/>
+        </p:nvSpPr>
+        <p:spPr>
+          <a:xfrm>
+            <a:off x="3278223" y="765275"/>
+            <a:ext cx="1005744" cy="503483"/>
+          </a:xfrm>
+          <a:prstGeom prst="roundRect">
+            <a:avLst/>
+          </a:prstGeom>
+        </p:spPr>
+        <p:style>
+          <a:lnRef idx="1">
+            <a:schemeClr val="dk1"/>
+          </a:lnRef>
+          <a:fillRef idx="2">
+            <a:schemeClr val="dk1"/>
+          </a:fillRef>
+          <a:effectRef idx="1">
+            <a:schemeClr val="dk1"/>
+          </a:effectRef>
+          <a:fontRef idx="minor">
+            <a:schemeClr val="dk1"/>
+          </a:fontRef>
+        </p:style>
+        <p:txBody>
+          <a:bodyPr rtlCol="0" anchor="ctr"/>
+          <a:lstStyle/>
+          <a:p>
+            <a:pPr algn="ctr"/>
+            <a:r>
+              <a:rPr lang="en-US" sz="1600" dirty="0" smtClean="0"/>
+              <a:t>Lexicon</a:t>
+            </a:r>
+          </a:p>
+        </p:txBody>
+      </p:sp>
+      <p:cxnSp>
+        <p:nvCxnSpPr>
+          <p:cNvPr id="117" name="Gerade Verbindung mit Pfeil 116"/>
+          <p:cNvCxnSpPr/>
+          <p:nvPr/>
+        </p:nvCxnSpPr>
+        <p:spPr>
+          <a:xfrm>
+            <a:off x="8460432" y="800126"/>
+            <a:ext cx="0" cy="3060921"/>
+          </a:xfrm>
+          <a:prstGeom prst="straightConnector1">
+            <a:avLst/>
+          </a:prstGeom>
+          <a:ln>
+            <a:tailEnd type="arrow"/>
+          </a:ln>
+        </p:spPr>
+        <p:style>
+          <a:lnRef idx="1">
+            <a:schemeClr val="dk1"/>
+          </a:lnRef>
+          <a:fillRef idx="0">
+            <a:schemeClr val="dk1"/>
+          </a:fillRef>
+          <a:effectRef idx="0">
+            <a:schemeClr val="dk1"/>
+          </a:effectRef>
+          <a:fontRef idx="minor">
+            <a:schemeClr val="tx1"/>
+          </a:fontRef>
+        </p:style>
+      </p:cxnSp>
+      <p:cxnSp>
+        <p:nvCxnSpPr>
+          <p:cNvPr id="118" name="Gerade Verbindung mit Pfeil 117"/>
+          <p:cNvCxnSpPr/>
+          <p:nvPr/>
+        </p:nvCxnSpPr>
+        <p:spPr>
+          <a:xfrm>
+            <a:off x="4355977" y="800126"/>
+            <a:ext cx="4104455" cy="0"/>
+          </a:xfrm>
+          <a:prstGeom prst="straightConnector1">
+            <a:avLst/>
+          </a:prstGeom>
+          <a:ln>
+            <a:headEnd type="none" w="med" len="med"/>
+            <a:tailEnd type="none" w="med" len="med"/>
+          </a:ln>
+        </p:spPr>
+        <p:style>
+          <a:lnRef idx="1">
+            <a:schemeClr val="dk1"/>
+          </a:lnRef>
+          <a:fillRef idx="0">
+            <a:schemeClr val="dk1"/>
+          </a:fillRef>
+          <a:effectRef idx="0">
+            <a:schemeClr val="dk1"/>
+          </a:effectRef>
+          <a:fontRef idx="minor">
+            <a:schemeClr val="tx1"/>
+          </a:fontRef>
+        </p:style>
+      </p:cxnSp>
+      <p:cxnSp>
+        <p:nvCxnSpPr>
+          <p:cNvPr id="119" name="Gerade Verbindung mit Pfeil 118"/>
+          <p:cNvCxnSpPr/>
+          <p:nvPr/>
+        </p:nvCxnSpPr>
+        <p:spPr>
+          <a:xfrm flipV="1">
+            <a:off x="1763688" y="2204864"/>
+            <a:ext cx="1" cy="288032"/>
+          </a:xfrm>
+          <a:prstGeom prst="straightConnector1">
+            <a:avLst/>
+          </a:prstGeom>
+          <a:ln>
+            <a:tailEnd type="arrow"/>
+          </a:ln>
+        </p:spPr>
+        <p:style>
+          <a:lnRef idx="1">
+            <a:schemeClr val="dk1"/>
+          </a:lnRef>
+          <a:fillRef idx="0">
+            <a:schemeClr val="dk1"/>
+          </a:fillRef>
+          <a:effectRef idx="0">
+            <a:schemeClr val="dk1"/>
+          </a:effectRef>
+          <a:fontRef idx="minor">
+            <a:schemeClr val="tx1"/>
+          </a:fontRef>
+        </p:style>
+      </p:cxnSp>
+      <p:cxnSp>
+        <p:nvCxnSpPr>
+          <p:cNvPr id="120" name="Gerade Verbindung mit Pfeil 119"/>
+          <p:cNvCxnSpPr/>
+          <p:nvPr/>
+        </p:nvCxnSpPr>
+        <p:spPr>
+          <a:xfrm flipV="1">
+            <a:off x="2627783" y="3573016"/>
+            <a:ext cx="1" cy="288032"/>
+          </a:xfrm>
+          <a:prstGeom prst="straightConnector1">
+            <a:avLst/>
+          </a:prstGeom>
+          <a:ln>
+            <a:tailEnd type="arrow"/>
+          </a:ln>
+        </p:spPr>
+        <p:style>
+          <a:lnRef idx="1">
+            <a:schemeClr val="dk1"/>
+          </a:lnRef>
+          <a:fillRef idx="0">
+            <a:schemeClr val="dk1"/>
+          </a:fillRef>
+          <a:effectRef idx="0">
+            <a:schemeClr val="dk1"/>
+          </a:effectRef>
+          <a:fontRef idx="minor">
+            <a:schemeClr val="tx1"/>
+          </a:fontRef>
+        </p:style>
+      </p:cxnSp>
+    </p:spTree>
+    <p:extLst>
+      <p:ext uri="{BB962C8B-B14F-4D97-AF65-F5344CB8AC3E}">
+        <p14:creationId xmlns:p14="http://schemas.microsoft.com/office/powerpoint/2010/main" val="3209128488"/>
+      </p:ext>
+    </p:extLst>
+  </p:cSld>
+  <p:clrMapOvr>
+    <a:masterClrMapping/>
+  </p:clrMapOvr>
+</p:sld>
+</file>
+
+<file path=ppt/slides/slide5.xml><?xml version="1.0" encoding="utf-8"?>
+<p:sld xmlns:a="http://schemas.openxmlformats.org/drawingml/2006/main" xmlns:r="http://schemas.openxmlformats.org/officeDocument/2006/relationships" xmlns:p="http://schemas.openxmlformats.org/presentationml/2006/main">
+  <p:cSld>
+    <p:spTree>
+      <p:nvGrpSpPr>
+        <p:cNvPr id="1" name=""/>
+        <p:cNvGrpSpPr/>
+        <p:nvPr/>
+      </p:nvGrpSpPr>
+      <p:grpSpPr>
+        <a:xfrm>
+          <a:off x="0" y="0"/>
+          <a:ext cx="0" cy="0"/>
+          <a:chOff x="0" y="0"/>
+          <a:chExt cx="0" cy="0"/>
+        </a:xfrm>
+      </p:grpSpPr>
+      <p:sp>
+        <p:nvSpPr>
+          <p:cNvPr id="74" name="Rechteck 73"/>
+          <p:cNvSpPr/>
+          <p:nvPr/>
+        </p:nvSpPr>
+        <p:spPr>
+          <a:xfrm>
+            <a:off x="755576" y="4005064"/>
+            <a:ext cx="1296144" cy="565903"/>
+          </a:xfrm>
+          <a:prstGeom prst="rect">
+            <a:avLst/>
+          </a:prstGeom>
+        </p:spPr>
+        <p:style>
+          <a:lnRef idx="2">
+            <a:schemeClr val="dk1"/>
+          </a:lnRef>
+          <a:fillRef idx="1">
+            <a:schemeClr val="lt1"/>
+          </a:fillRef>
+          <a:effectRef idx="0">
+            <a:schemeClr val="dk1"/>
+          </a:effectRef>
+          <a:fontRef idx="minor">
+            <a:schemeClr val="dk1"/>
+          </a:fontRef>
+        </p:style>
+        <p:txBody>
+          <a:bodyPr rtlCol="0" anchor="ctr"/>
+          <a:lstStyle/>
+          <a:p>
+            <a:pPr algn="ctr"/>
+            <a:r>
+              <a:rPr lang="de-DE" sz="1600" b="1" dirty="0" smtClean="0"/>
+              <a:t>Input</a:t>
+            </a:r>
+            <a:endParaRPr lang="en-US" sz="1600" b="1" dirty="0" smtClean="0"/>
+          </a:p>
+          <a:p>
+            <a:pPr algn="ctr"/>
+            <a:r>
+              <a:rPr lang="en-US" sz="1600" dirty="0" smtClean="0"/>
+              <a:t>Keywords</a:t>
+            </a:r>
+            <a:endParaRPr lang="en-US" sz="1600" dirty="0"/>
+          </a:p>
+        </p:txBody>
+      </p:sp>
+      <p:sp>
+        <p:nvSpPr>
+          <p:cNvPr id="75" name="Rechteck 74"/>
+          <p:cNvSpPr/>
+          <p:nvPr/>
+        </p:nvSpPr>
+        <p:spPr>
+          <a:xfrm>
+            <a:off x="1036512" y="1751330"/>
+            <a:ext cx="1728193" cy="576064"/>
+          </a:xfrm>
+          <a:prstGeom prst="rect">
+            <a:avLst/>
+          </a:prstGeom>
+          <a:ln w="6350">
+            <a:prstDash val="sysDot"/>
+          </a:ln>
+        </p:spPr>
+        <p:style>
+          <a:lnRef idx="2">
+            <a:schemeClr val="dk1"/>
+          </a:lnRef>
+          <a:fillRef idx="1">
+            <a:schemeClr val="lt1"/>
+          </a:fillRef>
+          <a:effectRef idx="0">
+            <a:schemeClr val="dk1"/>
+          </a:effectRef>
+          <a:fontRef idx="minor">
+            <a:schemeClr val="dk1"/>
+          </a:fontRef>
+        </p:style>
+        <p:txBody>
+          <a:bodyPr rtlCol="0" anchor="ctr"/>
+          <a:lstStyle/>
+          <a:p>
+            <a:pPr algn="ctr"/>
+            <a:endParaRPr lang="en-US" dirty="0"/>
+          </a:p>
+        </p:txBody>
+      </p:sp>
+      <p:cxnSp>
+        <p:nvCxnSpPr>
+          <p:cNvPr id="76" name="Gerade Verbindung mit Pfeil 75"/>
+          <p:cNvCxnSpPr/>
+          <p:nvPr/>
+        </p:nvCxnSpPr>
+        <p:spPr>
+          <a:xfrm flipV="1">
+            <a:off x="2116124" y="2327394"/>
+            <a:ext cx="1" cy="288032"/>
+          </a:xfrm>
+          <a:prstGeom prst="straightConnector1">
+            <a:avLst/>
+          </a:prstGeom>
+          <a:ln>
+            <a:tailEnd type="arrow"/>
+          </a:ln>
+        </p:spPr>
+        <p:style>
+          <a:lnRef idx="1">
+            <a:schemeClr val="dk1"/>
+          </a:lnRef>
+          <a:fillRef idx="0">
+            <a:schemeClr val="dk1"/>
+          </a:fillRef>
+          <a:effectRef idx="0">
+            <a:schemeClr val="dk1"/>
+          </a:effectRef>
+          <a:fontRef idx="minor">
+            <a:schemeClr val="tx1"/>
+          </a:fontRef>
+        </p:style>
+      </p:cxnSp>
+      <p:sp>
+        <p:nvSpPr>
+          <p:cNvPr id="77" name="Textfeld 76"/>
+          <p:cNvSpPr txBox="1"/>
+          <p:nvPr/>
+        </p:nvSpPr>
+        <p:spPr>
+          <a:xfrm>
+            <a:off x="827584" y="1751330"/>
+            <a:ext cx="1288540" cy="584775"/>
+          </a:xfrm>
+          <a:prstGeom prst="rect">
+            <a:avLst/>
+          </a:prstGeom>
+          <a:noFill/>
+        </p:spPr>
+        <p:txBody>
+          <a:bodyPr wrap="square" rtlCol="0">
+            <a:spAutoFit/>
+          </a:bodyPr>
+          <a:lstStyle/>
+          <a:p>
+            <a:pPr algn="ctr"/>
+            <a:r>
+              <a:rPr lang="de-DE" sz="1600" dirty="0" smtClean="0"/>
+              <a:t>Graph</a:t>
+            </a:r>
+          </a:p>
+          <a:p>
+            <a:pPr algn="ctr"/>
+            <a:r>
+              <a:rPr lang="de-DE" sz="1600" dirty="0" err="1" smtClean="0"/>
+              <a:t>Traversal</a:t>
+            </a:r>
+            <a:endParaRPr lang="en-US" sz="1600" dirty="0"/>
+          </a:p>
+        </p:txBody>
+      </p:sp>
+      <p:sp>
+        <p:nvSpPr>
+          <p:cNvPr id="78" name="Rechteck 77"/>
+          <p:cNvSpPr/>
+          <p:nvPr/>
+        </p:nvSpPr>
+        <p:spPr>
+          <a:xfrm>
+            <a:off x="2400448" y="4005064"/>
+            <a:ext cx="3035648" cy="576064"/>
+          </a:xfrm>
+          <a:prstGeom prst="rect">
+            <a:avLst/>
+          </a:prstGeom>
+          <a:ln w="6350">
+            <a:prstDash val="sysDot"/>
+          </a:ln>
+        </p:spPr>
+        <p:style>
+          <a:lnRef idx="2">
+            <a:schemeClr val="dk1"/>
+          </a:lnRef>
+          <a:fillRef idx="1">
+            <a:schemeClr val="lt1"/>
+          </a:fillRef>
+          <a:effectRef idx="0">
+            <a:schemeClr val="dk1"/>
+          </a:effectRef>
+          <a:fontRef idx="minor">
+            <a:schemeClr val="dk1"/>
+          </a:fontRef>
+        </p:style>
+        <p:txBody>
+          <a:bodyPr rtlCol="0" anchor="ctr"/>
+          <a:lstStyle/>
+          <a:p>
+            <a:pPr algn="ctr"/>
+            <a:endParaRPr lang="en-US" dirty="0"/>
+          </a:p>
+        </p:txBody>
+      </p:sp>
+      <p:sp>
+        <p:nvSpPr>
+          <p:cNvPr id="79" name="Textfeld 78"/>
+          <p:cNvSpPr txBox="1"/>
+          <p:nvPr/>
+        </p:nvSpPr>
+        <p:spPr>
+          <a:xfrm>
+            <a:off x="4206948" y="3994902"/>
+            <a:ext cx="1229148" cy="584775"/>
+          </a:xfrm>
+          <a:prstGeom prst="rect">
+            <a:avLst/>
+          </a:prstGeom>
+          <a:noFill/>
+        </p:spPr>
+        <p:txBody>
+          <a:bodyPr wrap="square" rtlCol="0">
+            <a:spAutoFit/>
+          </a:bodyPr>
+          <a:lstStyle/>
+          <a:p>
+            <a:pPr algn="ctr"/>
+            <a:r>
+              <a:rPr lang="en-US" sz="1600" dirty="0" smtClean="0"/>
+              <a:t>Concept</a:t>
+            </a:r>
+            <a:endParaRPr lang="en-US" sz="1600" dirty="0" smtClean="0"/>
+          </a:p>
+          <a:p>
+            <a:pPr algn="ctr"/>
+            <a:r>
+              <a:rPr lang="en-US" sz="1600" dirty="0" smtClean="0"/>
+              <a:t>Detection</a:t>
+            </a:r>
+            <a:endParaRPr lang="en-US" sz="1600" dirty="0"/>
+          </a:p>
+        </p:txBody>
+      </p:sp>
+      <p:cxnSp>
+        <p:nvCxnSpPr>
+          <p:cNvPr id="80" name="Gerade Verbindung mit Pfeil 79"/>
+          <p:cNvCxnSpPr/>
+          <p:nvPr/>
+        </p:nvCxnSpPr>
+        <p:spPr>
+          <a:xfrm flipV="1">
+            <a:off x="3486867" y="3693690"/>
+            <a:ext cx="1" cy="288032"/>
+          </a:xfrm>
+          <a:prstGeom prst="straightConnector1">
+            <a:avLst/>
+          </a:prstGeom>
+          <a:ln>
+            <a:tailEnd type="arrow"/>
+          </a:ln>
+        </p:spPr>
+        <p:style>
+          <a:lnRef idx="1">
+            <a:schemeClr val="dk1"/>
+          </a:lnRef>
+          <a:fillRef idx="0">
+            <a:schemeClr val="dk1"/>
+          </a:fillRef>
+          <a:effectRef idx="0">
+            <a:schemeClr val="dk1"/>
+          </a:effectRef>
+          <a:fontRef idx="minor">
+            <a:schemeClr val="tx1"/>
+          </a:fontRef>
+        </p:style>
+      </p:cxnSp>
+      <p:sp>
+        <p:nvSpPr>
+          <p:cNvPr id="81" name="Textfeld 80"/>
+          <p:cNvSpPr txBox="1"/>
+          <p:nvPr/>
+        </p:nvSpPr>
+        <p:spPr>
+          <a:xfrm>
+            <a:off x="2056732" y="3994902"/>
+            <a:ext cx="1728192" cy="584775"/>
+          </a:xfrm>
+          <a:prstGeom prst="rect">
+            <a:avLst/>
+          </a:prstGeom>
+          <a:noFill/>
+        </p:spPr>
+        <p:txBody>
+          <a:bodyPr wrap="square" rtlCol="0">
+            <a:spAutoFit/>
+          </a:bodyPr>
+          <a:lstStyle/>
+          <a:p>
+            <a:pPr algn="ctr"/>
+            <a:r>
+              <a:rPr lang="en-US" sz="1600" dirty="0" smtClean="0"/>
+              <a:t>Entity</a:t>
+            </a:r>
+            <a:endParaRPr lang="en-US" sz="1600" dirty="0" smtClean="0"/>
+          </a:p>
+          <a:p>
+            <a:pPr algn="ctr"/>
+            <a:r>
+              <a:rPr lang="de-DE" sz="1600" dirty="0" err="1" smtClean="0"/>
+              <a:t>Detection</a:t>
+            </a:r>
+            <a:endParaRPr lang="en-US" sz="1600" dirty="0"/>
+          </a:p>
+        </p:txBody>
+      </p:sp>
+      <p:sp>
+        <p:nvSpPr>
+          <p:cNvPr id="83" name="Abgerundetes Rechteck 82"/>
+          <p:cNvSpPr/>
+          <p:nvPr/>
+        </p:nvSpPr>
+        <p:spPr>
+          <a:xfrm>
+            <a:off x="1036512" y="2667095"/>
+            <a:ext cx="4111552" cy="1026595"/>
+          </a:xfrm>
+          <a:prstGeom prst="roundRect">
+            <a:avLst/>
+          </a:prstGeom>
+        </p:spPr>
+        <p:style>
+          <a:lnRef idx="1">
+            <a:schemeClr val="dk1"/>
+          </a:lnRef>
+          <a:fillRef idx="2">
+            <a:schemeClr val="dk1"/>
+          </a:fillRef>
+          <a:effectRef idx="1">
+            <a:schemeClr val="dk1"/>
+          </a:effectRef>
+          <a:fontRef idx="minor">
+            <a:schemeClr val="dk1"/>
+          </a:fontRef>
+        </p:style>
+        <p:txBody>
+          <a:bodyPr rtlCol="0" anchor="ctr"/>
+          <a:lstStyle/>
+          <a:p>
+            <a:pPr algn="ctr"/>
+            <a:endParaRPr lang="en-US" sz="1600" dirty="0"/>
+          </a:p>
+        </p:txBody>
+      </p:sp>
+      <p:sp>
+        <p:nvSpPr>
+          <p:cNvPr id="85" name="Abgerundetes Rechteck 84"/>
+          <p:cNvSpPr/>
+          <p:nvPr/>
+        </p:nvSpPr>
+        <p:spPr>
+          <a:xfrm>
+            <a:off x="1188133" y="2916786"/>
+            <a:ext cx="1151619" cy="730062"/>
+          </a:xfrm>
+          <a:prstGeom prst="roundRect">
+            <a:avLst/>
+          </a:prstGeom>
+        </p:spPr>
+        <p:style>
+          <a:lnRef idx="2">
+            <a:schemeClr val="dk1"/>
+          </a:lnRef>
+          <a:fillRef idx="1">
+            <a:schemeClr val="lt1"/>
+          </a:fillRef>
+          <a:effectRef idx="0">
+            <a:schemeClr val="dk1"/>
+          </a:effectRef>
+          <a:fontRef idx="minor">
+            <a:schemeClr val="dk1"/>
+          </a:fontRef>
+        </p:style>
+        <p:txBody>
+          <a:bodyPr rtlCol="0" anchor="ctr"/>
+          <a:lstStyle/>
+          <a:p>
+            <a:pPr algn="ctr"/>
+            <a:r>
+              <a:rPr lang="en-US" sz="1600" dirty="0" smtClean="0"/>
+              <a:t>Entities</a:t>
+            </a:r>
+            <a:endParaRPr lang="en-US" sz="1600" dirty="0"/>
+          </a:p>
+        </p:txBody>
+      </p:sp>
+      <p:sp>
+        <p:nvSpPr>
+          <p:cNvPr id="86" name="Textfeld 85"/>
+          <p:cNvSpPr txBox="1"/>
+          <p:nvPr/>
+        </p:nvSpPr>
+        <p:spPr>
+          <a:xfrm>
+            <a:off x="1259632" y="2615426"/>
+            <a:ext cx="2236752" cy="338554"/>
+          </a:xfrm>
+          <a:prstGeom prst="rect">
+            <a:avLst/>
+          </a:prstGeom>
+          <a:noFill/>
+        </p:spPr>
+        <p:txBody>
+          <a:bodyPr wrap="square" rtlCol="0">
+            <a:spAutoFit/>
+          </a:bodyPr>
+          <a:lstStyle/>
+          <a:p>
+            <a:r>
+              <a:rPr lang="en-US" sz="1600" dirty="0" smtClean="0"/>
+              <a:t>Semantics of Keywords</a:t>
+            </a:r>
+            <a:endParaRPr lang="en-US" sz="1600" dirty="0"/>
+          </a:p>
+        </p:txBody>
+      </p:sp>
+      <p:sp>
+        <p:nvSpPr>
+          <p:cNvPr id="87" name="Abgerundetes Rechteck 86"/>
+          <p:cNvSpPr/>
+          <p:nvPr/>
+        </p:nvSpPr>
+        <p:spPr>
+          <a:xfrm>
+            <a:off x="2411760" y="2910893"/>
+            <a:ext cx="1234938" cy="735955"/>
+          </a:xfrm>
+          <a:prstGeom prst="roundRect">
+            <a:avLst/>
+          </a:prstGeom>
+        </p:spPr>
+        <p:style>
+          <a:lnRef idx="2">
+            <a:schemeClr val="dk1"/>
+          </a:lnRef>
+          <a:fillRef idx="1">
+            <a:schemeClr val="lt1"/>
+          </a:fillRef>
+          <a:effectRef idx="0">
+            <a:schemeClr val="dk1"/>
+          </a:effectRef>
+          <a:fontRef idx="minor">
+            <a:schemeClr val="dk1"/>
+          </a:fontRef>
+        </p:style>
+        <p:txBody>
+          <a:bodyPr rtlCol="0" anchor="ctr"/>
+          <a:lstStyle/>
+          <a:p>
+            <a:pPr algn="ctr"/>
+            <a:r>
+              <a:rPr lang="de-DE" sz="1600" dirty="0" smtClean="0"/>
+              <a:t>Relations</a:t>
+            </a:r>
+            <a:endParaRPr lang="en-US" sz="1600" dirty="0"/>
+          </a:p>
+        </p:txBody>
+      </p:sp>
+      <p:cxnSp>
+        <p:nvCxnSpPr>
+          <p:cNvPr id="88" name="Gerade Verbindung mit Pfeil 87"/>
+          <p:cNvCxnSpPr/>
+          <p:nvPr/>
+        </p:nvCxnSpPr>
+        <p:spPr>
+          <a:xfrm>
+            <a:off x="2123728" y="4354943"/>
+            <a:ext cx="216024" cy="0"/>
+          </a:xfrm>
+          <a:prstGeom prst="straightConnector1">
+            <a:avLst/>
+          </a:prstGeom>
+          <a:ln>
+            <a:tailEnd type="arrow"/>
+          </a:ln>
+        </p:spPr>
+        <p:style>
+          <a:lnRef idx="1">
+            <a:schemeClr val="dk1"/>
+          </a:lnRef>
+          <a:fillRef idx="0">
+            <a:schemeClr val="dk1"/>
+          </a:fillRef>
+          <a:effectRef idx="0">
+            <a:schemeClr val="dk1"/>
+          </a:effectRef>
+          <a:fontRef idx="minor">
+            <a:schemeClr val="tx1"/>
+          </a:fontRef>
+        </p:style>
+      </p:cxnSp>
+      <p:sp>
+        <p:nvSpPr>
+          <p:cNvPr id="89" name="Textfeld 88"/>
+          <p:cNvSpPr txBox="1"/>
+          <p:nvPr/>
+        </p:nvSpPr>
+        <p:spPr>
+          <a:xfrm>
+            <a:off x="1691680" y="1751330"/>
+            <a:ext cx="1224136" cy="584775"/>
+          </a:xfrm>
+          <a:prstGeom prst="rect">
+            <a:avLst/>
+          </a:prstGeom>
+          <a:noFill/>
+        </p:spPr>
+        <p:txBody>
+          <a:bodyPr wrap="square" rtlCol="0">
+            <a:spAutoFit/>
+          </a:bodyPr>
+          <a:lstStyle/>
+          <a:p>
+            <a:pPr algn="ctr"/>
+            <a:r>
+              <a:rPr lang="de-DE" sz="1600" dirty="0" smtClean="0"/>
+              <a:t>Query Ranking</a:t>
+            </a:r>
+            <a:endParaRPr lang="en-US" sz="1600" dirty="0"/>
+          </a:p>
+        </p:txBody>
+      </p:sp>
+      <p:cxnSp>
+        <p:nvCxnSpPr>
+          <p:cNvPr id="91" name="Gerade Verbindung mit Pfeil 90"/>
+          <p:cNvCxnSpPr/>
+          <p:nvPr/>
+        </p:nvCxnSpPr>
+        <p:spPr>
+          <a:xfrm>
+            <a:off x="2766788" y="2043717"/>
+            <a:ext cx="213432" cy="0"/>
+          </a:xfrm>
+          <a:prstGeom prst="straightConnector1">
+            <a:avLst/>
+          </a:prstGeom>
+          <a:ln>
+            <a:tailEnd type="arrow"/>
+          </a:ln>
+        </p:spPr>
+        <p:style>
+          <a:lnRef idx="1">
+            <a:schemeClr val="dk1"/>
+          </a:lnRef>
+          <a:fillRef idx="0">
+            <a:schemeClr val="dk1"/>
+          </a:fillRef>
+          <a:effectRef idx="0">
+            <a:schemeClr val="dk1"/>
+          </a:effectRef>
+          <a:fontRef idx="minor">
+            <a:schemeClr val="tx1"/>
+          </a:fontRef>
+        </p:style>
+      </p:cxnSp>
+      <p:sp>
+        <p:nvSpPr>
+          <p:cNvPr id="92" name="Abgerundetes Rechteck 91"/>
+          <p:cNvSpPr/>
+          <p:nvPr/>
+        </p:nvSpPr>
+        <p:spPr>
+          <a:xfrm>
+            <a:off x="2980220" y="1556792"/>
+            <a:ext cx="1962113" cy="968624"/>
+          </a:xfrm>
+          <a:prstGeom prst="roundRect">
+            <a:avLst/>
+          </a:prstGeom>
+        </p:spPr>
+        <p:style>
+          <a:lnRef idx="1">
+            <a:schemeClr val="dk1"/>
+          </a:lnRef>
+          <a:fillRef idx="2">
+            <a:schemeClr val="dk1"/>
+          </a:fillRef>
+          <a:effectRef idx="1">
+            <a:schemeClr val="dk1"/>
+          </a:effectRef>
+          <a:fontRef idx="minor">
+            <a:schemeClr val="dk1"/>
+          </a:fontRef>
+        </p:style>
+        <p:txBody>
+          <a:bodyPr rtlCol="0" anchor="ctr"/>
+          <a:lstStyle/>
+          <a:p>
+            <a:pPr algn="ctr"/>
+            <a:endParaRPr lang="en-US" sz="1600" dirty="0"/>
+          </a:p>
+        </p:txBody>
+      </p:sp>
+      <p:sp>
+        <p:nvSpPr>
+          <p:cNvPr id="93" name="Rechteck 92"/>
+          <p:cNvSpPr/>
+          <p:nvPr/>
+        </p:nvSpPr>
+        <p:spPr>
+          <a:xfrm>
+            <a:off x="3059833" y="1823337"/>
+            <a:ext cx="1800200" cy="648073"/>
+          </a:xfrm>
+          <a:prstGeom prst="rect">
+            <a:avLst/>
+          </a:prstGeom>
+        </p:spPr>
+        <p:style>
+          <a:lnRef idx="2">
+            <a:schemeClr val="dk1"/>
+          </a:lnRef>
+          <a:fillRef idx="1">
+            <a:schemeClr val="lt1"/>
+          </a:fillRef>
+          <a:effectRef idx="0">
+            <a:schemeClr val="dk1"/>
+          </a:effectRef>
+          <a:fontRef idx="minor">
+            <a:schemeClr val="dk1"/>
+          </a:fontRef>
+        </p:style>
+        <p:txBody>
+          <a:bodyPr rtlCol="0" anchor="ctr"/>
+          <a:lstStyle/>
+          <a:p>
+            <a:pPr algn="ctr"/>
+            <a:r>
+              <a:rPr lang="en-US" sz="1600" dirty="0" smtClean="0"/>
+              <a:t>Keyword Query Interpretations / Structured Queries</a:t>
+            </a:r>
+            <a:endParaRPr lang="en-US" sz="1600" dirty="0"/>
+          </a:p>
+        </p:txBody>
+      </p:sp>
+      <p:sp>
+        <p:nvSpPr>
+          <p:cNvPr id="100" name="Textfeld 99"/>
+          <p:cNvSpPr txBox="1"/>
+          <p:nvPr/>
+        </p:nvSpPr>
+        <p:spPr>
+          <a:xfrm>
+            <a:off x="3312368" y="1535306"/>
+            <a:ext cx="1187624" cy="338554"/>
+          </a:xfrm>
+          <a:prstGeom prst="rect">
+            <a:avLst/>
+          </a:prstGeom>
+          <a:noFill/>
+        </p:spPr>
+        <p:txBody>
+          <a:bodyPr wrap="square" rtlCol="0">
+            <a:spAutoFit/>
+          </a:bodyPr>
+          <a:lstStyle/>
+          <a:p>
+            <a:r>
+              <a:rPr lang="en-US" sz="1600" b="1" dirty="0" smtClean="0"/>
+              <a:t>Output</a:t>
+            </a:r>
+            <a:endParaRPr lang="en-US" sz="1600" b="1" dirty="0"/>
+          </a:p>
+        </p:txBody>
+      </p:sp>
+      <p:sp>
+        <p:nvSpPr>
+          <p:cNvPr id="103" name="Rechteck 102"/>
+          <p:cNvSpPr/>
+          <p:nvPr/>
+        </p:nvSpPr>
+        <p:spPr>
+          <a:xfrm>
+            <a:off x="1187624" y="707214"/>
+            <a:ext cx="2952329" cy="741566"/>
+          </a:xfrm>
+          <a:prstGeom prst="rect">
+            <a:avLst/>
+          </a:prstGeom>
+        </p:spPr>
+        <p:style>
+          <a:lnRef idx="2">
+            <a:schemeClr val="dk1"/>
+          </a:lnRef>
+          <a:fillRef idx="1">
+            <a:schemeClr val="lt1"/>
+          </a:fillRef>
+          <a:effectRef idx="0">
+            <a:schemeClr val="dk1"/>
+          </a:effectRef>
+          <a:fontRef idx="minor">
+            <a:schemeClr val="dk1"/>
+          </a:fontRef>
+        </p:style>
+        <p:txBody>
+          <a:bodyPr rtlCol="0" anchor="ctr"/>
+          <a:lstStyle/>
+          <a:p>
+            <a:pPr algn="ctr"/>
+            <a:endParaRPr lang="en-US" sz="1600" b="1" dirty="0" smtClean="0"/>
+          </a:p>
+        </p:txBody>
+      </p:sp>
+      <p:sp>
+        <p:nvSpPr>
+          <p:cNvPr id="104" name="Abgerundetes Rechteck 103"/>
+          <p:cNvSpPr/>
+          <p:nvPr/>
+        </p:nvSpPr>
+        <p:spPr>
+          <a:xfrm>
+            <a:off x="1283075" y="887807"/>
+            <a:ext cx="1164944" cy="503483"/>
+          </a:xfrm>
+          <a:prstGeom prst="roundRect">
+            <a:avLst/>
+          </a:prstGeom>
+        </p:spPr>
+        <p:style>
+          <a:lnRef idx="1">
+            <a:schemeClr val="dk1"/>
+          </a:lnRef>
+          <a:fillRef idx="2">
+            <a:schemeClr val="dk1"/>
+          </a:fillRef>
+          <a:effectRef idx="1">
+            <a:schemeClr val="dk1"/>
+          </a:effectRef>
+          <a:fontRef idx="minor">
+            <a:schemeClr val="dk1"/>
+          </a:fontRef>
+        </p:style>
+        <p:txBody>
+          <a:bodyPr rtlCol="0" anchor="ctr"/>
+          <a:lstStyle/>
+          <a:p>
+            <a:pPr algn="ctr"/>
+            <a:r>
+              <a:rPr lang="en-US" sz="1600" dirty="0" smtClean="0"/>
+              <a:t>Semantic Data</a:t>
+            </a:r>
+            <a:endParaRPr lang="en-US" sz="1600" dirty="0"/>
+          </a:p>
+        </p:txBody>
+      </p:sp>
+      <p:cxnSp>
+        <p:nvCxnSpPr>
+          <p:cNvPr id="105" name="Gerade Verbindung mit Pfeil 104"/>
+          <p:cNvCxnSpPr/>
+          <p:nvPr/>
+        </p:nvCxnSpPr>
+        <p:spPr>
+          <a:xfrm>
+            <a:off x="1468052" y="1499302"/>
+            <a:ext cx="0" cy="252028"/>
+          </a:xfrm>
+          <a:prstGeom prst="straightConnector1">
+            <a:avLst/>
+          </a:prstGeom>
+          <a:ln>
+            <a:tailEnd type="arrow"/>
+          </a:ln>
+        </p:spPr>
+        <p:style>
+          <a:lnRef idx="1">
+            <a:schemeClr val="dk1"/>
+          </a:lnRef>
+          <a:fillRef idx="0">
+            <a:schemeClr val="dk1"/>
+          </a:fillRef>
+          <a:effectRef idx="0">
+            <a:schemeClr val="dk1"/>
+          </a:effectRef>
+          <a:fontRef idx="minor">
+            <a:schemeClr val="tx1"/>
+          </a:fontRef>
+        </p:style>
+      </p:cxnSp>
+      <p:sp>
+        <p:nvSpPr>
+          <p:cNvPr id="106" name="Textfeld 105"/>
+          <p:cNvSpPr txBox="1"/>
+          <p:nvPr/>
+        </p:nvSpPr>
+        <p:spPr>
+          <a:xfrm>
+            <a:off x="2080001" y="620688"/>
+            <a:ext cx="1187624" cy="338554"/>
+          </a:xfrm>
+          <a:prstGeom prst="rect">
+            <a:avLst/>
+          </a:prstGeom>
+          <a:noFill/>
+        </p:spPr>
+        <p:txBody>
+          <a:bodyPr wrap="square" rtlCol="0">
+            <a:spAutoFit/>
+          </a:bodyPr>
+          <a:lstStyle/>
+          <a:p>
+            <a:r>
+              <a:rPr lang="en-US" sz="1600" b="1" dirty="0" smtClean="0"/>
+              <a:t>Input</a:t>
+            </a:r>
+            <a:endParaRPr lang="en-US" sz="1600" b="1" dirty="0"/>
+          </a:p>
+        </p:txBody>
+      </p:sp>
+      <p:sp>
+        <p:nvSpPr>
+          <p:cNvPr id="108" name="Abgerundetes Rechteck 107"/>
+          <p:cNvSpPr/>
+          <p:nvPr/>
+        </p:nvSpPr>
+        <p:spPr>
+          <a:xfrm>
+            <a:off x="2526870" y="887806"/>
+            <a:ext cx="1469067" cy="503483"/>
+          </a:xfrm>
+          <a:prstGeom prst="roundRect">
+            <a:avLst/>
+          </a:prstGeom>
+        </p:spPr>
+        <p:style>
+          <a:lnRef idx="1">
+            <a:schemeClr val="dk1"/>
+          </a:lnRef>
+          <a:fillRef idx="2">
+            <a:schemeClr val="dk1"/>
+          </a:fillRef>
+          <a:effectRef idx="1">
+            <a:schemeClr val="dk1"/>
+          </a:effectRef>
+          <a:fontRef idx="minor">
+            <a:schemeClr val="dk1"/>
+          </a:fontRef>
+        </p:style>
+        <p:txBody>
+          <a:bodyPr rtlCol="0" anchor="ctr"/>
+          <a:lstStyle/>
+          <a:p>
+            <a:pPr algn="ctr"/>
+            <a:r>
+              <a:rPr lang="en-US" sz="1600" dirty="0" smtClean="0"/>
+              <a:t>Knowledge</a:t>
+            </a:r>
+            <a:r>
+              <a:rPr lang="en-US" sz="1600" dirty="0"/>
+              <a:t> </a:t>
+            </a:r>
+            <a:r>
+              <a:rPr lang="en-US" sz="1600" dirty="0" smtClean="0"/>
+              <a:t>Model</a:t>
+            </a:r>
+          </a:p>
+        </p:txBody>
+      </p:sp>
+      <p:cxnSp>
+        <p:nvCxnSpPr>
+          <p:cNvPr id="111" name="Gerade Verbindung mit Pfeil 110"/>
+          <p:cNvCxnSpPr/>
+          <p:nvPr/>
+        </p:nvCxnSpPr>
+        <p:spPr>
+          <a:xfrm>
+            <a:off x="2116124" y="1499302"/>
+            <a:ext cx="0" cy="252028"/>
+          </a:xfrm>
+          <a:prstGeom prst="straightConnector1">
+            <a:avLst/>
+          </a:prstGeom>
+          <a:ln>
+            <a:tailEnd type="arrow"/>
+          </a:ln>
+        </p:spPr>
+        <p:style>
+          <a:lnRef idx="1">
+            <a:schemeClr val="dk1"/>
+          </a:lnRef>
+          <a:fillRef idx="0">
+            <a:schemeClr val="dk1"/>
+          </a:fillRef>
+          <a:effectRef idx="0">
+            <a:schemeClr val="dk1"/>
+          </a:effectRef>
+          <a:fontRef idx="minor">
+            <a:schemeClr val="tx1"/>
+          </a:fontRef>
+        </p:style>
+      </p:cxnSp>
+      <p:cxnSp>
+        <p:nvCxnSpPr>
+          <p:cNvPr id="112" name="Gerade Verbindung mit Pfeil 111"/>
+          <p:cNvCxnSpPr/>
+          <p:nvPr/>
+        </p:nvCxnSpPr>
+        <p:spPr>
+          <a:xfrm flipV="1">
+            <a:off x="1468052" y="2327394"/>
+            <a:ext cx="1" cy="288032"/>
+          </a:xfrm>
+          <a:prstGeom prst="straightConnector1">
+            <a:avLst/>
+          </a:prstGeom>
+          <a:ln>
+            <a:tailEnd type="arrow"/>
+          </a:ln>
+        </p:spPr>
+        <p:style>
+          <a:lnRef idx="1">
+            <a:schemeClr val="dk1"/>
+          </a:lnRef>
+          <a:fillRef idx="0">
+            <a:schemeClr val="dk1"/>
+          </a:fillRef>
+          <a:effectRef idx="0">
+            <a:schemeClr val="dk1"/>
+          </a:effectRef>
+          <a:fontRef idx="minor">
+            <a:schemeClr val="tx1"/>
+          </a:fontRef>
+        </p:style>
+      </p:cxnSp>
+      <p:sp>
+        <p:nvSpPr>
+          <p:cNvPr id="113" name="Abgerundetes Rechteck 112"/>
+          <p:cNvSpPr/>
+          <p:nvPr/>
+        </p:nvSpPr>
+        <p:spPr>
+          <a:xfrm>
+            <a:off x="3707904" y="2909069"/>
+            <a:ext cx="1234938" cy="735955"/>
+          </a:xfrm>
+          <a:prstGeom prst="roundRect">
+            <a:avLst/>
+          </a:prstGeom>
+        </p:spPr>
+        <p:style>
+          <a:lnRef idx="2">
+            <a:schemeClr val="dk1"/>
+          </a:lnRef>
+          <a:fillRef idx="1">
+            <a:schemeClr val="lt1"/>
+          </a:fillRef>
+          <a:effectRef idx="0">
+            <a:schemeClr val="dk1"/>
+          </a:effectRef>
+          <a:fontRef idx="minor">
+            <a:schemeClr val="dk1"/>
+          </a:fontRef>
+        </p:style>
+        <p:txBody>
+          <a:bodyPr rtlCol="0" anchor="ctr"/>
+          <a:lstStyle/>
+          <a:p>
+            <a:pPr algn="ctr"/>
+            <a:r>
+              <a:rPr lang="de-DE" sz="1600" dirty="0" err="1" smtClean="0"/>
+              <a:t>Concepts</a:t>
+            </a:r>
+            <a:endParaRPr lang="en-US" sz="1600" dirty="0"/>
+          </a:p>
+        </p:txBody>
+      </p:sp>
+      <p:sp>
+        <p:nvSpPr>
+          <p:cNvPr id="114" name="Textfeld 113"/>
+          <p:cNvSpPr txBox="1"/>
+          <p:nvPr/>
+        </p:nvSpPr>
+        <p:spPr>
+          <a:xfrm>
+            <a:off x="3270844" y="4005064"/>
+            <a:ext cx="1229148" cy="584775"/>
+          </a:xfrm>
+          <a:prstGeom prst="rect">
+            <a:avLst/>
+          </a:prstGeom>
+          <a:noFill/>
+        </p:spPr>
+        <p:txBody>
+          <a:bodyPr wrap="square" rtlCol="0">
+            <a:spAutoFit/>
+          </a:bodyPr>
+          <a:lstStyle/>
+          <a:p>
+            <a:pPr algn="ctr"/>
+            <a:r>
+              <a:rPr lang="en-US" sz="1600" dirty="0" smtClean="0"/>
+              <a:t>Relation</a:t>
+            </a:r>
+            <a:endParaRPr lang="en-US" sz="1600" dirty="0" smtClean="0"/>
+          </a:p>
+          <a:p>
+            <a:pPr algn="ctr"/>
+            <a:r>
+              <a:rPr lang="en-US" sz="1600" dirty="0" smtClean="0"/>
+              <a:t>Detection</a:t>
+            </a:r>
+            <a:endParaRPr lang="en-US" sz="1600" dirty="0"/>
+          </a:p>
+        </p:txBody>
+      </p:sp>
+      <p:cxnSp>
+        <p:nvCxnSpPr>
+          <p:cNvPr id="115" name="Gerade Verbindung mit Pfeil 114"/>
+          <p:cNvCxnSpPr/>
+          <p:nvPr/>
+        </p:nvCxnSpPr>
+        <p:spPr>
+          <a:xfrm>
+            <a:off x="5292080" y="1077997"/>
+            <a:ext cx="0" cy="2916905"/>
+          </a:xfrm>
+          <a:prstGeom prst="straightConnector1">
+            <a:avLst/>
+          </a:prstGeom>
+          <a:ln>
+            <a:tailEnd type="arrow"/>
+          </a:ln>
+        </p:spPr>
+        <p:style>
+          <a:lnRef idx="1">
+            <a:schemeClr val="dk1"/>
+          </a:lnRef>
+          <a:fillRef idx="0">
+            <a:schemeClr val="dk1"/>
+          </a:fillRef>
+          <a:effectRef idx="0">
+            <a:schemeClr val="dk1"/>
+          </a:effectRef>
+          <a:fontRef idx="minor">
+            <a:schemeClr val="tx1"/>
+          </a:fontRef>
+        </p:style>
+      </p:cxnSp>
+      <p:cxnSp>
+        <p:nvCxnSpPr>
+          <p:cNvPr id="116" name="Gerade Verbindung mit Pfeil 115"/>
+          <p:cNvCxnSpPr>
+            <a:stCxn id="103" idx="3"/>
+          </p:cNvCxnSpPr>
+          <p:nvPr/>
+        </p:nvCxnSpPr>
+        <p:spPr>
+          <a:xfrm>
+            <a:off x="4139953" y="1077997"/>
+            <a:ext cx="1152127" cy="0"/>
+          </a:xfrm>
+          <a:prstGeom prst="straightConnector1">
+            <a:avLst/>
+          </a:prstGeom>
+          <a:ln>
+            <a:headEnd type="none" w="med" len="med"/>
+            <a:tailEnd type="none" w="med" len="med"/>
+          </a:ln>
+        </p:spPr>
+        <p:style>
+          <a:lnRef idx="1">
+            <a:schemeClr val="dk1"/>
+          </a:lnRef>
+          <a:fillRef idx="0">
+            <a:schemeClr val="dk1"/>
+          </a:fillRef>
+          <a:effectRef idx="0">
+            <a:schemeClr val="dk1"/>
+          </a:effectRef>
+          <a:fontRef idx="minor">
+            <a:schemeClr val="tx1"/>
+          </a:fontRef>
+        </p:style>
+      </p:cxnSp>
+    </p:spTree>
+    <p:extLst>
+      <p:ext uri="{BB962C8B-B14F-4D97-AF65-F5344CB8AC3E}">
+        <p14:creationId xmlns:p14="http://schemas.microsoft.com/office/powerpoint/2010/main" val="3627929988"/>
+      </p:ext>
+    </p:extLst>
+  </p:cSld>
+  <p:clrMapOvr>
+    <a:masterClrMapping/>
+  </p:clrMapOvr>
+</p:sld>
+</file>
+
+<file path=ppt/slides/slide6.xml><?xml version="1.0" encoding="utf-8"?>
+<p:sld xmlns:a="http://schemas.openxmlformats.org/drawingml/2006/main" xmlns:r="http://schemas.openxmlformats.org/officeDocument/2006/relationships" xmlns:p="http://schemas.openxmlformats.org/presentationml/2006/main">
+  <p:cSld>
+    <p:spTree>
+      <p:nvGrpSpPr>
+        <p:cNvPr id="1" name=""/>
+        <p:cNvGrpSpPr/>
+        <p:nvPr/>
+      </p:nvGrpSpPr>
+      <p:grpSpPr>
+        <a:xfrm>
+          <a:off x="0" y="0"/>
+          <a:ext cx="0" cy="0"/>
+          <a:chOff x="0" y="0"/>
+          <a:chExt cx="0" cy="0"/>
+        </a:xfrm>
+      </p:grpSpPr>
+      <p:sp>
+        <p:nvSpPr>
+          <p:cNvPr id="23" name="Rechteck 22"/>
+          <p:cNvSpPr/>
+          <p:nvPr/>
+        </p:nvSpPr>
+        <p:spPr>
+          <a:xfrm>
+            <a:off x="2669008" y="2564904"/>
+            <a:ext cx="5791424" cy="1313577"/>
+          </a:xfrm>
+          <a:prstGeom prst="rect">
+            <a:avLst/>
+          </a:prstGeom>
+        </p:spPr>
+        <p:style>
+          <a:lnRef idx="2">
+            <a:schemeClr val="dk1"/>
+          </a:lnRef>
+          <a:fillRef idx="1">
+            <a:schemeClr val="lt1"/>
+          </a:fillRef>
+          <a:effectRef idx="0">
+            <a:schemeClr val="dk1"/>
+          </a:effectRef>
+          <a:fontRef idx="minor">
+            <a:schemeClr val="dk1"/>
+          </a:fontRef>
+        </p:style>
+        <p:txBody>
+          <a:bodyPr rtlCol="0" anchor="ctr"/>
+          <a:lstStyle/>
+          <a:p>
+            <a:pPr algn="ctr"/>
+            <a:endParaRPr lang="en-US" sz="1600" b="1" dirty="0" smtClean="0"/>
+          </a:p>
+        </p:txBody>
+      </p:sp>
+      <p:sp>
+        <p:nvSpPr>
+          <p:cNvPr id="12" name="Rechteck 11"/>
+          <p:cNvSpPr/>
+          <p:nvPr/>
+        </p:nvSpPr>
+        <p:spPr>
+          <a:xfrm>
+            <a:off x="3095642" y="2992900"/>
+            <a:ext cx="1296144" cy="678818"/>
+          </a:xfrm>
+          <a:prstGeom prst="rect">
+            <a:avLst/>
+          </a:prstGeom>
+        </p:spPr>
+        <p:style>
+          <a:lnRef idx="2">
+            <a:schemeClr val="dk1"/>
+          </a:lnRef>
+          <a:fillRef idx="1">
+            <a:schemeClr val="lt1"/>
+          </a:fillRef>
+          <a:effectRef idx="0">
+            <a:schemeClr val="dk1"/>
+          </a:effectRef>
+          <a:fontRef idx="minor">
+            <a:schemeClr val="dk1"/>
+          </a:fontRef>
+        </p:style>
+        <p:txBody>
+          <a:bodyPr rtlCol="0" anchor="ctr"/>
+          <a:lstStyle/>
+          <a:p>
+            <a:pPr algn="ctr"/>
+            <a:r>
+              <a:rPr lang="en-US" sz="1600" dirty="0" smtClean="0"/>
+              <a:t>Keywords</a:t>
+            </a:r>
+            <a:endParaRPr lang="en-US" sz="1600" dirty="0"/>
+          </a:p>
+        </p:txBody>
+      </p:sp>
+      <p:sp>
+        <p:nvSpPr>
+          <p:cNvPr id="101" name="Rechteck 100"/>
+          <p:cNvSpPr/>
+          <p:nvPr/>
+        </p:nvSpPr>
+        <p:spPr>
+          <a:xfrm>
+            <a:off x="2699793" y="1628800"/>
+            <a:ext cx="3744160" cy="576064"/>
+          </a:xfrm>
+          <a:prstGeom prst="rect">
+            <a:avLst/>
+          </a:prstGeom>
+          <a:ln w="6350">
+            <a:prstDash val="sysDot"/>
+          </a:ln>
+        </p:spPr>
+        <p:style>
+          <a:lnRef idx="2">
+            <a:schemeClr val="dk1"/>
+          </a:lnRef>
+          <a:fillRef idx="1">
+            <a:schemeClr val="lt1"/>
+          </a:fillRef>
+          <a:effectRef idx="0">
+            <a:schemeClr val="dk1"/>
+          </a:effectRef>
+          <a:fontRef idx="minor">
+            <a:schemeClr val="dk1"/>
+          </a:fontRef>
+        </p:style>
+        <p:txBody>
+          <a:bodyPr rtlCol="0" anchor="ctr"/>
+          <a:lstStyle/>
+          <a:p>
+            <a:pPr algn="ctr"/>
+            <a:endParaRPr lang="en-US" dirty="0"/>
+          </a:p>
+        </p:txBody>
+      </p:sp>
+      <p:cxnSp>
+        <p:nvCxnSpPr>
+          <p:cNvPr id="107" name="Gerade Verbindung mit Pfeil 106"/>
+          <p:cNvCxnSpPr/>
+          <p:nvPr/>
+        </p:nvCxnSpPr>
+        <p:spPr>
+          <a:xfrm>
+            <a:off x="5571371" y="1376772"/>
+            <a:ext cx="0" cy="252028"/>
+          </a:xfrm>
+          <a:prstGeom prst="straightConnector1">
+            <a:avLst/>
+          </a:prstGeom>
+          <a:ln>
+            <a:tailEnd type="arrow"/>
+          </a:ln>
+        </p:spPr>
+        <p:style>
+          <a:lnRef idx="1">
+            <a:schemeClr val="dk1"/>
+          </a:lnRef>
+          <a:fillRef idx="0">
+            <a:schemeClr val="dk1"/>
+          </a:fillRef>
+          <a:effectRef idx="0">
+            <a:schemeClr val="dk1"/>
+          </a:effectRef>
+          <a:fontRef idx="minor">
+            <a:schemeClr val="tx1"/>
+          </a:fontRef>
+        </p:style>
+      </p:cxnSp>
+      <p:cxnSp>
+        <p:nvCxnSpPr>
+          <p:cNvPr id="110" name="Gerade Verbindung mit Pfeil 109"/>
+          <p:cNvCxnSpPr/>
+          <p:nvPr/>
+        </p:nvCxnSpPr>
+        <p:spPr>
+          <a:xfrm flipV="1">
+            <a:off x="5940151" y="2204864"/>
+            <a:ext cx="1" cy="288032"/>
+          </a:xfrm>
+          <a:prstGeom prst="straightConnector1">
+            <a:avLst/>
+          </a:prstGeom>
+          <a:ln>
+            <a:tailEnd type="arrow"/>
+          </a:ln>
+        </p:spPr>
+        <p:style>
+          <a:lnRef idx="1">
+            <a:schemeClr val="dk1"/>
+          </a:lnRef>
+          <a:fillRef idx="0">
+            <a:schemeClr val="dk1"/>
+          </a:fillRef>
+          <a:effectRef idx="0">
+            <a:schemeClr val="dk1"/>
+          </a:effectRef>
+          <a:fontRef idx="minor">
+            <a:schemeClr val="tx1"/>
+          </a:fontRef>
+        </p:style>
+      </p:cxnSp>
+      <p:sp>
+        <p:nvSpPr>
+          <p:cNvPr id="37" name="Textfeld 36"/>
+          <p:cNvSpPr txBox="1"/>
+          <p:nvPr/>
+        </p:nvSpPr>
+        <p:spPr>
+          <a:xfrm>
+            <a:off x="3563888" y="1628800"/>
+            <a:ext cx="1224136" cy="584775"/>
+          </a:xfrm>
+          <a:prstGeom prst="rect">
+            <a:avLst/>
+          </a:prstGeom>
+          <a:noFill/>
+        </p:spPr>
+        <p:txBody>
+          <a:bodyPr wrap="square" rtlCol="0">
+            <a:spAutoFit/>
+          </a:bodyPr>
+          <a:lstStyle/>
+          <a:p>
+            <a:pPr algn="ctr"/>
+            <a:r>
+              <a:rPr lang="de-DE" sz="1600" dirty="0" err="1" smtClean="0"/>
+              <a:t>Structure</a:t>
+            </a:r>
+            <a:endParaRPr lang="de-DE" sz="1600" dirty="0" smtClean="0"/>
+          </a:p>
+          <a:p>
+            <a:pPr algn="ctr"/>
+            <a:r>
+              <a:rPr lang="de-DE" sz="1600" dirty="0" err="1" smtClean="0"/>
+              <a:t>Matching</a:t>
+            </a:r>
+            <a:endParaRPr lang="en-US" sz="1600" dirty="0"/>
+          </a:p>
+        </p:txBody>
+      </p:sp>
+      <p:sp>
+        <p:nvSpPr>
+          <p:cNvPr id="43" name="Rechteck 42"/>
+          <p:cNvSpPr/>
+          <p:nvPr/>
+        </p:nvSpPr>
+        <p:spPr>
+          <a:xfrm>
+            <a:off x="7029491" y="1628801"/>
+            <a:ext cx="1358933" cy="576064"/>
+          </a:xfrm>
+          <a:prstGeom prst="rect">
+            <a:avLst/>
+          </a:prstGeom>
+        </p:spPr>
+        <p:style>
+          <a:lnRef idx="2">
+            <a:schemeClr val="dk1"/>
+          </a:lnRef>
+          <a:fillRef idx="1">
+            <a:schemeClr val="lt1"/>
+          </a:fillRef>
+          <a:effectRef idx="0">
+            <a:schemeClr val="dk1"/>
+          </a:effectRef>
+          <a:fontRef idx="minor">
+            <a:schemeClr val="dk1"/>
+          </a:fontRef>
+        </p:style>
+        <p:txBody>
+          <a:bodyPr rtlCol="0" anchor="ctr"/>
+          <a:lstStyle/>
+          <a:p>
+            <a:pPr algn="ctr"/>
+            <a:r>
+              <a:rPr lang="de-DE" sz="1600" b="1" dirty="0" smtClean="0"/>
+              <a:t>Output</a:t>
+            </a:r>
+            <a:endParaRPr lang="en-US" sz="1600" b="1" dirty="0" smtClean="0"/>
+          </a:p>
+          <a:p>
+            <a:pPr algn="ctr"/>
+            <a:r>
+              <a:rPr lang="de-DE" sz="1600" dirty="0" err="1" smtClean="0"/>
+              <a:t>Results</a:t>
+            </a:r>
+            <a:endParaRPr lang="en-US" sz="1600" dirty="0"/>
+          </a:p>
+        </p:txBody>
+      </p:sp>
+      <p:sp>
+        <p:nvSpPr>
+          <p:cNvPr id="46" name="Abgerundetes Rechteck 45"/>
+          <p:cNvSpPr/>
+          <p:nvPr/>
+        </p:nvSpPr>
+        <p:spPr>
+          <a:xfrm>
+            <a:off x="4643499" y="2706015"/>
+            <a:ext cx="3600909" cy="1028451"/>
+          </a:xfrm>
+          <a:prstGeom prst="roundRect">
+            <a:avLst/>
+          </a:prstGeom>
+        </p:spPr>
+        <p:style>
+          <a:lnRef idx="1">
+            <a:schemeClr val="dk1"/>
+          </a:lnRef>
+          <a:fillRef idx="2">
+            <a:schemeClr val="dk1"/>
+          </a:fillRef>
+          <a:effectRef idx="1">
+            <a:schemeClr val="dk1"/>
+          </a:effectRef>
+          <a:fontRef idx="minor">
+            <a:schemeClr val="dk1"/>
+          </a:fontRef>
+        </p:style>
+        <p:txBody>
+          <a:bodyPr rtlCol="0" anchor="ctr"/>
+          <a:lstStyle/>
+          <a:p>
+            <a:pPr algn="ctr"/>
+            <a:endParaRPr lang="en-US" sz="1600" dirty="0"/>
+          </a:p>
+        </p:txBody>
+      </p:sp>
+      <p:sp>
+        <p:nvSpPr>
+          <p:cNvPr id="47" name="Abgerundetes Rechteck 46"/>
+          <p:cNvSpPr/>
+          <p:nvPr/>
+        </p:nvSpPr>
+        <p:spPr>
+          <a:xfrm>
+            <a:off x="4788024" y="2955705"/>
+            <a:ext cx="1008111" cy="721905"/>
+          </a:xfrm>
+          <a:prstGeom prst="roundRect">
+            <a:avLst/>
+          </a:prstGeom>
+        </p:spPr>
+        <p:style>
+          <a:lnRef idx="2">
+            <a:schemeClr val="dk1"/>
+          </a:lnRef>
+          <a:fillRef idx="1">
+            <a:schemeClr val="lt1"/>
+          </a:fillRef>
+          <a:effectRef idx="0">
+            <a:schemeClr val="dk1"/>
+          </a:effectRef>
+          <a:fontRef idx="minor">
+            <a:schemeClr val="dk1"/>
+          </a:fontRef>
+        </p:style>
+        <p:txBody>
+          <a:bodyPr rtlCol="0" anchor="ctr"/>
+          <a:lstStyle/>
+          <a:p>
+            <a:pPr algn="ctr"/>
+            <a:r>
+              <a:rPr lang="en-US" sz="1600" dirty="0" smtClean="0"/>
+              <a:t>Entities</a:t>
+            </a:r>
+            <a:endParaRPr lang="en-US" sz="1600" dirty="0"/>
+          </a:p>
+        </p:txBody>
+      </p:sp>
+      <p:sp>
+        <p:nvSpPr>
+          <p:cNvPr id="48" name="Textfeld 47"/>
+          <p:cNvSpPr txBox="1"/>
+          <p:nvPr/>
+        </p:nvSpPr>
+        <p:spPr>
+          <a:xfrm>
+            <a:off x="4716016" y="2654346"/>
+            <a:ext cx="3312368" cy="338554"/>
+          </a:xfrm>
+          <a:prstGeom prst="rect">
+            <a:avLst/>
+          </a:prstGeom>
+          <a:noFill/>
+        </p:spPr>
+        <p:txBody>
+          <a:bodyPr wrap="square" rtlCol="0">
+            <a:spAutoFit/>
+          </a:bodyPr>
+          <a:lstStyle/>
+          <a:p>
+            <a:r>
+              <a:rPr lang="en-US" sz="1600" dirty="0" smtClean="0"/>
+              <a:t>Semantics / Structured Queries</a:t>
+            </a:r>
+            <a:endParaRPr lang="en-US" sz="1600" dirty="0"/>
+          </a:p>
+        </p:txBody>
+      </p:sp>
+      <p:sp>
+        <p:nvSpPr>
+          <p:cNvPr id="51" name="Abgerundetes Rechteck 50"/>
+          <p:cNvSpPr/>
+          <p:nvPr/>
+        </p:nvSpPr>
+        <p:spPr>
+          <a:xfrm>
+            <a:off x="7008961" y="2949812"/>
+            <a:ext cx="1091431" cy="721905"/>
+          </a:xfrm>
+          <a:prstGeom prst="roundRect">
+            <a:avLst/>
+          </a:prstGeom>
+        </p:spPr>
+        <p:style>
+          <a:lnRef idx="2">
+            <a:schemeClr val="dk1"/>
+          </a:lnRef>
+          <a:fillRef idx="1">
+            <a:schemeClr val="lt1"/>
+          </a:fillRef>
+          <a:effectRef idx="0">
+            <a:schemeClr val="dk1"/>
+          </a:effectRef>
+          <a:fontRef idx="minor">
+            <a:schemeClr val="dk1"/>
+          </a:fontRef>
+        </p:style>
+        <p:txBody>
+          <a:bodyPr rtlCol="0" anchor="ctr"/>
+          <a:lstStyle/>
+          <a:p>
+            <a:pPr algn="ctr"/>
+            <a:r>
+              <a:rPr lang="de-DE" sz="1600" dirty="0" err="1" smtClean="0"/>
+              <a:t>Concepts</a:t>
+            </a:r>
+            <a:endParaRPr lang="en-US" sz="1600" dirty="0"/>
+          </a:p>
+        </p:txBody>
+      </p:sp>
+      <p:sp>
+        <p:nvSpPr>
+          <p:cNvPr id="58" name="Textfeld 57"/>
+          <p:cNvSpPr txBox="1"/>
+          <p:nvPr/>
+        </p:nvSpPr>
+        <p:spPr>
+          <a:xfrm>
+            <a:off x="4427984" y="1628800"/>
+            <a:ext cx="1224136" cy="584775"/>
+          </a:xfrm>
+          <a:prstGeom prst="rect">
+            <a:avLst/>
+          </a:prstGeom>
+          <a:noFill/>
+        </p:spPr>
+        <p:txBody>
+          <a:bodyPr wrap="square" rtlCol="0">
+            <a:spAutoFit/>
+          </a:bodyPr>
+          <a:lstStyle/>
+          <a:p>
+            <a:pPr algn="ctr"/>
+            <a:r>
+              <a:rPr lang="de-DE" sz="1600" dirty="0" smtClean="0"/>
+              <a:t>Graph</a:t>
+            </a:r>
+          </a:p>
+          <a:p>
+            <a:pPr algn="ctr"/>
+            <a:r>
+              <a:rPr lang="de-DE" sz="1600" dirty="0" err="1" smtClean="0"/>
+              <a:t>Traversal</a:t>
+            </a:r>
+            <a:endParaRPr lang="en-US" sz="1600" dirty="0"/>
+          </a:p>
+        </p:txBody>
+      </p:sp>
+      <p:cxnSp>
+        <p:nvCxnSpPr>
+          <p:cNvPr id="59" name="Gerade Verbindung mit Pfeil 58"/>
+          <p:cNvCxnSpPr/>
+          <p:nvPr/>
+        </p:nvCxnSpPr>
+        <p:spPr>
+          <a:xfrm>
+            <a:off x="6516216" y="1915702"/>
+            <a:ext cx="432048" cy="0"/>
+          </a:xfrm>
+          <a:prstGeom prst="straightConnector1">
+            <a:avLst/>
+          </a:prstGeom>
+          <a:ln>
+            <a:tailEnd type="arrow"/>
+          </a:ln>
+        </p:spPr>
+        <p:style>
+          <a:lnRef idx="1">
+            <a:schemeClr val="dk1"/>
+          </a:lnRef>
+          <a:fillRef idx="0">
+            <a:schemeClr val="dk1"/>
+          </a:fillRef>
+          <a:effectRef idx="0">
+            <a:schemeClr val="dk1"/>
+          </a:effectRef>
+          <a:fontRef idx="minor">
+            <a:schemeClr val="tx1"/>
+          </a:fontRef>
+        </p:style>
+      </p:cxnSp>
+      <p:sp>
+        <p:nvSpPr>
+          <p:cNvPr id="20" name="Abgerundetes Rechteck 19"/>
+          <p:cNvSpPr/>
+          <p:nvPr/>
+        </p:nvSpPr>
+        <p:spPr>
+          <a:xfrm>
+            <a:off x="5868145" y="2942378"/>
+            <a:ext cx="1080119" cy="721905"/>
+          </a:xfrm>
+          <a:prstGeom prst="roundRect">
+            <a:avLst/>
+          </a:prstGeom>
+        </p:spPr>
+        <p:style>
+          <a:lnRef idx="2">
+            <a:schemeClr val="dk1"/>
+          </a:lnRef>
+          <a:fillRef idx="1">
+            <a:schemeClr val="lt1"/>
+          </a:fillRef>
+          <a:effectRef idx="0">
+            <a:schemeClr val="dk1"/>
+          </a:effectRef>
+          <a:fontRef idx="minor">
+            <a:schemeClr val="dk1"/>
+          </a:fontRef>
+        </p:style>
+        <p:txBody>
+          <a:bodyPr rtlCol="0" anchor="ctr"/>
+          <a:lstStyle/>
+          <a:p>
+            <a:pPr algn="ctr"/>
+            <a:r>
+              <a:rPr lang="de-DE" sz="1600" dirty="0" smtClean="0"/>
+              <a:t>Relations</a:t>
+            </a:r>
+            <a:endParaRPr lang="en-US" sz="1600" dirty="0"/>
+          </a:p>
+        </p:txBody>
+      </p:sp>
+      <p:sp>
+        <p:nvSpPr>
+          <p:cNvPr id="21" name="Textfeld 20"/>
+          <p:cNvSpPr txBox="1"/>
+          <p:nvPr/>
+        </p:nvSpPr>
+        <p:spPr>
+          <a:xfrm>
+            <a:off x="2555776" y="1628801"/>
+            <a:ext cx="1224136" cy="584775"/>
+          </a:xfrm>
+          <a:prstGeom prst="rect">
+            <a:avLst/>
+          </a:prstGeom>
+          <a:noFill/>
+        </p:spPr>
+        <p:txBody>
+          <a:bodyPr wrap="square" rtlCol="0">
+            <a:spAutoFit/>
+          </a:bodyPr>
+          <a:lstStyle/>
+          <a:p>
+            <a:pPr algn="ctr"/>
+            <a:r>
+              <a:rPr lang="de-DE" sz="1600" dirty="0" smtClean="0"/>
+              <a:t>Term </a:t>
+            </a:r>
+          </a:p>
+          <a:p>
+            <a:pPr algn="ctr"/>
+            <a:r>
+              <a:rPr lang="de-DE" sz="1600" dirty="0" err="1" smtClean="0"/>
+              <a:t>Matching</a:t>
+            </a:r>
+            <a:endParaRPr lang="en-US" sz="1600" dirty="0"/>
+          </a:p>
+        </p:txBody>
+      </p:sp>
+      <p:sp>
+        <p:nvSpPr>
+          <p:cNvPr id="22" name="Textfeld 21"/>
+          <p:cNvSpPr txBox="1"/>
+          <p:nvPr/>
+        </p:nvSpPr>
+        <p:spPr>
+          <a:xfrm>
+            <a:off x="5364088" y="1794302"/>
+            <a:ext cx="1224136" cy="338554"/>
+          </a:xfrm>
+          <a:prstGeom prst="rect">
+            <a:avLst/>
+          </a:prstGeom>
+          <a:noFill/>
+        </p:spPr>
+        <p:txBody>
+          <a:bodyPr wrap="square" rtlCol="0">
+            <a:spAutoFit/>
+          </a:bodyPr>
+          <a:lstStyle/>
+          <a:p>
+            <a:pPr algn="ctr"/>
+            <a:r>
+              <a:rPr lang="de-DE" sz="1600" dirty="0" err="1" smtClean="0"/>
+              <a:t>Reasoning</a:t>
+            </a:r>
+            <a:endParaRPr lang="en-US" sz="1600" dirty="0"/>
+          </a:p>
+        </p:txBody>
+      </p:sp>
+      <p:sp>
+        <p:nvSpPr>
+          <p:cNvPr id="24" name="Textfeld 23"/>
+          <p:cNvSpPr txBox="1"/>
+          <p:nvPr/>
+        </p:nvSpPr>
+        <p:spPr>
+          <a:xfrm>
+            <a:off x="2669008" y="2564904"/>
+            <a:ext cx="1187624" cy="338554"/>
+          </a:xfrm>
+          <a:prstGeom prst="rect">
+            <a:avLst/>
+          </a:prstGeom>
+          <a:noFill/>
+        </p:spPr>
+        <p:txBody>
+          <a:bodyPr wrap="square" rtlCol="0">
+            <a:spAutoFit/>
+          </a:bodyPr>
+          <a:lstStyle/>
+          <a:p>
+            <a:r>
+              <a:rPr lang="en-US" sz="1600" b="1" dirty="0" smtClean="0"/>
+              <a:t>Input</a:t>
+            </a:r>
+            <a:endParaRPr lang="en-US" sz="1600" b="1" dirty="0"/>
+          </a:p>
+        </p:txBody>
+      </p:sp>
+      <p:sp>
+        <p:nvSpPr>
+          <p:cNvPr id="28" name="Rechteck 27"/>
+          <p:cNvSpPr/>
+          <p:nvPr/>
+        </p:nvSpPr>
+        <p:spPr>
+          <a:xfrm>
+            <a:off x="3491879" y="584684"/>
+            <a:ext cx="2952329" cy="720080"/>
+          </a:xfrm>
+          <a:prstGeom prst="rect">
+            <a:avLst/>
+          </a:prstGeom>
+        </p:spPr>
+        <p:style>
+          <a:lnRef idx="2">
+            <a:schemeClr val="dk1"/>
+          </a:lnRef>
+          <a:fillRef idx="1">
+            <a:schemeClr val="lt1"/>
+          </a:fillRef>
+          <a:effectRef idx="0">
+            <a:schemeClr val="dk1"/>
+          </a:effectRef>
+          <a:fontRef idx="minor">
+            <a:schemeClr val="dk1"/>
+          </a:fontRef>
+        </p:style>
+        <p:txBody>
+          <a:bodyPr rtlCol="0" anchor="ctr"/>
+          <a:lstStyle/>
+          <a:p>
+            <a:pPr algn="ctr"/>
+            <a:endParaRPr lang="en-US" sz="1600" b="1" dirty="0" smtClean="0"/>
+          </a:p>
+        </p:txBody>
+      </p:sp>
+      <p:sp>
+        <p:nvSpPr>
+          <p:cNvPr id="29" name="Abgerundetes Rechteck 28"/>
+          <p:cNvSpPr/>
+          <p:nvPr/>
+        </p:nvSpPr>
+        <p:spPr>
+          <a:xfrm>
+            <a:off x="3587330" y="765277"/>
+            <a:ext cx="1164944" cy="503483"/>
+          </a:xfrm>
+          <a:prstGeom prst="roundRect">
+            <a:avLst/>
+          </a:prstGeom>
+        </p:spPr>
+        <p:style>
+          <a:lnRef idx="1">
+            <a:schemeClr val="dk1"/>
+          </a:lnRef>
+          <a:fillRef idx="2">
+            <a:schemeClr val="dk1"/>
+          </a:fillRef>
+          <a:effectRef idx="1">
+            <a:schemeClr val="dk1"/>
+          </a:effectRef>
+          <a:fontRef idx="minor">
+            <a:schemeClr val="dk1"/>
+          </a:fontRef>
+        </p:style>
+        <p:txBody>
+          <a:bodyPr rtlCol="0" anchor="ctr"/>
+          <a:lstStyle/>
+          <a:p>
+            <a:pPr algn="ctr"/>
+            <a:r>
+              <a:rPr lang="en-US" sz="1600" dirty="0" smtClean="0"/>
+              <a:t>Semantic Data</a:t>
+            </a:r>
+            <a:endParaRPr lang="en-US" sz="1600" dirty="0"/>
+          </a:p>
+        </p:txBody>
+      </p:sp>
+      <p:sp>
+        <p:nvSpPr>
+          <p:cNvPr id="30" name="Textfeld 29"/>
+          <p:cNvSpPr txBox="1"/>
+          <p:nvPr/>
+        </p:nvSpPr>
+        <p:spPr>
+          <a:xfrm>
+            <a:off x="4384256" y="498158"/>
+            <a:ext cx="1187624" cy="338554"/>
+          </a:xfrm>
+          <a:prstGeom prst="rect">
+            <a:avLst/>
+          </a:prstGeom>
+          <a:noFill/>
+        </p:spPr>
+        <p:txBody>
+          <a:bodyPr wrap="square" rtlCol="0">
+            <a:spAutoFit/>
+          </a:bodyPr>
+          <a:lstStyle/>
+          <a:p>
+            <a:r>
+              <a:rPr lang="en-US" sz="1600" b="1" dirty="0" smtClean="0"/>
+              <a:t>Input</a:t>
+            </a:r>
+            <a:endParaRPr lang="en-US" sz="1600" b="1" dirty="0"/>
+          </a:p>
+        </p:txBody>
+      </p:sp>
+      <p:sp>
+        <p:nvSpPr>
+          <p:cNvPr id="31" name="Abgerundetes Rechteck 30"/>
+          <p:cNvSpPr/>
+          <p:nvPr/>
+        </p:nvSpPr>
+        <p:spPr>
+          <a:xfrm>
+            <a:off x="4831125" y="765276"/>
+            <a:ext cx="1469067" cy="503483"/>
+          </a:xfrm>
+          <a:prstGeom prst="roundRect">
+            <a:avLst/>
+          </a:prstGeom>
+        </p:spPr>
+        <p:style>
+          <a:lnRef idx="1">
+            <a:schemeClr val="dk1"/>
+          </a:lnRef>
+          <a:fillRef idx="2">
+            <a:schemeClr val="dk1"/>
+          </a:fillRef>
+          <a:effectRef idx="1">
+            <a:schemeClr val="dk1"/>
+          </a:effectRef>
+          <a:fontRef idx="minor">
+            <a:schemeClr val="dk1"/>
+          </a:fontRef>
+        </p:style>
+        <p:txBody>
+          <a:bodyPr rtlCol="0" anchor="ctr"/>
+          <a:lstStyle/>
+          <a:p>
+            <a:pPr algn="ctr"/>
+            <a:r>
+              <a:rPr lang="en-US" sz="1600" dirty="0" smtClean="0"/>
+              <a:t>Knowledge</a:t>
+            </a:r>
+            <a:r>
+              <a:rPr lang="en-US" sz="1600" dirty="0"/>
+              <a:t> </a:t>
+            </a:r>
+            <a:r>
+              <a:rPr lang="en-US" sz="1600" dirty="0" smtClean="0"/>
+              <a:t>Model</a:t>
+            </a:r>
+          </a:p>
+        </p:txBody>
+      </p:sp>
+      <p:cxnSp>
+        <p:nvCxnSpPr>
+          <p:cNvPr id="32" name="Gerade Verbindung mit Pfeil 31"/>
+          <p:cNvCxnSpPr/>
+          <p:nvPr/>
+        </p:nvCxnSpPr>
+        <p:spPr>
+          <a:xfrm>
+            <a:off x="4283968" y="1340768"/>
+            <a:ext cx="0" cy="252028"/>
+          </a:xfrm>
+          <a:prstGeom prst="straightConnector1">
+            <a:avLst/>
+          </a:prstGeom>
+          <a:ln>
+            <a:tailEnd type="arrow"/>
+          </a:ln>
+        </p:spPr>
+        <p:style>
+          <a:lnRef idx="1">
+            <a:schemeClr val="dk1"/>
+          </a:lnRef>
+          <a:fillRef idx="0">
+            <a:schemeClr val="dk1"/>
+          </a:fillRef>
+          <a:effectRef idx="0">
+            <a:schemeClr val="dk1"/>
+          </a:effectRef>
+          <a:fontRef idx="minor">
+            <a:schemeClr val="tx1"/>
+          </a:fontRef>
+        </p:style>
+      </p:cxnSp>
+      <p:cxnSp>
+        <p:nvCxnSpPr>
+          <p:cNvPr id="33" name="Gerade Verbindung mit Pfeil 32"/>
+          <p:cNvCxnSpPr/>
+          <p:nvPr/>
+        </p:nvCxnSpPr>
+        <p:spPr>
+          <a:xfrm flipV="1">
+            <a:off x="3779911" y="2204864"/>
+            <a:ext cx="1" cy="288032"/>
+          </a:xfrm>
+          <a:prstGeom prst="straightConnector1">
+            <a:avLst/>
+          </a:prstGeom>
+          <a:ln>
+            <a:tailEnd type="arrow"/>
+          </a:ln>
+        </p:spPr>
+        <p:style>
+          <a:lnRef idx="1">
+            <a:schemeClr val="dk1"/>
+          </a:lnRef>
+          <a:fillRef idx="0">
+            <a:schemeClr val="dk1"/>
+          </a:fillRef>
+          <a:effectRef idx="0">
+            <a:schemeClr val="dk1"/>
+          </a:effectRef>
+          <a:fontRef idx="minor">
+            <a:schemeClr val="tx1"/>
+          </a:fontRef>
+        </p:style>
+      </p:cxnSp>
+    </p:spTree>
+    <p:extLst>
+      <p:ext uri="{BB962C8B-B14F-4D97-AF65-F5344CB8AC3E}">
+        <p14:creationId xmlns:p14="http://schemas.microsoft.com/office/powerpoint/2010/main" val="3707524796"/>
+      </p:ext>
+    </p:extLst>
   </p:cSld>
   <p:clrMapOvr>
     <a:masterClrMapping/>

--- a/tr-semanticsearchsurvey-data/figs/semsearch_detailed.pptx
+++ b/tr-semanticsearchsurvey-data/figs/semsearch_detailed.pptx
@@ -4077,7 +4077,7 @@
         <p:spPr>
           <a:xfrm>
             <a:off x="611560" y="188640"/>
-            <a:ext cx="4608512" cy="936104"/>
+            <a:ext cx="4320480" cy="936104"/>
           </a:xfrm>
           <a:prstGeom prst="roundRect">
             <a:avLst/>
@@ -4544,7 +4544,7 @@
         <p:spPr>
           <a:xfrm>
             <a:off x="2627784" y="476672"/>
-            <a:ext cx="2448272" cy="504056"/>
+            <a:ext cx="2160240" cy="504056"/>
           </a:xfrm>
           <a:prstGeom prst="rect">
             <a:avLst/>
@@ -4571,7 +4571,18 @@
             <a:pPr algn="ctr"/>
             <a:r>
               <a:rPr lang="en-US" sz="1600" dirty="0" smtClean="0"/>
-              <a:t>Iterative Series of (Facet-based) Operations</a:t>
+              <a:t>Iterative </a:t>
+            </a:r>
+            <a:r>
+              <a:rPr lang="en-US" sz="1600" dirty="0" smtClean="0"/>
+              <a:t>Series of </a:t>
+            </a:r>
+          </a:p>
+          <a:p>
+            <a:pPr algn="ctr"/>
+            <a:r>
+              <a:rPr lang="en-US" sz="1600" dirty="0" smtClean="0"/>
+              <a:t>User Inputs</a:t>
             </a:r>
             <a:endParaRPr lang="en-US" sz="1600" dirty="0"/>
           </a:p>
@@ -5293,8 +5304,8 @@
         </p:nvCxnSpPr>
         <p:spPr>
           <a:xfrm>
-            <a:off x="5292080" y="332656"/>
-            <a:ext cx="360040" cy="216024"/>
+            <a:off x="5076056" y="476672"/>
+            <a:ext cx="432048" cy="302673"/>
           </a:xfrm>
           <a:prstGeom prst="straightConnector1">
             <a:avLst/>
@@ -5590,8 +5601,8 @@
         </p:nvCxnSpPr>
         <p:spPr>
           <a:xfrm flipH="1">
-            <a:off x="5436096" y="1268760"/>
-            <a:ext cx="216024" cy="216024"/>
+            <a:off x="5148064" y="1124744"/>
+            <a:ext cx="360040" cy="360040"/>
           </a:xfrm>
           <a:prstGeom prst="straightConnector1">
             <a:avLst/>
@@ -5623,8 +5634,8 @@
         </p:nvCxnSpPr>
         <p:spPr>
           <a:xfrm flipH="1" flipV="1">
-            <a:off x="5076056" y="4653136"/>
-            <a:ext cx="288032" cy="241285"/>
+            <a:off x="4955930" y="4665968"/>
+            <a:ext cx="372154" cy="275200"/>
           </a:xfrm>
           <a:prstGeom prst="straightConnector1">
             <a:avLst/>
@@ -5865,8 +5876,8 @@
         </p:nvCxnSpPr>
         <p:spPr>
           <a:xfrm flipV="1">
-            <a:off x="4726601" y="5301208"/>
-            <a:ext cx="637487" cy="113818"/>
+            <a:off x="4726601" y="5264477"/>
+            <a:ext cx="601483" cy="150549"/>
           </a:xfrm>
           <a:prstGeom prst="straightConnector1">
             <a:avLst/>
@@ -6487,6 +6498,174 @@
           <a:xfrm flipV="1">
             <a:off x="1403648" y="4509120"/>
             <a:ext cx="0" cy="360040"/>
+          </a:xfrm>
+          <a:prstGeom prst="straightConnector1">
+            <a:avLst/>
+          </a:prstGeom>
+          <a:ln>
+            <a:tailEnd type="arrow"/>
+          </a:ln>
+        </p:spPr>
+        <p:style>
+          <a:lnRef idx="1">
+            <a:schemeClr val="dk1"/>
+          </a:lnRef>
+          <a:fillRef idx="0">
+            <a:schemeClr val="dk1"/>
+          </a:fillRef>
+          <a:effectRef idx="0">
+            <a:schemeClr val="dk1"/>
+          </a:effectRef>
+          <a:fontRef idx="minor">
+            <a:schemeClr val="tx1"/>
+          </a:fontRef>
+        </p:style>
+      </p:cxnSp>
+      <p:cxnSp>
+        <p:nvCxnSpPr>
+          <p:cNvPr id="78" name="Gerade Verbindung mit Pfeil 77"/>
+          <p:cNvCxnSpPr/>
+          <p:nvPr/>
+        </p:nvCxnSpPr>
+        <p:spPr>
+          <a:xfrm>
+            <a:off x="2915816" y="5877272"/>
+            <a:ext cx="0" cy="216024"/>
+          </a:xfrm>
+          <a:prstGeom prst="straightConnector1">
+            <a:avLst/>
+          </a:prstGeom>
+          <a:ln>
+            <a:headEnd type="none" w="med" len="med"/>
+            <a:tailEnd type="none" w="med" len="med"/>
+          </a:ln>
+        </p:spPr>
+        <p:style>
+          <a:lnRef idx="1">
+            <a:schemeClr val="dk1"/>
+          </a:lnRef>
+          <a:fillRef idx="0">
+            <a:schemeClr val="dk1"/>
+          </a:fillRef>
+          <a:effectRef idx="0">
+            <a:schemeClr val="dk1"/>
+          </a:effectRef>
+          <a:fontRef idx="minor">
+            <a:schemeClr val="tx1"/>
+          </a:fontRef>
+        </p:style>
+      </p:cxnSp>
+      <p:cxnSp>
+        <p:nvCxnSpPr>
+          <p:cNvPr id="80" name="Gerade Verbindung mit Pfeil 79"/>
+          <p:cNvCxnSpPr/>
+          <p:nvPr/>
+        </p:nvCxnSpPr>
+        <p:spPr>
+          <a:xfrm>
+            <a:off x="2915816" y="6093296"/>
+            <a:ext cx="6408712" cy="0"/>
+          </a:xfrm>
+          <a:prstGeom prst="straightConnector1">
+            <a:avLst/>
+          </a:prstGeom>
+          <a:ln>
+            <a:headEnd type="none" w="med" len="med"/>
+            <a:tailEnd type="none" w="med" len="med"/>
+          </a:ln>
+        </p:spPr>
+        <p:style>
+          <a:lnRef idx="1">
+            <a:schemeClr val="dk1"/>
+          </a:lnRef>
+          <a:fillRef idx="0">
+            <a:schemeClr val="dk1"/>
+          </a:fillRef>
+          <a:effectRef idx="0">
+            <a:schemeClr val="dk1"/>
+          </a:effectRef>
+          <a:fontRef idx="minor">
+            <a:schemeClr val="tx1"/>
+          </a:fontRef>
+        </p:style>
+      </p:cxnSp>
+      <p:cxnSp>
+        <p:nvCxnSpPr>
+          <p:cNvPr id="85" name="Gerade Verbindung mit Pfeil 84"/>
+          <p:cNvCxnSpPr/>
+          <p:nvPr/>
+        </p:nvCxnSpPr>
+        <p:spPr>
+          <a:xfrm>
+            <a:off x="9324528" y="917431"/>
+            <a:ext cx="0" cy="5175865"/>
+          </a:xfrm>
+          <a:prstGeom prst="straightConnector1">
+            <a:avLst/>
+          </a:prstGeom>
+          <a:ln>
+            <a:headEnd type="none" w="med" len="med"/>
+            <a:tailEnd type="none" w="med" len="med"/>
+          </a:ln>
+        </p:spPr>
+        <p:style>
+          <a:lnRef idx="1">
+            <a:schemeClr val="dk1"/>
+          </a:lnRef>
+          <a:fillRef idx="0">
+            <a:schemeClr val="dk1"/>
+          </a:fillRef>
+          <a:effectRef idx="0">
+            <a:schemeClr val="dk1"/>
+          </a:effectRef>
+          <a:fontRef idx="minor">
+            <a:schemeClr val="tx1"/>
+          </a:fontRef>
+        </p:style>
+      </p:cxnSp>
+      <p:cxnSp>
+        <p:nvCxnSpPr>
+          <p:cNvPr id="91" name="Gerade Verbindung mit Pfeil 90"/>
+          <p:cNvCxnSpPr/>
+          <p:nvPr/>
+        </p:nvCxnSpPr>
+        <p:spPr>
+          <a:xfrm flipH="1">
+            <a:off x="8748464" y="908720"/>
+            <a:ext cx="576064" cy="0"/>
+          </a:xfrm>
+          <a:prstGeom prst="straightConnector1">
+            <a:avLst/>
+          </a:prstGeom>
+          <a:ln>
+            <a:tailEnd type="arrow"/>
+          </a:ln>
+        </p:spPr>
+        <p:style>
+          <a:lnRef idx="1">
+            <a:schemeClr val="dk1"/>
+          </a:lnRef>
+          <a:fillRef idx="0">
+            <a:schemeClr val="dk1"/>
+          </a:fillRef>
+          <a:effectRef idx="0">
+            <a:schemeClr val="dk1"/>
+          </a:effectRef>
+          <a:fontRef idx="minor">
+            <a:schemeClr val="tx1"/>
+          </a:fontRef>
+        </p:style>
+      </p:cxnSp>
+      <p:cxnSp>
+        <p:nvCxnSpPr>
+          <p:cNvPr id="94" name="Gerade Verbindung mit Pfeil 93"/>
+          <p:cNvCxnSpPr/>
+          <p:nvPr/>
+        </p:nvCxnSpPr>
+        <p:spPr>
+          <a:xfrm flipH="1">
+            <a:off x="8748464" y="5122638"/>
+            <a:ext cx="576064" cy="0"/>
           </a:xfrm>
           <a:prstGeom prst="straightConnector1">
             <a:avLst/>
